--- a/行情图/什么是爆仓.pptx
+++ b/行情图/什么是爆仓.pptx
@@ -2,7 +2,7 @@
 <file path=ppt/presentation.xml><?xml version="1.0" encoding="utf-8"?>
 <p:presentation xmlns:a="http://schemas.openxmlformats.org/drawingml/2006/main" xmlns:r="http://schemas.openxmlformats.org/officeDocument/2006/relationships" xmlns:p="http://schemas.openxmlformats.org/presentationml/2006/main" saveSubsetFonts="1">
   <p:sldMasterIdLst>
-    <p:sldMasterId id="2147483648" r:id="rId1"/>
+    <p:sldMasterId id="2147484230" r:id="rId1"/>
   </p:sldMasterIdLst>
   <p:sldIdLst>
     <p:sldId id="256" r:id="rId2"/>
@@ -122,6 +122,11 @@
 <file path=ppt/slideLayouts/slideLayout1.xml><?xml version="1.0" encoding="utf-8"?>
 <p:sldLayout xmlns:a="http://schemas.openxmlformats.org/drawingml/2006/main" xmlns:r="http://schemas.openxmlformats.org/officeDocument/2006/relationships" xmlns:p="http://schemas.openxmlformats.org/presentationml/2006/main" type="title" preserve="1">
   <p:cSld name="标题幻灯片">
+    <p:bg>
+      <p:bgRef idx="1003">
+        <a:schemeClr val="bg2"/>
+      </p:bgRef>
+    </p:bg>
     <p:spTree>
       <p:nvGrpSpPr>
         <p:cNvPr id="1" name=""/>
@@ -136,9 +141,39 @@
           <a:chExt cx="0" cy="0"/>
         </a:xfrm>
       </p:grpSpPr>
-      <p:sp>
-        <p:nvSpPr>
-          <p:cNvPr id="2" name="标题 1"/>
+      <p:pic>
+        <p:nvPicPr>
+          <p:cNvPr id="7" name="Picture 6" descr="Celestia-R1---OverlayTitleHD.png"/>
+          <p:cNvPicPr>
+            <a:picLocks noChangeAspect="1"/>
+          </p:cNvPicPr>
+          <p:nvPr/>
+        </p:nvPicPr>
+        <p:blipFill>
+          <a:blip r:embed="rId2">
+            <a:extLst>
+              <a:ext uri="{28A0092B-C50C-407E-A947-70E740481C1C}">
+                <a14:useLocalDpi xmlns:a14="http://schemas.microsoft.com/office/drawing/2010/main" val="0"/>
+              </a:ext>
+            </a:extLst>
+          </a:blip>
+          <a:stretch>
+            <a:fillRect/>
+          </a:stretch>
+        </p:blipFill>
+        <p:spPr>
+          <a:xfrm>
+            <a:off x="0" y="0"/>
+            <a:ext cx="12188825" cy="6856214"/>
+          </a:xfrm>
+          <a:prstGeom prst="rect">
+            <a:avLst/>
+          </a:prstGeom>
+        </p:spPr>
+      </p:pic>
+      <p:sp>
+        <p:nvSpPr>
+          <p:cNvPr id="2" name="Title 1"/>
           <p:cNvSpPr>
             <a:spLocks noGrp="1"/>
           </p:cNvSpPr>
@@ -148,15 +183,19 @@
         </p:nvSpPr>
         <p:spPr>
           <a:xfrm>
-            <a:off x="1524000" y="1122363"/>
-            <a:ext cx="9144000" cy="2387600"/>
+            <a:off x="3962399" y="1964267"/>
+            <a:ext cx="7197726" cy="2421464"/>
           </a:xfrm>
         </p:spPr>
         <p:txBody>
-          <a:bodyPr anchor="b"/>
+          <a:bodyPr anchor="b">
+            <a:normAutofit/>
+          </a:bodyPr>
           <a:lstStyle>
-            <a:lvl1pPr algn="ctr">
-              <a:defRPr sz="6000"/>
+            <a:lvl1pPr algn="r">
+              <a:defRPr sz="4800">
+                <a:effectLst/>
+              </a:defRPr>
             </a:lvl1pPr>
           </a:lstStyle>
           <a:p>
@@ -164,13 +203,13 @@
               <a:rPr lang="zh-CN" altLang="en-US" smtClean="0"/>
               <a:t>单击此处编辑母版标题样式</a:t>
             </a:r>
-            <a:endParaRPr lang="zh-CN" altLang="en-US"/>
-          </a:p>
-        </p:txBody>
-      </p:sp>
-      <p:sp>
-        <p:nvSpPr>
-          <p:cNvPr id="3" name="副标题 2"/>
+            <a:endParaRPr lang="en-US" dirty="0"/>
+          </a:p>
+        </p:txBody>
+      </p:sp>
+      <p:sp>
+        <p:nvSpPr>
+          <p:cNvPr id="3" name="Subtitle 2"/>
           <p:cNvSpPr>
             <a:spLocks noGrp="1"/>
           </p:cNvSpPr>
@@ -180,48 +219,102 @@
         </p:nvSpPr>
         <p:spPr>
           <a:xfrm>
-            <a:off x="1524000" y="3602038"/>
-            <a:ext cx="9144000" cy="1655762"/>
+            <a:off x="3962399" y="4385732"/>
+            <a:ext cx="7197726" cy="1405467"/>
           </a:xfrm>
         </p:spPr>
         <p:txBody>
-          <a:bodyPr/>
+          <a:bodyPr anchor="t">
+            <a:normAutofit/>
+          </a:bodyPr>
           <a:lstStyle>
-            <a:lvl1pPr marL="0" indent="0" algn="ctr">
-              <a:buNone/>
-              <a:defRPr sz="2400"/>
+            <a:lvl1pPr marL="0" indent="0" algn="r">
+              <a:buNone/>
+              <a:defRPr sz="1800" cap="all">
+                <a:solidFill>
+                  <a:schemeClr val="tx1"/>
+                </a:solidFill>
+              </a:defRPr>
             </a:lvl1pPr>
             <a:lvl2pPr marL="457200" indent="0" algn="ctr">
               <a:buNone/>
-              <a:defRPr sz="2000"/>
+              <a:defRPr>
+                <a:solidFill>
+                  <a:schemeClr val="tx1">
+                    <a:tint val="75000"/>
+                  </a:schemeClr>
+                </a:solidFill>
+              </a:defRPr>
             </a:lvl2pPr>
             <a:lvl3pPr marL="914400" indent="0" algn="ctr">
               <a:buNone/>
-              <a:defRPr sz="1800"/>
+              <a:defRPr>
+                <a:solidFill>
+                  <a:schemeClr val="tx1">
+                    <a:tint val="75000"/>
+                  </a:schemeClr>
+                </a:solidFill>
+              </a:defRPr>
             </a:lvl3pPr>
             <a:lvl4pPr marL="1371600" indent="0" algn="ctr">
               <a:buNone/>
-              <a:defRPr sz="1600"/>
+              <a:defRPr>
+                <a:solidFill>
+                  <a:schemeClr val="tx1">
+                    <a:tint val="75000"/>
+                  </a:schemeClr>
+                </a:solidFill>
+              </a:defRPr>
             </a:lvl4pPr>
             <a:lvl5pPr marL="1828800" indent="0" algn="ctr">
               <a:buNone/>
-              <a:defRPr sz="1600"/>
+              <a:defRPr>
+                <a:solidFill>
+                  <a:schemeClr val="tx1">
+                    <a:tint val="75000"/>
+                  </a:schemeClr>
+                </a:solidFill>
+              </a:defRPr>
             </a:lvl5pPr>
             <a:lvl6pPr marL="2286000" indent="0" algn="ctr">
               <a:buNone/>
-              <a:defRPr sz="1600"/>
+              <a:defRPr>
+                <a:solidFill>
+                  <a:schemeClr val="tx1">
+                    <a:tint val="75000"/>
+                  </a:schemeClr>
+                </a:solidFill>
+              </a:defRPr>
             </a:lvl6pPr>
             <a:lvl7pPr marL="2743200" indent="0" algn="ctr">
               <a:buNone/>
-              <a:defRPr sz="1600"/>
+              <a:defRPr>
+                <a:solidFill>
+                  <a:schemeClr val="tx1">
+                    <a:tint val="75000"/>
+                  </a:schemeClr>
+                </a:solidFill>
+              </a:defRPr>
             </a:lvl7pPr>
             <a:lvl8pPr marL="3200400" indent="0" algn="ctr">
               <a:buNone/>
-              <a:defRPr sz="1600"/>
+              <a:defRPr>
+                <a:solidFill>
+                  <a:schemeClr val="tx1">
+                    <a:tint val="75000"/>
+                  </a:schemeClr>
+                </a:solidFill>
+              </a:defRPr>
             </a:lvl8pPr>
             <a:lvl9pPr marL="3657600" indent="0" algn="ctr">
               <a:buNone/>
-              <a:defRPr sz="1600"/>
+              <a:defRPr>
+                <a:solidFill>
+                  <a:schemeClr val="tx1">
+                    <a:tint val="75000"/>
+                  </a:schemeClr>
+                </a:solidFill>
+              </a:defRPr>
             </a:lvl9pPr>
           </a:lstStyle>
           <a:p>
@@ -229,13 +322,13 @@
               <a:rPr lang="zh-CN" altLang="en-US" smtClean="0"/>
               <a:t>单击此处编辑母版副标题样式</a:t>
             </a:r>
-            <a:endParaRPr lang="zh-CN" altLang="en-US"/>
-          </a:p>
-        </p:txBody>
-      </p:sp>
-      <p:sp>
-        <p:nvSpPr>
-          <p:cNvPr id="4" name="日期占位符 3"/>
+            <a:endParaRPr lang="en-US" dirty="0"/>
+          </a:p>
+        </p:txBody>
+      </p:sp>
+      <p:sp>
+        <p:nvSpPr>
+          <p:cNvPr id="4" name="Date Placeholder 3"/>
           <p:cNvSpPr>
             <a:spLocks noGrp="1"/>
           </p:cNvSpPr>
@@ -243,7 +336,12 @@
             <p:ph type="dt" sz="half" idx="10"/>
           </p:nvPr>
         </p:nvSpPr>
-        <p:spPr/>
+        <p:spPr>
+          <a:xfrm>
+            <a:off x="8932558" y="5870575"/>
+            <a:ext cx="1600200" cy="377825"/>
+          </a:xfrm>
+        </p:spPr>
         <p:txBody>
           <a:bodyPr/>
           <a:lstStyle/>
@@ -258,7 +356,7 @@
       </p:sp>
       <p:sp>
         <p:nvSpPr>
-          <p:cNvPr id="5" name="页脚占位符 4"/>
+          <p:cNvPr id="5" name="Footer Placeholder 4"/>
           <p:cNvSpPr>
             <a:spLocks noGrp="1"/>
           </p:cNvSpPr>
@@ -266,7 +364,12 @@
             <p:ph type="ftr" sz="quarter" idx="11"/>
           </p:nvPr>
         </p:nvSpPr>
-        <p:spPr/>
+        <p:spPr>
+          <a:xfrm>
+            <a:off x="3962399" y="5870575"/>
+            <a:ext cx="4893958" cy="377825"/>
+          </a:xfrm>
+        </p:spPr>
         <p:txBody>
           <a:bodyPr/>
           <a:lstStyle/>
@@ -277,7 +380,7 @@
       </p:sp>
       <p:sp>
         <p:nvSpPr>
-          <p:cNvPr id="6" name="灯片编号占位符 5"/>
+          <p:cNvPr id="6" name="Slide Number Placeholder 5"/>
           <p:cNvSpPr>
             <a:spLocks noGrp="1"/>
           </p:cNvSpPr>
@@ -285,7 +388,12 @@
             <p:ph type="sldNum" sz="quarter" idx="12"/>
           </p:nvPr>
         </p:nvSpPr>
-        <p:spPr/>
+        <p:spPr>
+          <a:xfrm>
+            <a:off x="10608958" y="5870575"/>
+            <a:ext cx="551167" cy="377825"/>
+          </a:xfrm>
+        </p:spPr>
         <p:txBody>
           <a:bodyPr/>
           <a:lstStyle/>
@@ -301,19 +409,24 @@
     </p:spTree>
     <p:extLst>
       <p:ext uri="{BB962C8B-B14F-4D97-AF65-F5344CB8AC3E}">
-        <p14:creationId xmlns:p14="http://schemas.microsoft.com/office/powerpoint/2010/main" val="2432471549"/>
+        <p14:creationId xmlns:p14="http://schemas.microsoft.com/office/powerpoint/2010/main" val="1313087082"/>
       </p:ext>
     </p:extLst>
   </p:cSld>
   <p:clrMapOvr>
-    <a:masterClrMapping/>
+    <a:overrideClrMapping bg1="dk1" tx1="lt1" bg2="dk2" tx2="lt2" accent1="accent1" accent2="accent2" accent3="accent3" accent4="accent4" accent5="accent5" accent6="accent6" hlink="hlink" folHlink="folHlink"/>
   </p:clrMapOvr>
+  <p:extLst>
+    <p:ext uri="{DCECCB84-F9BA-43D5-87BE-67443E8EF086}">
+      <p15:sldGuideLst xmlns:p15="http://schemas.microsoft.com/office/powerpoint/2012/main"/>
+    </p:ext>
+  </p:extLst>
 </p:sldLayout>
 </file>
 
 <file path=ppt/slideLayouts/slideLayout10.xml><?xml version="1.0" encoding="utf-8"?>
-<p:sldLayout xmlns:a="http://schemas.openxmlformats.org/drawingml/2006/main" xmlns:r="http://schemas.openxmlformats.org/officeDocument/2006/relationships" xmlns:p="http://schemas.openxmlformats.org/presentationml/2006/main" type="vertTx" preserve="1">
-  <p:cSld name="标题和竖排文字">
+<p:sldLayout xmlns:a="http://schemas.openxmlformats.org/drawingml/2006/main" xmlns:r="http://schemas.openxmlformats.org/officeDocument/2006/relationships" xmlns:p="http://schemas.openxmlformats.org/presentationml/2006/main" preserve="1">
+  <p:cSld name="带标题的全景图片">
     <p:spTree>
       <p:nvGrpSpPr>
         <p:cNvPr id="1" name=""/>
@@ -328,9 +441,39 @@
           <a:chExt cx="0" cy="0"/>
         </a:xfrm>
       </p:grpSpPr>
-      <p:sp>
-        <p:nvSpPr>
-          <p:cNvPr id="2" name="标题 1"/>
+      <p:pic>
+        <p:nvPicPr>
+          <p:cNvPr id="8" name="Picture 7" descr="Celestia-R1---OverlayContentHD.png"/>
+          <p:cNvPicPr>
+            <a:picLocks noChangeAspect="1"/>
+          </p:cNvPicPr>
+          <p:nvPr/>
+        </p:nvPicPr>
+        <p:blipFill>
+          <a:blip r:embed="rId2">
+            <a:extLst>
+              <a:ext uri="{28A0092B-C50C-407E-A947-70E740481C1C}">
+                <a14:useLocalDpi xmlns:a14="http://schemas.microsoft.com/office/drawing/2010/main" val="0"/>
+              </a:ext>
+            </a:extLst>
+          </a:blip>
+          <a:stretch>
+            <a:fillRect/>
+          </a:stretch>
+        </p:blipFill>
+        <p:spPr>
+          <a:xfrm>
+            <a:off x="0" y="0"/>
+            <a:ext cx="12188825" cy="6856214"/>
+          </a:xfrm>
+          <a:prstGeom prst="rect">
+            <a:avLst/>
+          </a:prstGeom>
+        </p:spPr>
+      </p:pic>
+      <p:sp>
+        <p:nvSpPr>
+          <p:cNvPr id="2" name="Title 1"/>
           <p:cNvSpPr>
             <a:spLocks noGrp="1"/>
           </p:cNvSpPr>
@@ -338,33 +481,186 @@
             <p:ph type="title"/>
           </p:nvPr>
         </p:nvSpPr>
-        <p:spPr/>
-        <p:txBody>
-          <a:bodyPr/>
-          <a:lstStyle/>
+        <p:spPr>
+          <a:xfrm>
+            <a:off x="685800" y="4732865"/>
+            <a:ext cx="10131427" cy="566738"/>
+          </a:xfrm>
+        </p:spPr>
+        <p:txBody>
+          <a:bodyPr anchor="b">
+            <a:normAutofit/>
+          </a:bodyPr>
+          <a:lstStyle>
+            <a:lvl1pPr algn="l">
+              <a:defRPr sz="2400" b="0"/>
+            </a:lvl1pPr>
+          </a:lstStyle>
           <a:p>
             <a:r>
               <a:rPr lang="zh-CN" altLang="en-US" smtClean="0"/>
               <a:t>单击此处编辑母版标题样式</a:t>
             </a:r>
-            <a:endParaRPr lang="zh-CN" altLang="en-US"/>
-          </a:p>
-        </p:txBody>
-      </p:sp>
-      <p:sp>
-        <p:nvSpPr>
-          <p:cNvPr id="3" name="竖排文字占位符 2"/>
+            <a:endParaRPr lang="en-US" dirty="0"/>
+          </a:p>
+        </p:txBody>
+      </p:sp>
+      <p:sp>
+        <p:nvSpPr>
+          <p:cNvPr id="3" name="Picture Placeholder 2"/>
+          <p:cNvSpPr>
+            <a:spLocks noGrp="1" noChangeAspect="1"/>
+          </p:cNvSpPr>
+          <p:nvPr>
+            <p:ph type="pic" idx="1"/>
+          </p:nvPr>
+        </p:nvSpPr>
+        <p:spPr>
+          <a:xfrm>
+            <a:off x="1371600" y="932112"/>
+            <a:ext cx="8759827" cy="3164976"/>
+          </a:xfrm>
+          <a:prstGeom prst="roundRect">
+            <a:avLst>
+              <a:gd name="adj" fmla="val 4380"/>
+            </a:avLst>
+          </a:prstGeom>
+          <a:ln w="50800" cap="sq" cmpd="dbl">
+            <a:gradFill flip="none" rotWithShape="1">
+              <a:gsLst>
+                <a:gs pos="0">
+                  <a:srgbClr val="FFFFFF"/>
+                </a:gs>
+                <a:gs pos="100000">
+                  <a:schemeClr val="tx1">
+                    <a:alpha val="0"/>
+                  </a:schemeClr>
+                </a:gs>
+              </a:gsLst>
+              <a:path path="circle">
+                <a:fillToRect l="50000" t="50000" r="50000" b="50000"/>
+              </a:path>
+              <a:tileRect/>
+            </a:gradFill>
+            <a:miter lim="800000"/>
+          </a:ln>
+          <a:effectLst>
+            <a:outerShdw blurRad="254000" algn="tl" rotWithShape="0">
+              <a:srgbClr val="000000">
+                <a:alpha val="43000"/>
+              </a:srgbClr>
+            </a:outerShdw>
+          </a:effectLst>
+        </p:spPr>
+        <p:txBody>
+          <a:bodyPr anchor="t">
+            <a:normAutofit/>
+          </a:bodyPr>
+          <a:lstStyle>
+            <a:lvl1pPr marL="0" indent="0" algn="ctr">
+              <a:buNone/>
+              <a:defRPr sz="1600"/>
+            </a:lvl1pPr>
+            <a:lvl2pPr marL="457200" indent="0">
+              <a:buNone/>
+              <a:defRPr sz="1600"/>
+            </a:lvl2pPr>
+            <a:lvl3pPr marL="914400" indent="0">
+              <a:buNone/>
+              <a:defRPr sz="1600"/>
+            </a:lvl3pPr>
+            <a:lvl4pPr marL="1371600" indent="0">
+              <a:buNone/>
+              <a:defRPr sz="1600"/>
+            </a:lvl4pPr>
+            <a:lvl5pPr marL="1828800" indent="0">
+              <a:buNone/>
+              <a:defRPr sz="1600"/>
+            </a:lvl5pPr>
+            <a:lvl6pPr marL="2286000" indent="0">
+              <a:buNone/>
+              <a:defRPr sz="1600"/>
+            </a:lvl6pPr>
+            <a:lvl7pPr marL="2743200" indent="0">
+              <a:buNone/>
+              <a:defRPr sz="1600"/>
+            </a:lvl7pPr>
+            <a:lvl8pPr marL="3200400" indent="0">
+              <a:buNone/>
+              <a:defRPr sz="1600"/>
+            </a:lvl8pPr>
+            <a:lvl9pPr marL="3657600" indent="0">
+              <a:buNone/>
+              <a:defRPr sz="1600"/>
+            </a:lvl9pPr>
+          </a:lstStyle>
+          <a:p>
+            <a:r>
+              <a:rPr lang="zh-CN" altLang="en-US" smtClean="0"/>
+              <a:t>将图片拖动到占位符，或单击添加图标</a:t>
+            </a:r>
+            <a:endParaRPr lang="en-US" dirty="0"/>
+          </a:p>
+        </p:txBody>
+      </p:sp>
+      <p:sp>
+        <p:nvSpPr>
+          <p:cNvPr id="4" name="Text Placeholder 3"/>
           <p:cNvSpPr>
             <a:spLocks noGrp="1"/>
           </p:cNvSpPr>
           <p:nvPr>
-            <p:ph type="body" orient="vert" idx="1"/>
+            <p:ph type="body" sz="half" idx="2"/>
           </p:nvPr>
         </p:nvSpPr>
-        <p:spPr/>
-        <p:txBody>
-          <a:bodyPr vert="eaVert"/>
-          <a:lstStyle/>
+        <p:spPr>
+          <a:xfrm>
+            <a:off x="685800" y="5299603"/>
+            <a:ext cx="10131427" cy="493712"/>
+          </a:xfrm>
+        </p:spPr>
+        <p:txBody>
+          <a:bodyPr anchor="t">
+            <a:normAutofit/>
+          </a:bodyPr>
+          <a:lstStyle>
+            <a:lvl1pPr marL="0" indent="0">
+              <a:buNone/>
+              <a:defRPr sz="1400"/>
+            </a:lvl1pPr>
+            <a:lvl2pPr marL="457200" indent="0">
+              <a:buNone/>
+              <a:defRPr sz="1200"/>
+            </a:lvl2pPr>
+            <a:lvl3pPr marL="914400" indent="0">
+              <a:buNone/>
+              <a:defRPr sz="1000"/>
+            </a:lvl3pPr>
+            <a:lvl4pPr marL="1371600" indent="0">
+              <a:buNone/>
+              <a:defRPr sz="900"/>
+            </a:lvl4pPr>
+            <a:lvl5pPr marL="1828800" indent="0">
+              <a:buNone/>
+              <a:defRPr sz="900"/>
+            </a:lvl5pPr>
+            <a:lvl6pPr marL="2286000" indent="0">
+              <a:buNone/>
+              <a:defRPr sz="900"/>
+            </a:lvl6pPr>
+            <a:lvl7pPr marL="2743200" indent="0">
+              <a:buNone/>
+              <a:defRPr sz="900"/>
+            </a:lvl7pPr>
+            <a:lvl8pPr marL="3200400" indent="0">
+              <a:buNone/>
+              <a:defRPr sz="900"/>
+            </a:lvl8pPr>
+            <a:lvl9pPr marL="3657600" indent="0">
+              <a:buNone/>
+              <a:defRPr sz="900"/>
+            </a:lvl9pPr>
+          </a:lstStyle>
           <a:p>
             <a:pPr lvl="0"/>
             <a:r>
@@ -372,40 +668,11 @@
               <a:t>单击此处编辑母版文本样式</a:t>
             </a:r>
           </a:p>
-          <a:p>
-            <a:pPr lvl="1"/>
-            <a:r>
-              <a:rPr lang="zh-CN" altLang="en-US" smtClean="0"/>
-              <a:t>第二级</a:t>
-            </a:r>
-          </a:p>
-          <a:p>
-            <a:pPr lvl="2"/>
-            <a:r>
-              <a:rPr lang="zh-CN" altLang="en-US" smtClean="0"/>
-              <a:t>第三级</a:t>
-            </a:r>
-          </a:p>
-          <a:p>
-            <a:pPr lvl="3"/>
-            <a:r>
-              <a:rPr lang="zh-CN" altLang="en-US" smtClean="0"/>
-              <a:t>第四级</a:t>
-            </a:r>
-          </a:p>
-          <a:p>
-            <a:pPr lvl="4"/>
-            <a:r>
-              <a:rPr lang="zh-CN" altLang="en-US" smtClean="0"/>
-              <a:t>第五级</a:t>
-            </a:r>
-            <a:endParaRPr lang="zh-CN" altLang="en-US"/>
-          </a:p>
-        </p:txBody>
-      </p:sp>
-      <p:sp>
-        <p:nvSpPr>
-          <p:cNvPr id="4" name="日期占位符 3"/>
+        </p:txBody>
+      </p:sp>
+      <p:sp>
+        <p:nvSpPr>
+          <p:cNvPr id="5" name="Date Placeholder 4"/>
           <p:cNvSpPr>
             <a:spLocks noGrp="1"/>
           </p:cNvSpPr>
@@ -428,7 +695,7 @@
       </p:sp>
       <p:sp>
         <p:nvSpPr>
-          <p:cNvPr id="5" name="页脚占位符 4"/>
+          <p:cNvPr id="6" name="Footer Placeholder 5"/>
           <p:cNvSpPr>
             <a:spLocks noGrp="1"/>
           </p:cNvSpPr>
@@ -447,7 +714,7 @@
       </p:sp>
       <p:sp>
         <p:nvSpPr>
-          <p:cNvPr id="6" name="灯片编号占位符 5"/>
+          <p:cNvPr id="7" name="Slide Number Placeholder 6"/>
           <p:cNvSpPr>
             <a:spLocks noGrp="1"/>
           </p:cNvSpPr>
@@ -471,7 +738,7 @@
     </p:spTree>
     <p:extLst>
       <p:ext uri="{BB962C8B-B14F-4D97-AF65-F5344CB8AC3E}">
-        <p14:creationId xmlns:p14="http://schemas.microsoft.com/office/powerpoint/2010/main" val="1584298507"/>
+        <p14:creationId xmlns:p14="http://schemas.microsoft.com/office/powerpoint/2010/main" val="758243941"/>
       </p:ext>
     </p:extLst>
   </p:cSld>
@@ -482,8 +749,8 @@
 </file>
 
 <file path=ppt/slideLayouts/slideLayout11.xml><?xml version="1.0" encoding="utf-8"?>
-<p:sldLayout xmlns:a="http://schemas.openxmlformats.org/drawingml/2006/main" xmlns:r="http://schemas.openxmlformats.org/officeDocument/2006/relationships" xmlns:p="http://schemas.openxmlformats.org/presentationml/2006/main" type="vertTitleAndTx" preserve="1">
-  <p:cSld name="垂直排列标题与&#10;文本">
+<p:sldLayout xmlns:a="http://schemas.openxmlformats.org/drawingml/2006/main" xmlns:r="http://schemas.openxmlformats.org/officeDocument/2006/relationships" xmlns:p="http://schemas.openxmlformats.org/presentationml/2006/main" preserve="1">
+  <p:cSld name="标题和题注">
     <p:spTree>
       <p:nvGrpSpPr>
         <p:cNvPr id="1" name=""/>
@@ -498,53 +765,180 @@
           <a:chExt cx="0" cy="0"/>
         </a:xfrm>
       </p:grpSpPr>
-      <p:sp>
-        <p:nvSpPr>
-          <p:cNvPr id="2" name="竖排标题 1"/>
+      <p:pic>
+        <p:nvPicPr>
+          <p:cNvPr id="7" name="Picture 6" descr="Celestia-R1---OverlayContentHD.png"/>
+          <p:cNvPicPr>
+            <a:picLocks noChangeAspect="1"/>
+          </p:cNvPicPr>
+          <p:nvPr/>
+        </p:nvPicPr>
+        <p:blipFill>
+          <a:blip r:embed="rId2">
+            <a:extLst>
+              <a:ext uri="{28A0092B-C50C-407E-A947-70E740481C1C}">
+                <a14:useLocalDpi xmlns:a14="http://schemas.microsoft.com/office/drawing/2010/main" val="0"/>
+              </a:ext>
+            </a:extLst>
+          </a:blip>
+          <a:stretch>
+            <a:fillRect/>
+          </a:stretch>
+        </p:blipFill>
+        <p:spPr>
+          <a:xfrm>
+            <a:off x="0" y="0"/>
+            <a:ext cx="12188825" cy="6856214"/>
+          </a:xfrm>
+          <a:prstGeom prst="rect">
+            <a:avLst/>
+          </a:prstGeom>
+        </p:spPr>
+      </p:pic>
+      <p:sp>
+        <p:nvSpPr>
+          <p:cNvPr id="2" name="Title 1"/>
           <p:cNvSpPr>
             <a:spLocks noGrp="1"/>
           </p:cNvSpPr>
           <p:nvPr>
-            <p:ph type="title" orient="vert"/>
+            <p:ph type="title"/>
           </p:nvPr>
         </p:nvSpPr>
         <p:spPr>
           <a:xfrm>
-            <a:off x="8724900" y="365125"/>
-            <a:ext cx="2628900" cy="5811838"/>
+            <a:off x="685801" y="609601"/>
+            <a:ext cx="10131427" cy="3124199"/>
           </a:xfrm>
         </p:spPr>
         <p:txBody>
-          <a:bodyPr vert="eaVert"/>
-          <a:lstStyle/>
+          <a:bodyPr anchor="ctr">
+            <a:normAutofit/>
+          </a:bodyPr>
+          <a:lstStyle>
+            <a:lvl1pPr algn="l">
+              <a:defRPr sz="3200" b="0" cap="none"/>
+            </a:lvl1pPr>
+          </a:lstStyle>
           <a:p>
             <a:r>
               <a:rPr lang="zh-CN" altLang="en-US" smtClean="0"/>
               <a:t>单击此处编辑母版标题样式</a:t>
             </a:r>
-            <a:endParaRPr lang="zh-CN" altLang="en-US"/>
-          </a:p>
-        </p:txBody>
-      </p:sp>
-      <p:sp>
-        <p:nvSpPr>
-          <p:cNvPr id="3" name="竖排文字占位符 2"/>
+            <a:endParaRPr lang="en-US" dirty="0"/>
+          </a:p>
+        </p:txBody>
+      </p:sp>
+      <p:sp>
+        <p:nvSpPr>
+          <p:cNvPr id="3" name="Text Placeholder 2"/>
           <p:cNvSpPr>
             <a:spLocks noGrp="1"/>
           </p:cNvSpPr>
           <p:nvPr>
-            <p:ph type="body" orient="vert" idx="1"/>
+            <p:ph type="body" idx="1"/>
           </p:nvPr>
         </p:nvSpPr>
         <p:spPr>
           <a:xfrm>
-            <a:off x="838200" y="365125"/>
-            <a:ext cx="7734300" cy="5811838"/>
+            <a:off x="685800" y="4343400"/>
+            <a:ext cx="10131428" cy="1447800"/>
           </a:xfrm>
         </p:spPr>
         <p:txBody>
-          <a:bodyPr vert="eaVert"/>
-          <a:lstStyle/>
+          <a:bodyPr anchor="ctr">
+            <a:normAutofit/>
+          </a:bodyPr>
+          <a:lstStyle>
+            <a:lvl1pPr marL="0" indent="0" algn="l">
+              <a:buNone/>
+              <a:defRPr sz="2000">
+                <a:solidFill>
+                  <a:schemeClr val="tx1"/>
+                </a:solidFill>
+              </a:defRPr>
+            </a:lvl1pPr>
+            <a:lvl2pPr marL="457200" indent="0">
+              <a:buNone/>
+              <a:defRPr sz="1800">
+                <a:solidFill>
+                  <a:schemeClr val="tx1">
+                    <a:tint val="75000"/>
+                  </a:schemeClr>
+                </a:solidFill>
+              </a:defRPr>
+            </a:lvl2pPr>
+            <a:lvl3pPr marL="914400" indent="0">
+              <a:buNone/>
+              <a:defRPr sz="1600">
+                <a:solidFill>
+                  <a:schemeClr val="tx1">
+                    <a:tint val="75000"/>
+                  </a:schemeClr>
+                </a:solidFill>
+              </a:defRPr>
+            </a:lvl3pPr>
+            <a:lvl4pPr marL="1371600" indent="0">
+              <a:buNone/>
+              <a:defRPr sz="1400">
+                <a:solidFill>
+                  <a:schemeClr val="tx1">
+                    <a:tint val="75000"/>
+                  </a:schemeClr>
+                </a:solidFill>
+              </a:defRPr>
+            </a:lvl4pPr>
+            <a:lvl5pPr marL="1828800" indent="0">
+              <a:buNone/>
+              <a:defRPr sz="1400">
+                <a:solidFill>
+                  <a:schemeClr val="tx1">
+                    <a:tint val="75000"/>
+                  </a:schemeClr>
+                </a:solidFill>
+              </a:defRPr>
+            </a:lvl5pPr>
+            <a:lvl6pPr marL="2286000" indent="0">
+              <a:buNone/>
+              <a:defRPr sz="1400">
+                <a:solidFill>
+                  <a:schemeClr val="tx1">
+                    <a:tint val="75000"/>
+                  </a:schemeClr>
+                </a:solidFill>
+              </a:defRPr>
+            </a:lvl6pPr>
+            <a:lvl7pPr marL="2743200" indent="0">
+              <a:buNone/>
+              <a:defRPr sz="1400">
+                <a:solidFill>
+                  <a:schemeClr val="tx1">
+                    <a:tint val="75000"/>
+                  </a:schemeClr>
+                </a:solidFill>
+              </a:defRPr>
+            </a:lvl7pPr>
+            <a:lvl8pPr marL="3200400" indent="0">
+              <a:buNone/>
+              <a:defRPr sz="1400">
+                <a:solidFill>
+                  <a:schemeClr val="tx1">
+                    <a:tint val="75000"/>
+                  </a:schemeClr>
+                </a:solidFill>
+              </a:defRPr>
+            </a:lvl8pPr>
+            <a:lvl9pPr marL="3657600" indent="0">
+              <a:buNone/>
+              <a:defRPr sz="1400">
+                <a:solidFill>
+                  <a:schemeClr val="tx1">
+                    <a:tint val="75000"/>
+                  </a:schemeClr>
+                </a:solidFill>
+              </a:defRPr>
+            </a:lvl9pPr>
+          </a:lstStyle>
           <a:p>
             <a:pPr lvl="0"/>
             <a:r>
@@ -552,40 +946,11 @@
               <a:t>单击此处编辑母版文本样式</a:t>
             </a:r>
           </a:p>
-          <a:p>
-            <a:pPr lvl="1"/>
-            <a:r>
-              <a:rPr lang="zh-CN" altLang="en-US" smtClean="0"/>
-              <a:t>第二级</a:t>
-            </a:r>
-          </a:p>
-          <a:p>
-            <a:pPr lvl="2"/>
-            <a:r>
-              <a:rPr lang="zh-CN" altLang="en-US" smtClean="0"/>
-              <a:t>第三级</a:t>
-            </a:r>
-          </a:p>
-          <a:p>
-            <a:pPr lvl="3"/>
-            <a:r>
-              <a:rPr lang="zh-CN" altLang="en-US" smtClean="0"/>
-              <a:t>第四级</a:t>
-            </a:r>
-          </a:p>
-          <a:p>
-            <a:pPr lvl="4"/>
-            <a:r>
-              <a:rPr lang="zh-CN" altLang="en-US" smtClean="0"/>
-              <a:t>第五级</a:t>
-            </a:r>
-            <a:endParaRPr lang="zh-CN" altLang="en-US"/>
-          </a:p>
-        </p:txBody>
-      </p:sp>
-      <p:sp>
-        <p:nvSpPr>
-          <p:cNvPr id="4" name="日期占位符 3"/>
+        </p:txBody>
+      </p:sp>
+      <p:sp>
+        <p:nvSpPr>
+          <p:cNvPr id="4" name="Date Placeholder 3"/>
           <p:cNvSpPr>
             <a:spLocks noGrp="1"/>
           </p:cNvSpPr>
@@ -608,7 +973,7 @@
       </p:sp>
       <p:sp>
         <p:nvSpPr>
-          <p:cNvPr id="5" name="页脚占位符 4"/>
+          <p:cNvPr id="5" name="Footer Placeholder 4"/>
           <p:cNvSpPr>
             <a:spLocks noGrp="1"/>
           </p:cNvSpPr>
@@ -627,7 +992,7 @@
       </p:sp>
       <p:sp>
         <p:nvSpPr>
-          <p:cNvPr id="6" name="灯片编号占位符 5"/>
+          <p:cNvPr id="6" name="Slide Number Placeholder 5"/>
           <p:cNvSpPr>
             <a:spLocks noGrp="1"/>
           </p:cNvSpPr>
@@ -651,13 +1016,2168 @@
     </p:spTree>
     <p:extLst>
       <p:ext uri="{BB962C8B-B14F-4D97-AF65-F5344CB8AC3E}">
-        <p14:creationId xmlns:p14="http://schemas.microsoft.com/office/powerpoint/2010/main" val="3332315664"/>
+        <p14:creationId xmlns:p14="http://schemas.microsoft.com/office/powerpoint/2010/main" val="637955089"/>
       </p:ext>
     </p:extLst>
   </p:cSld>
   <p:clrMapOvr>
     <a:masterClrMapping/>
   </p:clrMapOvr>
+</p:sldLayout>
+</file>
+
+<file path=ppt/slideLayouts/slideLayout12.xml><?xml version="1.0" encoding="utf-8"?>
+<p:sldLayout xmlns:a="http://schemas.openxmlformats.org/drawingml/2006/main" xmlns:r="http://schemas.openxmlformats.org/officeDocument/2006/relationships" xmlns:p="http://schemas.openxmlformats.org/presentationml/2006/main" preserve="1">
+  <p:cSld name="带标题的引述">
+    <p:spTree>
+      <p:nvGrpSpPr>
+        <p:cNvPr id="1" name=""/>
+        <p:cNvGrpSpPr/>
+        <p:nvPr/>
+      </p:nvGrpSpPr>
+      <p:grpSpPr>
+        <a:xfrm>
+          <a:off x="0" y="0"/>
+          <a:ext cx="0" cy="0"/>
+          <a:chOff x="0" y="0"/>
+          <a:chExt cx="0" cy="0"/>
+        </a:xfrm>
+      </p:grpSpPr>
+      <p:pic>
+        <p:nvPicPr>
+          <p:cNvPr id="16" name="Picture 15" descr="Celestia-R1---OverlayContentHD.png"/>
+          <p:cNvPicPr>
+            <a:picLocks noChangeAspect="1"/>
+          </p:cNvPicPr>
+          <p:nvPr/>
+        </p:nvPicPr>
+        <p:blipFill>
+          <a:blip r:embed="rId2">
+            <a:extLst>
+              <a:ext uri="{28A0092B-C50C-407E-A947-70E740481C1C}">
+                <a14:useLocalDpi xmlns:a14="http://schemas.microsoft.com/office/drawing/2010/main" val="0"/>
+              </a:ext>
+            </a:extLst>
+          </a:blip>
+          <a:stretch>
+            <a:fillRect/>
+          </a:stretch>
+        </p:blipFill>
+        <p:spPr>
+          <a:xfrm>
+            <a:off x="0" y="0"/>
+            <a:ext cx="12188825" cy="6856214"/>
+          </a:xfrm>
+          <a:prstGeom prst="rect">
+            <a:avLst/>
+          </a:prstGeom>
+        </p:spPr>
+      </p:pic>
+      <p:sp>
+        <p:nvSpPr>
+          <p:cNvPr id="15" name="TextBox 14"/>
+          <p:cNvSpPr txBox="1"/>
+          <p:nvPr/>
+        </p:nvSpPr>
+        <p:spPr>
+          <a:xfrm>
+            <a:off x="10237867" y="2743200"/>
+            <a:ext cx="609600" cy="584776"/>
+          </a:xfrm>
+          <a:prstGeom prst="rect">
+            <a:avLst/>
+          </a:prstGeom>
+        </p:spPr>
+        <p:txBody>
+          <a:bodyPr vert="horz" lIns="91440" tIns="45720" rIns="91440" bIns="45720" rtlCol="0" anchor="ctr">
+            <a:noAutofit/>
+          </a:bodyPr>
+          <a:lstStyle>
+            <a:lvl1pPr>
+              <a:spcBef>
+                <a:spcPct val="0"/>
+              </a:spcBef>
+              <a:buNone/>
+              <a:defRPr sz="3200" b="0" cap="all">
+                <a:ln w="3175" cmpd="sng">
+                  <a:noFill/>
+                </a:ln>
+                <a:effectLst>
+                  <a:glow rad="38100">
+                    <a:schemeClr val="bg1">
+                      <a:lumMod val="65000"/>
+                      <a:lumOff val="35000"/>
+                      <a:alpha val="40000"/>
+                    </a:schemeClr>
+                  </a:glow>
+                  <a:outerShdw blurRad="28575" dist="38100" dir="14040000" algn="tl" rotWithShape="0">
+                    <a:srgbClr val="000000">
+                      <a:alpha val="25000"/>
+                    </a:srgbClr>
+                  </a:outerShdw>
+                </a:effectLst>
+              </a:defRPr>
+            </a:lvl1pPr>
+            <a:lvl2pPr>
+              <a:defRPr>
+                <a:solidFill>
+                  <a:schemeClr val="tx2"/>
+                </a:solidFill>
+              </a:defRPr>
+            </a:lvl2pPr>
+            <a:lvl3pPr>
+              <a:defRPr>
+                <a:solidFill>
+                  <a:schemeClr val="tx2"/>
+                </a:solidFill>
+              </a:defRPr>
+            </a:lvl3pPr>
+            <a:lvl4pPr>
+              <a:defRPr>
+                <a:solidFill>
+                  <a:schemeClr val="tx2"/>
+                </a:solidFill>
+              </a:defRPr>
+            </a:lvl4pPr>
+            <a:lvl5pPr>
+              <a:defRPr>
+                <a:solidFill>
+                  <a:schemeClr val="tx2"/>
+                </a:solidFill>
+              </a:defRPr>
+            </a:lvl5pPr>
+            <a:lvl6pPr>
+              <a:defRPr>
+                <a:solidFill>
+                  <a:schemeClr val="tx2"/>
+                </a:solidFill>
+              </a:defRPr>
+            </a:lvl6pPr>
+            <a:lvl7pPr>
+              <a:defRPr>
+                <a:solidFill>
+                  <a:schemeClr val="tx2"/>
+                </a:solidFill>
+              </a:defRPr>
+            </a:lvl7pPr>
+            <a:lvl8pPr>
+              <a:defRPr>
+                <a:solidFill>
+                  <a:schemeClr val="tx2"/>
+                </a:solidFill>
+              </a:defRPr>
+            </a:lvl8pPr>
+            <a:lvl9pPr>
+              <a:defRPr>
+                <a:solidFill>
+                  <a:schemeClr val="tx2"/>
+                </a:solidFill>
+              </a:defRPr>
+            </a:lvl9pPr>
+          </a:lstStyle>
+          <a:p>
+            <a:pPr lvl="0" algn="r"/>
+            <a:r>
+              <a:rPr lang="en-US" sz="8000" dirty="0">
+                <a:solidFill>
+                  <a:schemeClr val="tx1"/>
+                </a:solidFill>
+                <a:effectLst/>
+              </a:rPr>
+              <a:t>”</a:t>
+            </a:r>
+          </a:p>
+        </p:txBody>
+      </p:sp>
+      <p:sp>
+        <p:nvSpPr>
+          <p:cNvPr id="11" name="TextBox 10"/>
+          <p:cNvSpPr txBox="1"/>
+          <p:nvPr/>
+        </p:nvSpPr>
+        <p:spPr>
+          <a:xfrm>
+            <a:off x="488275" y="823337"/>
+            <a:ext cx="609600" cy="584776"/>
+          </a:xfrm>
+          <a:prstGeom prst="rect">
+            <a:avLst/>
+          </a:prstGeom>
+        </p:spPr>
+        <p:txBody>
+          <a:bodyPr vert="horz" lIns="91440" tIns="45720" rIns="91440" bIns="45720" rtlCol="0" anchor="ctr">
+            <a:noAutofit/>
+          </a:bodyPr>
+          <a:lstStyle>
+            <a:lvl1pPr>
+              <a:spcBef>
+                <a:spcPct val="0"/>
+              </a:spcBef>
+              <a:buNone/>
+              <a:defRPr sz="3200" b="0" cap="all">
+                <a:ln w="3175" cmpd="sng">
+                  <a:noFill/>
+                </a:ln>
+                <a:effectLst>
+                  <a:glow rad="38100">
+                    <a:schemeClr val="bg1">
+                      <a:lumMod val="65000"/>
+                      <a:lumOff val="35000"/>
+                      <a:alpha val="40000"/>
+                    </a:schemeClr>
+                  </a:glow>
+                  <a:outerShdw blurRad="28575" dist="38100" dir="14040000" algn="tl" rotWithShape="0">
+                    <a:srgbClr val="000000">
+                      <a:alpha val="25000"/>
+                    </a:srgbClr>
+                  </a:outerShdw>
+                </a:effectLst>
+              </a:defRPr>
+            </a:lvl1pPr>
+            <a:lvl2pPr>
+              <a:defRPr>
+                <a:solidFill>
+                  <a:schemeClr val="tx2"/>
+                </a:solidFill>
+              </a:defRPr>
+            </a:lvl2pPr>
+            <a:lvl3pPr>
+              <a:defRPr>
+                <a:solidFill>
+                  <a:schemeClr val="tx2"/>
+                </a:solidFill>
+              </a:defRPr>
+            </a:lvl3pPr>
+            <a:lvl4pPr>
+              <a:defRPr>
+                <a:solidFill>
+                  <a:schemeClr val="tx2"/>
+                </a:solidFill>
+              </a:defRPr>
+            </a:lvl4pPr>
+            <a:lvl5pPr>
+              <a:defRPr>
+                <a:solidFill>
+                  <a:schemeClr val="tx2"/>
+                </a:solidFill>
+              </a:defRPr>
+            </a:lvl5pPr>
+            <a:lvl6pPr>
+              <a:defRPr>
+                <a:solidFill>
+                  <a:schemeClr val="tx2"/>
+                </a:solidFill>
+              </a:defRPr>
+            </a:lvl6pPr>
+            <a:lvl7pPr>
+              <a:defRPr>
+                <a:solidFill>
+                  <a:schemeClr val="tx2"/>
+                </a:solidFill>
+              </a:defRPr>
+            </a:lvl7pPr>
+            <a:lvl8pPr>
+              <a:defRPr>
+                <a:solidFill>
+                  <a:schemeClr val="tx2"/>
+                </a:solidFill>
+              </a:defRPr>
+            </a:lvl8pPr>
+            <a:lvl9pPr>
+              <a:defRPr>
+                <a:solidFill>
+                  <a:schemeClr val="tx2"/>
+                </a:solidFill>
+              </a:defRPr>
+            </a:lvl9pPr>
+          </a:lstStyle>
+          <a:p>
+            <a:pPr lvl="0" algn="r"/>
+            <a:r>
+              <a:rPr lang="en-US" sz="8000" dirty="0">
+                <a:solidFill>
+                  <a:schemeClr val="tx1"/>
+                </a:solidFill>
+                <a:effectLst/>
+              </a:rPr>
+              <a:t>“</a:t>
+            </a:r>
+          </a:p>
+        </p:txBody>
+      </p:sp>
+      <p:sp>
+        <p:nvSpPr>
+          <p:cNvPr id="2" name="Title 1"/>
+          <p:cNvSpPr>
+            <a:spLocks noGrp="1"/>
+          </p:cNvSpPr>
+          <p:nvPr>
+            <p:ph type="title"/>
+          </p:nvPr>
+        </p:nvSpPr>
+        <p:spPr>
+          <a:xfrm>
+            <a:off x="992267" y="609601"/>
+            <a:ext cx="9550399" cy="2743199"/>
+          </a:xfrm>
+        </p:spPr>
+        <p:txBody>
+          <a:bodyPr anchor="ctr">
+            <a:normAutofit/>
+          </a:bodyPr>
+          <a:lstStyle>
+            <a:lvl1pPr algn="l">
+              <a:defRPr sz="3200" b="0" cap="none">
+                <a:solidFill>
+                  <a:schemeClr val="tx1"/>
+                </a:solidFill>
+              </a:defRPr>
+            </a:lvl1pPr>
+          </a:lstStyle>
+          <a:p>
+            <a:r>
+              <a:rPr lang="zh-CN" altLang="en-US" smtClean="0"/>
+              <a:t>单击此处编辑母版标题样式</a:t>
+            </a:r>
+            <a:endParaRPr lang="en-US" dirty="0"/>
+          </a:p>
+        </p:txBody>
+      </p:sp>
+      <p:sp>
+        <p:nvSpPr>
+          <p:cNvPr id="10" name="Text Placeholder 9"/>
+          <p:cNvSpPr>
+            <a:spLocks noGrp="1"/>
+          </p:cNvSpPr>
+          <p:nvPr>
+            <p:ph type="body" sz="quarter" idx="13"/>
+          </p:nvPr>
+        </p:nvSpPr>
+        <p:spPr>
+          <a:xfrm>
+            <a:off x="1097875" y="3352800"/>
+            <a:ext cx="9339184" cy="381000"/>
+          </a:xfrm>
+        </p:spPr>
+        <p:txBody>
+          <a:bodyPr anchor="ctr"/>
+          <a:lstStyle>
+            <a:lvl1pPr marL="0" indent="0">
+              <a:buFontTx/>
+              <a:buNone/>
+              <a:defRPr/>
+            </a:lvl1pPr>
+            <a:lvl2pPr marL="457200" indent="0">
+              <a:buFontTx/>
+              <a:buNone/>
+              <a:defRPr/>
+            </a:lvl2pPr>
+            <a:lvl3pPr marL="914400" indent="0">
+              <a:buFontTx/>
+              <a:buNone/>
+              <a:defRPr/>
+            </a:lvl3pPr>
+            <a:lvl4pPr marL="1371600" indent="0">
+              <a:buFontTx/>
+              <a:buNone/>
+              <a:defRPr/>
+            </a:lvl4pPr>
+            <a:lvl5pPr marL="1828800" indent="0">
+              <a:buFontTx/>
+              <a:buNone/>
+              <a:defRPr/>
+            </a:lvl5pPr>
+          </a:lstStyle>
+          <a:p>
+            <a:pPr lvl="0"/>
+            <a:r>
+              <a:rPr lang="zh-CN" altLang="en-US" smtClean="0"/>
+              <a:t>单击此处编辑母版文本样式</a:t>
+            </a:r>
+          </a:p>
+        </p:txBody>
+      </p:sp>
+      <p:sp>
+        <p:nvSpPr>
+          <p:cNvPr id="3" name="Text Placeholder 2"/>
+          <p:cNvSpPr>
+            <a:spLocks noGrp="1"/>
+          </p:cNvSpPr>
+          <p:nvPr>
+            <p:ph type="body" idx="1"/>
+          </p:nvPr>
+        </p:nvSpPr>
+        <p:spPr>
+          <a:xfrm>
+            <a:off x="687465" y="4343400"/>
+            <a:ext cx="10152367" cy="1447800"/>
+          </a:xfrm>
+        </p:spPr>
+        <p:txBody>
+          <a:bodyPr anchor="ctr">
+            <a:normAutofit/>
+          </a:bodyPr>
+          <a:lstStyle>
+            <a:lvl1pPr marL="0" indent="0" algn="l">
+              <a:buNone/>
+              <a:defRPr sz="2000">
+                <a:solidFill>
+                  <a:schemeClr val="tx1"/>
+                </a:solidFill>
+              </a:defRPr>
+            </a:lvl1pPr>
+            <a:lvl2pPr marL="457200" indent="0">
+              <a:buNone/>
+              <a:defRPr sz="1800">
+                <a:solidFill>
+                  <a:schemeClr val="tx1">
+                    <a:tint val="75000"/>
+                  </a:schemeClr>
+                </a:solidFill>
+              </a:defRPr>
+            </a:lvl2pPr>
+            <a:lvl3pPr marL="914400" indent="0">
+              <a:buNone/>
+              <a:defRPr sz="1600">
+                <a:solidFill>
+                  <a:schemeClr val="tx1">
+                    <a:tint val="75000"/>
+                  </a:schemeClr>
+                </a:solidFill>
+              </a:defRPr>
+            </a:lvl3pPr>
+            <a:lvl4pPr marL="1371600" indent="0">
+              <a:buNone/>
+              <a:defRPr sz="1400">
+                <a:solidFill>
+                  <a:schemeClr val="tx1">
+                    <a:tint val="75000"/>
+                  </a:schemeClr>
+                </a:solidFill>
+              </a:defRPr>
+            </a:lvl4pPr>
+            <a:lvl5pPr marL="1828800" indent="0">
+              <a:buNone/>
+              <a:defRPr sz="1400">
+                <a:solidFill>
+                  <a:schemeClr val="tx1">
+                    <a:tint val="75000"/>
+                  </a:schemeClr>
+                </a:solidFill>
+              </a:defRPr>
+            </a:lvl5pPr>
+            <a:lvl6pPr marL="2286000" indent="0">
+              <a:buNone/>
+              <a:defRPr sz="1400">
+                <a:solidFill>
+                  <a:schemeClr val="tx1">
+                    <a:tint val="75000"/>
+                  </a:schemeClr>
+                </a:solidFill>
+              </a:defRPr>
+            </a:lvl6pPr>
+            <a:lvl7pPr marL="2743200" indent="0">
+              <a:buNone/>
+              <a:defRPr sz="1400">
+                <a:solidFill>
+                  <a:schemeClr val="tx1">
+                    <a:tint val="75000"/>
+                  </a:schemeClr>
+                </a:solidFill>
+              </a:defRPr>
+            </a:lvl7pPr>
+            <a:lvl8pPr marL="3200400" indent="0">
+              <a:buNone/>
+              <a:defRPr sz="1400">
+                <a:solidFill>
+                  <a:schemeClr val="tx1">
+                    <a:tint val="75000"/>
+                  </a:schemeClr>
+                </a:solidFill>
+              </a:defRPr>
+            </a:lvl8pPr>
+            <a:lvl9pPr marL="3657600" indent="0">
+              <a:buNone/>
+              <a:defRPr sz="1400">
+                <a:solidFill>
+                  <a:schemeClr val="tx1">
+                    <a:tint val="75000"/>
+                  </a:schemeClr>
+                </a:solidFill>
+              </a:defRPr>
+            </a:lvl9pPr>
+          </a:lstStyle>
+          <a:p>
+            <a:pPr lvl="0"/>
+            <a:r>
+              <a:rPr lang="zh-CN" altLang="en-US" smtClean="0"/>
+              <a:t>单击此处编辑母版文本样式</a:t>
+            </a:r>
+          </a:p>
+        </p:txBody>
+      </p:sp>
+      <p:sp>
+        <p:nvSpPr>
+          <p:cNvPr id="4" name="Date Placeholder 3"/>
+          <p:cNvSpPr>
+            <a:spLocks noGrp="1"/>
+          </p:cNvSpPr>
+          <p:nvPr>
+            <p:ph type="dt" sz="half" idx="10"/>
+          </p:nvPr>
+        </p:nvSpPr>
+        <p:spPr/>
+        <p:txBody>
+          <a:bodyPr/>
+          <a:lstStyle/>
+          <a:p>
+            <a:fld id="{5C08D6DC-C920-49CE-84AB-48B20296AF28}" type="datetimeFigureOut">
+              <a:rPr lang="zh-CN" altLang="en-US" smtClean="0"/>
+              <a:t>2017/7/27</a:t>
+            </a:fld>
+            <a:endParaRPr lang="zh-CN" altLang="en-US"/>
+          </a:p>
+        </p:txBody>
+      </p:sp>
+      <p:sp>
+        <p:nvSpPr>
+          <p:cNvPr id="5" name="Footer Placeholder 4"/>
+          <p:cNvSpPr>
+            <a:spLocks noGrp="1"/>
+          </p:cNvSpPr>
+          <p:nvPr>
+            <p:ph type="ftr" sz="quarter" idx="11"/>
+          </p:nvPr>
+        </p:nvSpPr>
+        <p:spPr/>
+        <p:txBody>
+          <a:bodyPr/>
+          <a:lstStyle/>
+          <a:p>
+            <a:endParaRPr lang="zh-CN" altLang="en-US"/>
+          </a:p>
+        </p:txBody>
+      </p:sp>
+      <p:sp>
+        <p:nvSpPr>
+          <p:cNvPr id="6" name="Slide Number Placeholder 5"/>
+          <p:cNvSpPr>
+            <a:spLocks noGrp="1"/>
+          </p:cNvSpPr>
+          <p:nvPr>
+            <p:ph type="sldNum" sz="quarter" idx="12"/>
+          </p:nvPr>
+        </p:nvSpPr>
+        <p:spPr/>
+        <p:txBody>
+          <a:bodyPr/>
+          <a:lstStyle/>
+          <a:p>
+            <a:fld id="{8F80AA09-BC22-4F77-98CD-9106E776FB93}" type="slidenum">
+              <a:rPr lang="zh-CN" altLang="en-US" smtClean="0"/>
+              <a:t>‹#›</a:t>
+            </a:fld>
+            <a:endParaRPr lang="zh-CN" altLang="en-US"/>
+          </a:p>
+        </p:txBody>
+      </p:sp>
+    </p:spTree>
+    <p:extLst>
+      <p:ext uri="{BB962C8B-B14F-4D97-AF65-F5344CB8AC3E}">
+        <p14:creationId xmlns:p14="http://schemas.microsoft.com/office/powerpoint/2010/main" val="1872814999"/>
+      </p:ext>
+    </p:extLst>
+  </p:cSld>
+  <p:clrMapOvr>
+    <a:masterClrMapping/>
+  </p:clrMapOvr>
+</p:sldLayout>
+</file>
+
+<file path=ppt/slideLayouts/slideLayout13.xml><?xml version="1.0" encoding="utf-8"?>
+<p:sldLayout xmlns:a="http://schemas.openxmlformats.org/drawingml/2006/main" xmlns:r="http://schemas.openxmlformats.org/officeDocument/2006/relationships" xmlns:p="http://schemas.openxmlformats.org/presentationml/2006/main" preserve="1">
+  <p:cSld name="名片">
+    <p:spTree>
+      <p:nvGrpSpPr>
+        <p:cNvPr id="1" name=""/>
+        <p:cNvGrpSpPr/>
+        <p:nvPr/>
+      </p:nvGrpSpPr>
+      <p:grpSpPr>
+        <a:xfrm>
+          <a:off x="0" y="0"/>
+          <a:ext cx="0" cy="0"/>
+          <a:chOff x="0" y="0"/>
+          <a:chExt cx="0" cy="0"/>
+        </a:xfrm>
+      </p:grpSpPr>
+      <p:pic>
+        <p:nvPicPr>
+          <p:cNvPr id="8" name="Picture 7" descr="Celestia-R1---OverlayContentHD.png"/>
+          <p:cNvPicPr>
+            <a:picLocks noChangeAspect="1"/>
+          </p:cNvPicPr>
+          <p:nvPr/>
+        </p:nvPicPr>
+        <p:blipFill>
+          <a:blip r:embed="rId2">
+            <a:extLst>
+              <a:ext uri="{28A0092B-C50C-407E-A947-70E740481C1C}">
+                <a14:useLocalDpi xmlns:a14="http://schemas.microsoft.com/office/drawing/2010/main" val="0"/>
+              </a:ext>
+            </a:extLst>
+          </a:blip>
+          <a:stretch>
+            <a:fillRect/>
+          </a:stretch>
+        </p:blipFill>
+        <p:spPr>
+          <a:xfrm>
+            <a:off x="0" y="0"/>
+            <a:ext cx="12188825" cy="6856214"/>
+          </a:xfrm>
+          <a:prstGeom prst="rect">
+            <a:avLst/>
+          </a:prstGeom>
+        </p:spPr>
+      </p:pic>
+      <p:sp>
+        <p:nvSpPr>
+          <p:cNvPr id="2" name="Title 1"/>
+          <p:cNvSpPr>
+            <a:spLocks noGrp="1"/>
+          </p:cNvSpPr>
+          <p:nvPr>
+            <p:ph type="title"/>
+          </p:nvPr>
+        </p:nvSpPr>
+        <p:spPr>
+          <a:xfrm>
+            <a:off x="685802" y="3308581"/>
+            <a:ext cx="10131425" cy="1468800"/>
+          </a:xfrm>
+        </p:spPr>
+        <p:txBody>
+          <a:bodyPr anchor="b">
+            <a:normAutofit/>
+          </a:bodyPr>
+          <a:lstStyle>
+            <a:lvl1pPr algn="l">
+              <a:defRPr sz="3200" b="0" cap="none"/>
+            </a:lvl1pPr>
+          </a:lstStyle>
+          <a:p>
+            <a:r>
+              <a:rPr lang="zh-CN" altLang="en-US" smtClean="0"/>
+              <a:t>单击此处编辑母版标题样式</a:t>
+            </a:r>
+            <a:endParaRPr lang="en-US" dirty="0"/>
+          </a:p>
+        </p:txBody>
+      </p:sp>
+      <p:sp>
+        <p:nvSpPr>
+          <p:cNvPr id="3" name="Text Placeholder 2"/>
+          <p:cNvSpPr>
+            <a:spLocks noGrp="1"/>
+          </p:cNvSpPr>
+          <p:nvPr>
+            <p:ph type="body" idx="1"/>
+          </p:nvPr>
+        </p:nvSpPr>
+        <p:spPr>
+          <a:xfrm>
+            <a:off x="685801" y="4777381"/>
+            <a:ext cx="10131426" cy="860400"/>
+          </a:xfrm>
+        </p:spPr>
+        <p:txBody>
+          <a:bodyPr anchor="t">
+            <a:normAutofit/>
+          </a:bodyPr>
+          <a:lstStyle>
+            <a:lvl1pPr marL="0" indent="0" algn="l">
+              <a:buNone/>
+              <a:defRPr sz="2000">
+                <a:solidFill>
+                  <a:schemeClr val="tx1"/>
+                </a:solidFill>
+              </a:defRPr>
+            </a:lvl1pPr>
+            <a:lvl2pPr marL="457200" indent="0">
+              <a:buNone/>
+              <a:defRPr sz="1800">
+                <a:solidFill>
+                  <a:schemeClr val="tx1">
+                    <a:tint val="75000"/>
+                  </a:schemeClr>
+                </a:solidFill>
+              </a:defRPr>
+            </a:lvl2pPr>
+            <a:lvl3pPr marL="914400" indent="0">
+              <a:buNone/>
+              <a:defRPr sz="1600">
+                <a:solidFill>
+                  <a:schemeClr val="tx1">
+                    <a:tint val="75000"/>
+                  </a:schemeClr>
+                </a:solidFill>
+              </a:defRPr>
+            </a:lvl3pPr>
+            <a:lvl4pPr marL="1371600" indent="0">
+              <a:buNone/>
+              <a:defRPr sz="1400">
+                <a:solidFill>
+                  <a:schemeClr val="tx1">
+                    <a:tint val="75000"/>
+                  </a:schemeClr>
+                </a:solidFill>
+              </a:defRPr>
+            </a:lvl4pPr>
+            <a:lvl5pPr marL="1828800" indent="0">
+              <a:buNone/>
+              <a:defRPr sz="1400">
+                <a:solidFill>
+                  <a:schemeClr val="tx1">
+                    <a:tint val="75000"/>
+                  </a:schemeClr>
+                </a:solidFill>
+              </a:defRPr>
+            </a:lvl5pPr>
+            <a:lvl6pPr marL="2286000" indent="0">
+              <a:buNone/>
+              <a:defRPr sz="1400">
+                <a:solidFill>
+                  <a:schemeClr val="tx1">
+                    <a:tint val="75000"/>
+                  </a:schemeClr>
+                </a:solidFill>
+              </a:defRPr>
+            </a:lvl6pPr>
+            <a:lvl7pPr marL="2743200" indent="0">
+              <a:buNone/>
+              <a:defRPr sz="1400">
+                <a:solidFill>
+                  <a:schemeClr val="tx1">
+                    <a:tint val="75000"/>
+                  </a:schemeClr>
+                </a:solidFill>
+              </a:defRPr>
+            </a:lvl7pPr>
+            <a:lvl8pPr marL="3200400" indent="0">
+              <a:buNone/>
+              <a:defRPr sz="1400">
+                <a:solidFill>
+                  <a:schemeClr val="tx1">
+                    <a:tint val="75000"/>
+                  </a:schemeClr>
+                </a:solidFill>
+              </a:defRPr>
+            </a:lvl8pPr>
+            <a:lvl9pPr marL="3657600" indent="0">
+              <a:buNone/>
+              <a:defRPr sz="1400">
+                <a:solidFill>
+                  <a:schemeClr val="tx1">
+                    <a:tint val="75000"/>
+                  </a:schemeClr>
+                </a:solidFill>
+              </a:defRPr>
+            </a:lvl9pPr>
+          </a:lstStyle>
+          <a:p>
+            <a:pPr lvl="0"/>
+            <a:r>
+              <a:rPr lang="zh-CN" altLang="en-US" smtClean="0"/>
+              <a:t>单击此处编辑母版文本样式</a:t>
+            </a:r>
+          </a:p>
+        </p:txBody>
+      </p:sp>
+      <p:sp>
+        <p:nvSpPr>
+          <p:cNvPr id="4" name="Date Placeholder 3"/>
+          <p:cNvSpPr>
+            <a:spLocks noGrp="1"/>
+          </p:cNvSpPr>
+          <p:nvPr>
+            <p:ph type="dt" sz="half" idx="10"/>
+          </p:nvPr>
+        </p:nvSpPr>
+        <p:spPr/>
+        <p:txBody>
+          <a:bodyPr/>
+          <a:lstStyle/>
+          <a:p>
+            <a:fld id="{5C08D6DC-C920-49CE-84AB-48B20296AF28}" type="datetimeFigureOut">
+              <a:rPr lang="zh-CN" altLang="en-US" smtClean="0"/>
+              <a:t>2017/7/27</a:t>
+            </a:fld>
+            <a:endParaRPr lang="zh-CN" altLang="en-US"/>
+          </a:p>
+        </p:txBody>
+      </p:sp>
+      <p:sp>
+        <p:nvSpPr>
+          <p:cNvPr id="5" name="Footer Placeholder 4"/>
+          <p:cNvSpPr>
+            <a:spLocks noGrp="1"/>
+          </p:cNvSpPr>
+          <p:nvPr>
+            <p:ph type="ftr" sz="quarter" idx="11"/>
+          </p:nvPr>
+        </p:nvSpPr>
+        <p:spPr/>
+        <p:txBody>
+          <a:bodyPr/>
+          <a:lstStyle/>
+          <a:p>
+            <a:endParaRPr lang="zh-CN" altLang="en-US"/>
+          </a:p>
+        </p:txBody>
+      </p:sp>
+      <p:sp>
+        <p:nvSpPr>
+          <p:cNvPr id="6" name="Slide Number Placeholder 5"/>
+          <p:cNvSpPr>
+            <a:spLocks noGrp="1"/>
+          </p:cNvSpPr>
+          <p:nvPr>
+            <p:ph type="sldNum" sz="quarter" idx="12"/>
+          </p:nvPr>
+        </p:nvSpPr>
+        <p:spPr/>
+        <p:txBody>
+          <a:bodyPr/>
+          <a:lstStyle/>
+          <a:p>
+            <a:fld id="{8F80AA09-BC22-4F77-98CD-9106E776FB93}" type="slidenum">
+              <a:rPr lang="zh-CN" altLang="en-US" smtClean="0"/>
+              <a:t>‹#›</a:t>
+            </a:fld>
+            <a:endParaRPr lang="zh-CN" altLang="en-US"/>
+          </a:p>
+        </p:txBody>
+      </p:sp>
+    </p:spTree>
+    <p:extLst>
+      <p:ext uri="{BB962C8B-B14F-4D97-AF65-F5344CB8AC3E}">
+        <p14:creationId xmlns:p14="http://schemas.microsoft.com/office/powerpoint/2010/main" val="733874114"/>
+      </p:ext>
+    </p:extLst>
+  </p:cSld>
+  <p:clrMapOvr>
+    <a:masterClrMapping/>
+  </p:clrMapOvr>
+</p:sldLayout>
+</file>
+
+<file path=ppt/slideLayouts/slideLayout14.xml><?xml version="1.0" encoding="utf-8"?>
+<p:sldLayout xmlns:a="http://schemas.openxmlformats.org/drawingml/2006/main" xmlns:r="http://schemas.openxmlformats.org/officeDocument/2006/relationships" xmlns:p="http://schemas.openxmlformats.org/presentationml/2006/main" preserve="1">
+  <p:cSld name="名片引述">
+    <p:spTree>
+      <p:nvGrpSpPr>
+        <p:cNvPr id="1" name=""/>
+        <p:cNvGrpSpPr/>
+        <p:nvPr/>
+      </p:nvGrpSpPr>
+      <p:grpSpPr>
+        <a:xfrm>
+          <a:off x="0" y="0"/>
+          <a:ext cx="0" cy="0"/>
+          <a:chOff x="0" y="0"/>
+          <a:chExt cx="0" cy="0"/>
+        </a:xfrm>
+      </p:grpSpPr>
+      <p:pic>
+        <p:nvPicPr>
+          <p:cNvPr id="11" name="Picture 10" descr="Celestia-R1---OverlayContentHD.png"/>
+          <p:cNvPicPr>
+            <a:picLocks noChangeAspect="1"/>
+          </p:cNvPicPr>
+          <p:nvPr/>
+        </p:nvPicPr>
+        <p:blipFill>
+          <a:blip r:embed="rId2">
+            <a:extLst>
+              <a:ext uri="{28A0092B-C50C-407E-A947-70E740481C1C}">
+                <a14:useLocalDpi xmlns:a14="http://schemas.microsoft.com/office/drawing/2010/main" val="0"/>
+              </a:ext>
+            </a:extLst>
+          </a:blip>
+          <a:stretch>
+            <a:fillRect/>
+          </a:stretch>
+        </p:blipFill>
+        <p:spPr>
+          <a:xfrm>
+            <a:off x="0" y="0"/>
+            <a:ext cx="12188825" cy="6856214"/>
+          </a:xfrm>
+          <a:prstGeom prst="rect">
+            <a:avLst/>
+          </a:prstGeom>
+        </p:spPr>
+      </p:pic>
+      <p:sp>
+        <p:nvSpPr>
+          <p:cNvPr id="13" name="TextBox 12"/>
+          <p:cNvSpPr txBox="1"/>
+          <p:nvPr/>
+        </p:nvSpPr>
+        <p:spPr>
+          <a:xfrm>
+            <a:off x="10237867" y="2743200"/>
+            <a:ext cx="609600" cy="584776"/>
+          </a:xfrm>
+          <a:prstGeom prst="rect">
+            <a:avLst/>
+          </a:prstGeom>
+        </p:spPr>
+        <p:txBody>
+          <a:bodyPr vert="horz" lIns="91440" tIns="45720" rIns="91440" bIns="45720" rtlCol="0" anchor="ctr">
+            <a:noAutofit/>
+          </a:bodyPr>
+          <a:lstStyle>
+            <a:lvl1pPr>
+              <a:spcBef>
+                <a:spcPct val="0"/>
+              </a:spcBef>
+              <a:buNone/>
+              <a:defRPr sz="3200" b="0" cap="all">
+                <a:ln w="3175" cmpd="sng">
+                  <a:noFill/>
+                </a:ln>
+                <a:effectLst>
+                  <a:glow rad="38100">
+                    <a:schemeClr val="bg1">
+                      <a:lumMod val="65000"/>
+                      <a:lumOff val="35000"/>
+                      <a:alpha val="40000"/>
+                    </a:schemeClr>
+                  </a:glow>
+                  <a:outerShdw blurRad="28575" dist="38100" dir="14040000" algn="tl" rotWithShape="0">
+                    <a:srgbClr val="000000">
+                      <a:alpha val="25000"/>
+                    </a:srgbClr>
+                  </a:outerShdw>
+                </a:effectLst>
+              </a:defRPr>
+            </a:lvl1pPr>
+            <a:lvl2pPr>
+              <a:defRPr>
+                <a:solidFill>
+                  <a:schemeClr val="tx2"/>
+                </a:solidFill>
+              </a:defRPr>
+            </a:lvl2pPr>
+            <a:lvl3pPr>
+              <a:defRPr>
+                <a:solidFill>
+                  <a:schemeClr val="tx2"/>
+                </a:solidFill>
+              </a:defRPr>
+            </a:lvl3pPr>
+            <a:lvl4pPr>
+              <a:defRPr>
+                <a:solidFill>
+                  <a:schemeClr val="tx2"/>
+                </a:solidFill>
+              </a:defRPr>
+            </a:lvl4pPr>
+            <a:lvl5pPr>
+              <a:defRPr>
+                <a:solidFill>
+                  <a:schemeClr val="tx2"/>
+                </a:solidFill>
+              </a:defRPr>
+            </a:lvl5pPr>
+            <a:lvl6pPr>
+              <a:defRPr>
+                <a:solidFill>
+                  <a:schemeClr val="tx2"/>
+                </a:solidFill>
+              </a:defRPr>
+            </a:lvl6pPr>
+            <a:lvl7pPr>
+              <a:defRPr>
+                <a:solidFill>
+                  <a:schemeClr val="tx2"/>
+                </a:solidFill>
+              </a:defRPr>
+            </a:lvl7pPr>
+            <a:lvl8pPr>
+              <a:defRPr>
+                <a:solidFill>
+                  <a:schemeClr val="tx2"/>
+                </a:solidFill>
+              </a:defRPr>
+            </a:lvl8pPr>
+            <a:lvl9pPr>
+              <a:defRPr>
+                <a:solidFill>
+                  <a:schemeClr val="tx2"/>
+                </a:solidFill>
+              </a:defRPr>
+            </a:lvl9pPr>
+          </a:lstStyle>
+          <a:p>
+            <a:pPr lvl="0" algn="r"/>
+            <a:r>
+              <a:rPr lang="en-US" sz="8000" dirty="0">
+                <a:solidFill>
+                  <a:schemeClr val="tx1"/>
+                </a:solidFill>
+                <a:effectLst/>
+              </a:rPr>
+              <a:t>”</a:t>
+            </a:r>
+          </a:p>
+        </p:txBody>
+      </p:sp>
+      <p:sp>
+        <p:nvSpPr>
+          <p:cNvPr id="14" name="TextBox 13"/>
+          <p:cNvSpPr txBox="1"/>
+          <p:nvPr/>
+        </p:nvSpPr>
+        <p:spPr>
+          <a:xfrm>
+            <a:off x="488275" y="823337"/>
+            <a:ext cx="609600" cy="584776"/>
+          </a:xfrm>
+          <a:prstGeom prst="rect">
+            <a:avLst/>
+          </a:prstGeom>
+        </p:spPr>
+        <p:txBody>
+          <a:bodyPr vert="horz" lIns="91440" tIns="45720" rIns="91440" bIns="45720" rtlCol="0" anchor="ctr">
+            <a:noAutofit/>
+          </a:bodyPr>
+          <a:lstStyle>
+            <a:lvl1pPr>
+              <a:spcBef>
+                <a:spcPct val="0"/>
+              </a:spcBef>
+              <a:buNone/>
+              <a:defRPr sz="3200" b="0" cap="all">
+                <a:ln w="3175" cmpd="sng">
+                  <a:noFill/>
+                </a:ln>
+                <a:effectLst>
+                  <a:glow rad="38100">
+                    <a:schemeClr val="bg1">
+                      <a:lumMod val="65000"/>
+                      <a:lumOff val="35000"/>
+                      <a:alpha val="40000"/>
+                    </a:schemeClr>
+                  </a:glow>
+                  <a:outerShdw blurRad="28575" dist="38100" dir="14040000" algn="tl" rotWithShape="0">
+                    <a:srgbClr val="000000">
+                      <a:alpha val="25000"/>
+                    </a:srgbClr>
+                  </a:outerShdw>
+                </a:effectLst>
+              </a:defRPr>
+            </a:lvl1pPr>
+            <a:lvl2pPr>
+              <a:defRPr>
+                <a:solidFill>
+                  <a:schemeClr val="tx2"/>
+                </a:solidFill>
+              </a:defRPr>
+            </a:lvl2pPr>
+            <a:lvl3pPr>
+              <a:defRPr>
+                <a:solidFill>
+                  <a:schemeClr val="tx2"/>
+                </a:solidFill>
+              </a:defRPr>
+            </a:lvl3pPr>
+            <a:lvl4pPr>
+              <a:defRPr>
+                <a:solidFill>
+                  <a:schemeClr val="tx2"/>
+                </a:solidFill>
+              </a:defRPr>
+            </a:lvl4pPr>
+            <a:lvl5pPr>
+              <a:defRPr>
+                <a:solidFill>
+                  <a:schemeClr val="tx2"/>
+                </a:solidFill>
+              </a:defRPr>
+            </a:lvl5pPr>
+            <a:lvl6pPr>
+              <a:defRPr>
+                <a:solidFill>
+                  <a:schemeClr val="tx2"/>
+                </a:solidFill>
+              </a:defRPr>
+            </a:lvl6pPr>
+            <a:lvl7pPr>
+              <a:defRPr>
+                <a:solidFill>
+                  <a:schemeClr val="tx2"/>
+                </a:solidFill>
+              </a:defRPr>
+            </a:lvl7pPr>
+            <a:lvl8pPr>
+              <a:defRPr>
+                <a:solidFill>
+                  <a:schemeClr val="tx2"/>
+                </a:solidFill>
+              </a:defRPr>
+            </a:lvl8pPr>
+            <a:lvl9pPr>
+              <a:defRPr>
+                <a:solidFill>
+                  <a:schemeClr val="tx2"/>
+                </a:solidFill>
+              </a:defRPr>
+            </a:lvl9pPr>
+          </a:lstStyle>
+          <a:p>
+            <a:pPr lvl="0" algn="r"/>
+            <a:r>
+              <a:rPr lang="en-US" sz="8000" dirty="0">
+                <a:solidFill>
+                  <a:schemeClr val="tx1"/>
+                </a:solidFill>
+                <a:effectLst/>
+              </a:rPr>
+              <a:t>“</a:t>
+            </a:r>
+          </a:p>
+        </p:txBody>
+      </p:sp>
+      <p:sp>
+        <p:nvSpPr>
+          <p:cNvPr id="16" name="Title 1"/>
+          <p:cNvSpPr>
+            <a:spLocks noGrp="1"/>
+          </p:cNvSpPr>
+          <p:nvPr>
+            <p:ph type="title"/>
+          </p:nvPr>
+        </p:nvSpPr>
+        <p:spPr>
+          <a:xfrm>
+            <a:off x="992267" y="609601"/>
+            <a:ext cx="9550399" cy="2743199"/>
+          </a:xfrm>
+        </p:spPr>
+        <p:txBody>
+          <a:bodyPr anchor="ctr">
+            <a:normAutofit/>
+          </a:bodyPr>
+          <a:lstStyle>
+            <a:lvl1pPr algn="l">
+              <a:defRPr sz="3200" b="0" cap="none">
+                <a:solidFill>
+                  <a:schemeClr val="tx1"/>
+                </a:solidFill>
+              </a:defRPr>
+            </a:lvl1pPr>
+          </a:lstStyle>
+          <a:p>
+            <a:r>
+              <a:rPr lang="zh-CN" altLang="en-US" smtClean="0"/>
+              <a:t>单击此处编辑母版标题样式</a:t>
+            </a:r>
+            <a:endParaRPr lang="en-US" dirty="0"/>
+          </a:p>
+        </p:txBody>
+      </p:sp>
+      <p:sp>
+        <p:nvSpPr>
+          <p:cNvPr id="10" name="Text Placeholder 9"/>
+          <p:cNvSpPr>
+            <a:spLocks noGrp="1"/>
+          </p:cNvSpPr>
+          <p:nvPr>
+            <p:ph type="body" sz="quarter" idx="13"/>
+          </p:nvPr>
+        </p:nvSpPr>
+        <p:spPr>
+          <a:xfrm>
+            <a:off x="685800" y="3886200"/>
+            <a:ext cx="10135436" cy="889000"/>
+          </a:xfrm>
+        </p:spPr>
+        <p:txBody>
+          <a:bodyPr vert="horz" lIns="91440" tIns="45720" rIns="91440" bIns="45720" rtlCol="0" anchor="b">
+            <a:normAutofit/>
+          </a:bodyPr>
+          <a:lstStyle>
+            <a:lvl1pPr>
+              <a:buNone/>
+              <a:defRPr lang="en-US" sz="2400" b="0" cap="none" dirty="0">
+                <a:ln w="3175" cmpd="sng">
+                  <a:noFill/>
+                </a:ln>
+                <a:solidFill>
+                  <a:schemeClr val="tx1"/>
+                </a:solidFill>
+                <a:effectLst/>
+              </a:defRPr>
+            </a:lvl1pPr>
+          </a:lstStyle>
+          <a:p>
+            <a:pPr marL="0" lvl="0">
+              <a:spcBef>
+                <a:spcPct val="0"/>
+              </a:spcBef>
+              <a:buNone/>
+            </a:pPr>
+            <a:r>
+              <a:rPr lang="zh-CN" altLang="en-US" smtClean="0"/>
+              <a:t>单击此处编辑母版文本样式</a:t>
+            </a:r>
+          </a:p>
+        </p:txBody>
+      </p:sp>
+      <p:sp>
+        <p:nvSpPr>
+          <p:cNvPr id="3" name="Text Placeholder 2"/>
+          <p:cNvSpPr>
+            <a:spLocks noGrp="1"/>
+          </p:cNvSpPr>
+          <p:nvPr>
+            <p:ph type="body" idx="1"/>
+          </p:nvPr>
+        </p:nvSpPr>
+        <p:spPr>
+          <a:xfrm>
+            <a:off x="685799" y="4775200"/>
+            <a:ext cx="10135436" cy="1016000"/>
+          </a:xfrm>
+        </p:spPr>
+        <p:txBody>
+          <a:bodyPr anchor="t">
+            <a:normAutofit/>
+          </a:bodyPr>
+          <a:lstStyle>
+            <a:lvl1pPr marL="0" indent="0" algn="l">
+              <a:buNone/>
+              <a:defRPr sz="1800">
+                <a:solidFill>
+                  <a:schemeClr val="tx1"/>
+                </a:solidFill>
+              </a:defRPr>
+            </a:lvl1pPr>
+            <a:lvl2pPr marL="457200" indent="0">
+              <a:buNone/>
+              <a:defRPr sz="1800">
+                <a:solidFill>
+                  <a:schemeClr val="tx1">
+                    <a:tint val="75000"/>
+                  </a:schemeClr>
+                </a:solidFill>
+              </a:defRPr>
+            </a:lvl2pPr>
+            <a:lvl3pPr marL="914400" indent="0">
+              <a:buNone/>
+              <a:defRPr sz="1600">
+                <a:solidFill>
+                  <a:schemeClr val="tx1">
+                    <a:tint val="75000"/>
+                  </a:schemeClr>
+                </a:solidFill>
+              </a:defRPr>
+            </a:lvl3pPr>
+            <a:lvl4pPr marL="1371600" indent="0">
+              <a:buNone/>
+              <a:defRPr sz="1400">
+                <a:solidFill>
+                  <a:schemeClr val="tx1">
+                    <a:tint val="75000"/>
+                  </a:schemeClr>
+                </a:solidFill>
+              </a:defRPr>
+            </a:lvl4pPr>
+            <a:lvl5pPr marL="1828800" indent="0">
+              <a:buNone/>
+              <a:defRPr sz="1400">
+                <a:solidFill>
+                  <a:schemeClr val="tx1">
+                    <a:tint val="75000"/>
+                  </a:schemeClr>
+                </a:solidFill>
+              </a:defRPr>
+            </a:lvl5pPr>
+            <a:lvl6pPr marL="2286000" indent="0">
+              <a:buNone/>
+              <a:defRPr sz="1400">
+                <a:solidFill>
+                  <a:schemeClr val="tx1">
+                    <a:tint val="75000"/>
+                  </a:schemeClr>
+                </a:solidFill>
+              </a:defRPr>
+            </a:lvl6pPr>
+            <a:lvl7pPr marL="2743200" indent="0">
+              <a:buNone/>
+              <a:defRPr sz="1400">
+                <a:solidFill>
+                  <a:schemeClr val="tx1">
+                    <a:tint val="75000"/>
+                  </a:schemeClr>
+                </a:solidFill>
+              </a:defRPr>
+            </a:lvl7pPr>
+            <a:lvl8pPr marL="3200400" indent="0">
+              <a:buNone/>
+              <a:defRPr sz="1400">
+                <a:solidFill>
+                  <a:schemeClr val="tx1">
+                    <a:tint val="75000"/>
+                  </a:schemeClr>
+                </a:solidFill>
+              </a:defRPr>
+            </a:lvl8pPr>
+            <a:lvl9pPr marL="3657600" indent="0">
+              <a:buNone/>
+              <a:defRPr sz="1400">
+                <a:solidFill>
+                  <a:schemeClr val="tx1">
+                    <a:tint val="75000"/>
+                  </a:schemeClr>
+                </a:solidFill>
+              </a:defRPr>
+            </a:lvl9pPr>
+          </a:lstStyle>
+          <a:p>
+            <a:pPr lvl="0"/>
+            <a:r>
+              <a:rPr lang="zh-CN" altLang="en-US" smtClean="0"/>
+              <a:t>单击此处编辑母版文本样式</a:t>
+            </a:r>
+          </a:p>
+        </p:txBody>
+      </p:sp>
+      <p:sp>
+        <p:nvSpPr>
+          <p:cNvPr id="4" name="Date Placeholder 3"/>
+          <p:cNvSpPr>
+            <a:spLocks noGrp="1"/>
+          </p:cNvSpPr>
+          <p:nvPr>
+            <p:ph type="dt" sz="half" idx="10"/>
+          </p:nvPr>
+        </p:nvSpPr>
+        <p:spPr/>
+        <p:txBody>
+          <a:bodyPr/>
+          <a:lstStyle/>
+          <a:p>
+            <a:fld id="{5C08D6DC-C920-49CE-84AB-48B20296AF28}" type="datetimeFigureOut">
+              <a:rPr lang="zh-CN" altLang="en-US" smtClean="0"/>
+              <a:t>2017/7/27</a:t>
+            </a:fld>
+            <a:endParaRPr lang="zh-CN" altLang="en-US"/>
+          </a:p>
+        </p:txBody>
+      </p:sp>
+      <p:sp>
+        <p:nvSpPr>
+          <p:cNvPr id="5" name="Footer Placeholder 4"/>
+          <p:cNvSpPr>
+            <a:spLocks noGrp="1"/>
+          </p:cNvSpPr>
+          <p:nvPr>
+            <p:ph type="ftr" sz="quarter" idx="11"/>
+          </p:nvPr>
+        </p:nvSpPr>
+        <p:spPr/>
+        <p:txBody>
+          <a:bodyPr/>
+          <a:lstStyle/>
+          <a:p>
+            <a:endParaRPr lang="zh-CN" altLang="en-US"/>
+          </a:p>
+        </p:txBody>
+      </p:sp>
+      <p:sp>
+        <p:nvSpPr>
+          <p:cNvPr id="6" name="Slide Number Placeholder 5"/>
+          <p:cNvSpPr>
+            <a:spLocks noGrp="1"/>
+          </p:cNvSpPr>
+          <p:nvPr>
+            <p:ph type="sldNum" sz="quarter" idx="12"/>
+          </p:nvPr>
+        </p:nvSpPr>
+        <p:spPr/>
+        <p:txBody>
+          <a:bodyPr/>
+          <a:lstStyle/>
+          <a:p>
+            <a:fld id="{8F80AA09-BC22-4F77-98CD-9106E776FB93}" type="slidenum">
+              <a:rPr lang="zh-CN" altLang="en-US" smtClean="0"/>
+              <a:t>‹#›</a:t>
+            </a:fld>
+            <a:endParaRPr lang="zh-CN" altLang="en-US"/>
+          </a:p>
+        </p:txBody>
+      </p:sp>
+    </p:spTree>
+    <p:extLst>
+      <p:ext uri="{BB962C8B-B14F-4D97-AF65-F5344CB8AC3E}">
+        <p14:creationId xmlns:p14="http://schemas.microsoft.com/office/powerpoint/2010/main" val="1223649277"/>
+      </p:ext>
+    </p:extLst>
+  </p:cSld>
+  <p:clrMapOvr>
+    <a:masterClrMapping/>
+  </p:clrMapOvr>
+</p:sldLayout>
+</file>
+
+<file path=ppt/slideLayouts/slideLayout15.xml><?xml version="1.0" encoding="utf-8"?>
+<p:sldLayout xmlns:a="http://schemas.openxmlformats.org/drawingml/2006/main" xmlns:r="http://schemas.openxmlformats.org/officeDocument/2006/relationships" xmlns:p="http://schemas.openxmlformats.org/presentationml/2006/main" preserve="1">
+  <p:cSld name="真或假">
+    <p:spTree>
+      <p:nvGrpSpPr>
+        <p:cNvPr id="1" name=""/>
+        <p:cNvGrpSpPr/>
+        <p:nvPr/>
+      </p:nvGrpSpPr>
+      <p:grpSpPr>
+        <a:xfrm>
+          <a:off x="0" y="0"/>
+          <a:ext cx="0" cy="0"/>
+          <a:chOff x="0" y="0"/>
+          <a:chExt cx="0" cy="0"/>
+        </a:xfrm>
+      </p:grpSpPr>
+      <p:pic>
+        <p:nvPicPr>
+          <p:cNvPr id="8" name="Picture 7" descr="Celestia-R1---OverlayContentHD.png"/>
+          <p:cNvPicPr>
+            <a:picLocks noChangeAspect="1"/>
+          </p:cNvPicPr>
+          <p:nvPr/>
+        </p:nvPicPr>
+        <p:blipFill>
+          <a:blip r:embed="rId2">
+            <a:extLst>
+              <a:ext uri="{28A0092B-C50C-407E-A947-70E740481C1C}">
+                <a14:useLocalDpi xmlns:a14="http://schemas.microsoft.com/office/drawing/2010/main" val="0"/>
+              </a:ext>
+            </a:extLst>
+          </a:blip>
+          <a:stretch>
+            <a:fillRect/>
+          </a:stretch>
+        </p:blipFill>
+        <p:spPr>
+          <a:xfrm>
+            <a:off x="0" y="0"/>
+            <a:ext cx="12188825" cy="6856214"/>
+          </a:xfrm>
+          <a:prstGeom prst="rect">
+            <a:avLst/>
+          </a:prstGeom>
+        </p:spPr>
+      </p:pic>
+      <p:sp>
+        <p:nvSpPr>
+          <p:cNvPr id="2" name="Title 1"/>
+          <p:cNvSpPr>
+            <a:spLocks noGrp="1"/>
+          </p:cNvSpPr>
+          <p:nvPr>
+            <p:ph type="title"/>
+          </p:nvPr>
+        </p:nvSpPr>
+        <p:spPr>
+          <a:xfrm>
+            <a:off x="685801" y="609601"/>
+            <a:ext cx="10131427" cy="2743199"/>
+          </a:xfrm>
+        </p:spPr>
+        <p:txBody>
+          <a:bodyPr vert="horz" lIns="91440" tIns="45720" rIns="91440" bIns="45720" rtlCol="0" anchor="ctr">
+            <a:normAutofit/>
+          </a:bodyPr>
+          <a:lstStyle>
+            <a:lvl1pPr>
+              <a:defRPr lang="en-US" b="0" dirty="0"/>
+            </a:lvl1pPr>
+          </a:lstStyle>
+          <a:p>
+            <a:pPr marL="0" lvl="0"/>
+            <a:r>
+              <a:rPr lang="zh-CN" altLang="en-US" smtClean="0"/>
+              <a:t>单击此处编辑母版标题样式</a:t>
+            </a:r>
+            <a:endParaRPr lang="en-US" dirty="0"/>
+          </a:p>
+        </p:txBody>
+      </p:sp>
+      <p:sp>
+        <p:nvSpPr>
+          <p:cNvPr id="10" name="Text Placeholder 9"/>
+          <p:cNvSpPr>
+            <a:spLocks noGrp="1"/>
+          </p:cNvSpPr>
+          <p:nvPr>
+            <p:ph type="body" sz="quarter" idx="13"/>
+          </p:nvPr>
+        </p:nvSpPr>
+        <p:spPr>
+          <a:xfrm>
+            <a:off x="685801" y="3505200"/>
+            <a:ext cx="10131428" cy="838200"/>
+          </a:xfrm>
+        </p:spPr>
+        <p:txBody>
+          <a:bodyPr vert="horz" lIns="91440" tIns="45720" rIns="91440" bIns="45720" rtlCol="0" anchor="b">
+            <a:normAutofit/>
+          </a:bodyPr>
+          <a:lstStyle>
+            <a:lvl1pPr>
+              <a:buNone/>
+              <a:defRPr lang="en-US" sz="2800" b="0" cap="none" dirty="0">
+                <a:ln w="3175" cmpd="sng">
+                  <a:noFill/>
+                </a:ln>
+                <a:solidFill>
+                  <a:schemeClr val="tx1"/>
+                </a:solidFill>
+                <a:effectLst/>
+              </a:defRPr>
+            </a:lvl1pPr>
+          </a:lstStyle>
+          <a:p>
+            <a:pPr marL="0" lvl="0">
+              <a:spcBef>
+                <a:spcPct val="0"/>
+              </a:spcBef>
+              <a:buNone/>
+            </a:pPr>
+            <a:r>
+              <a:rPr lang="zh-CN" altLang="en-US" smtClean="0"/>
+              <a:t>单击此处编辑母版文本样式</a:t>
+            </a:r>
+          </a:p>
+        </p:txBody>
+      </p:sp>
+      <p:sp>
+        <p:nvSpPr>
+          <p:cNvPr id="3" name="Text Placeholder 2"/>
+          <p:cNvSpPr>
+            <a:spLocks noGrp="1"/>
+          </p:cNvSpPr>
+          <p:nvPr>
+            <p:ph type="body" idx="1"/>
+          </p:nvPr>
+        </p:nvSpPr>
+        <p:spPr>
+          <a:xfrm>
+            <a:off x="685800" y="4343400"/>
+            <a:ext cx="10131428" cy="1447800"/>
+          </a:xfrm>
+        </p:spPr>
+        <p:txBody>
+          <a:bodyPr anchor="t">
+            <a:normAutofit/>
+          </a:bodyPr>
+          <a:lstStyle>
+            <a:lvl1pPr marL="0" indent="0" algn="l">
+              <a:buNone/>
+              <a:defRPr sz="1800">
+                <a:solidFill>
+                  <a:schemeClr val="tx1"/>
+                </a:solidFill>
+              </a:defRPr>
+            </a:lvl1pPr>
+            <a:lvl2pPr marL="457200" indent="0">
+              <a:buNone/>
+              <a:defRPr sz="1800">
+                <a:solidFill>
+                  <a:schemeClr val="tx1">
+                    <a:tint val="75000"/>
+                  </a:schemeClr>
+                </a:solidFill>
+              </a:defRPr>
+            </a:lvl2pPr>
+            <a:lvl3pPr marL="914400" indent="0">
+              <a:buNone/>
+              <a:defRPr sz="1600">
+                <a:solidFill>
+                  <a:schemeClr val="tx1">
+                    <a:tint val="75000"/>
+                  </a:schemeClr>
+                </a:solidFill>
+              </a:defRPr>
+            </a:lvl3pPr>
+            <a:lvl4pPr marL="1371600" indent="0">
+              <a:buNone/>
+              <a:defRPr sz="1400">
+                <a:solidFill>
+                  <a:schemeClr val="tx1">
+                    <a:tint val="75000"/>
+                  </a:schemeClr>
+                </a:solidFill>
+              </a:defRPr>
+            </a:lvl4pPr>
+            <a:lvl5pPr marL="1828800" indent="0">
+              <a:buNone/>
+              <a:defRPr sz="1400">
+                <a:solidFill>
+                  <a:schemeClr val="tx1">
+                    <a:tint val="75000"/>
+                  </a:schemeClr>
+                </a:solidFill>
+              </a:defRPr>
+            </a:lvl5pPr>
+            <a:lvl6pPr marL="2286000" indent="0">
+              <a:buNone/>
+              <a:defRPr sz="1400">
+                <a:solidFill>
+                  <a:schemeClr val="tx1">
+                    <a:tint val="75000"/>
+                  </a:schemeClr>
+                </a:solidFill>
+              </a:defRPr>
+            </a:lvl6pPr>
+            <a:lvl7pPr marL="2743200" indent="0">
+              <a:buNone/>
+              <a:defRPr sz="1400">
+                <a:solidFill>
+                  <a:schemeClr val="tx1">
+                    <a:tint val="75000"/>
+                  </a:schemeClr>
+                </a:solidFill>
+              </a:defRPr>
+            </a:lvl7pPr>
+            <a:lvl8pPr marL="3200400" indent="0">
+              <a:buNone/>
+              <a:defRPr sz="1400">
+                <a:solidFill>
+                  <a:schemeClr val="tx1">
+                    <a:tint val="75000"/>
+                  </a:schemeClr>
+                </a:solidFill>
+              </a:defRPr>
+            </a:lvl8pPr>
+            <a:lvl9pPr marL="3657600" indent="0">
+              <a:buNone/>
+              <a:defRPr sz="1400">
+                <a:solidFill>
+                  <a:schemeClr val="tx1">
+                    <a:tint val="75000"/>
+                  </a:schemeClr>
+                </a:solidFill>
+              </a:defRPr>
+            </a:lvl9pPr>
+          </a:lstStyle>
+          <a:p>
+            <a:pPr lvl="0"/>
+            <a:r>
+              <a:rPr lang="zh-CN" altLang="en-US" smtClean="0"/>
+              <a:t>单击此处编辑母版文本样式</a:t>
+            </a:r>
+          </a:p>
+        </p:txBody>
+      </p:sp>
+      <p:sp>
+        <p:nvSpPr>
+          <p:cNvPr id="4" name="Date Placeholder 3"/>
+          <p:cNvSpPr>
+            <a:spLocks noGrp="1"/>
+          </p:cNvSpPr>
+          <p:nvPr>
+            <p:ph type="dt" sz="half" idx="10"/>
+          </p:nvPr>
+        </p:nvSpPr>
+        <p:spPr/>
+        <p:txBody>
+          <a:bodyPr/>
+          <a:lstStyle/>
+          <a:p>
+            <a:fld id="{5C08D6DC-C920-49CE-84AB-48B20296AF28}" type="datetimeFigureOut">
+              <a:rPr lang="zh-CN" altLang="en-US" smtClean="0"/>
+              <a:t>2017/7/27</a:t>
+            </a:fld>
+            <a:endParaRPr lang="zh-CN" altLang="en-US"/>
+          </a:p>
+        </p:txBody>
+      </p:sp>
+      <p:sp>
+        <p:nvSpPr>
+          <p:cNvPr id="5" name="Footer Placeholder 4"/>
+          <p:cNvSpPr>
+            <a:spLocks noGrp="1"/>
+          </p:cNvSpPr>
+          <p:nvPr>
+            <p:ph type="ftr" sz="quarter" idx="11"/>
+          </p:nvPr>
+        </p:nvSpPr>
+        <p:spPr/>
+        <p:txBody>
+          <a:bodyPr/>
+          <a:lstStyle/>
+          <a:p>
+            <a:endParaRPr lang="zh-CN" altLang="en-US"/>
+          </a:p>
+        </p:txBody>
+      </p:sp>
+      <p:sp>
+        <p:nvSpPr>
+          <p:cNvPr id="6" name="Slide Number Placeholder 5"/>
+          <p:cNvSpPr>
+            <a:spLocks noGrp="1"/>
+          </p:cNvSpPr>
+          <p:nvPr>
+            <p:ph type="sldNum" sz="quarter" idx="12"/>
+          </p:nvPr>
+        </p:nvSpPr>
+        <p:spPr/>
+        <p:txBody>
+          <a:bodyPr/>
+          <a:lstStyle/>
+          <a:p>
+            <a:fld id="{8F80AA09-BC22-4F77-98CD-9106E776FB93}" type="slidenum">
+              <a:rPr lang="zh-CN" altLang="en-US" smtClean="0"/>
+              <a:t>‹#›</a:t>
+            </a:fld>
+            <a:endParaRPr lang="zh-CN" altLang="en-US"/>
+          </a:p>
+        </p:txBody>
+      </p:sp>
+    </p:spTree>
+    <p:extLst>
+      <p:ext uri="{BB962C8B-B14F-4D97-AF65-F5344CB8AC3E}">
+        <p14:creationId xmlns:p14="http://schemas.microsoft.com/office/powerpoint/2010/main" val="1569994867"/>
+      </p:ext>
+    </p:extLst>
+  </p:cSld>
+  <p:clrMapOvr>
+    <a:masterClrMapping/>
+  </p:clrMapOvr>
+</p:sldLayout>
+</file>
+
+<file path=ppt/slideLayouts/slideLayout16.xml><?xml version="1.0" encoding="utf-8"?>
+<p:sldLayout xmlns:a="http://schemas.openxmlformats.org/drawingml/2006/main" xmlns:r="http://schemas.openxmlformats.org/officeDocument/2006/relationships" xmlns:p="http://schemas.openxmlformats.org/presentationml/2006/main" type="vertTx" preserve="1">
+  <p:cSld name="标题和竖排文本">
+    <p:spTree>
+      <p:nvGrpSpPr>
+        <p:cNvPr id="1" name=""/>
+        <p:cNvGrpSpPr/>
+        <p:nvPr/>
+      </p:nvGrpSpPr>
+      <p:grpSpPr>
+        <a:xfrm>
+          <a:off x="0" y="0"/>
+          <a:ext cx="0" cy="0"/>
+          <a:chOff x="0" y="0"/>
+          <a:chExt cx="0" cy="0"/>
+        </a:xfrm>
+      </p:grpSpPr>
+      <p:pic>
+        <p:nvPicPr>
+          <p:cNvPr id="7" name="Picture 6" descr="Celestia-R1---OverlayContentHD.png"/>
+          <p:cNvPicPr>
+            <a:picLocks noChangeAspect="1"/>
+          </p:cNvPicPr>
+          <p:nvPr/>
+        </p:nvPicPr>
+        <p:blipFill>
+          <a:blip r:embed="rId2">
+            <a:extLst>
+              <a:ext uri="{28A0092B-C50C-407E-A947-70E740481C1C}">
+                <a14:useLocalDpi xmlns:a14="http://schemas.microsoft.com/office/drawing/2010/main" val="0"/>
+              </a:ext>
+            </a:extLst>
+          </a:blip>
+          <a:stretch>
+            <a:fillRect/>
+          </a:stretch>
+        </p:blipFill>
+        <p:spPr>
+          <a:xfrm>
+            <a:off x="0" y="0"/>
+            <a:ext cx="12188825" cy="6856214"/>
+          </a:xfrm>
+          <a:prstGeom prst="rect">
+            <a:avLst/>
+          </a:prstGeom>
+        </p:spPr>
+      </p:pic>
+      <p:sp>
+        <p:nvSpPr>
+          <p:cNvPr id="3" name="Vertical Text Placeholder 2"/>
+          <p:cNvSpPr>
+            <a:spLocks noGrp="1"/>
+          </p:cNvSpPr>
+          <p:nvPr>
+            <p:ph type="body" orient="vert" idx="1"/>
+          </p:nvPr>
+        </p:nvSpPr>
+        <p:spPr/>
+        <p:txBody>
+          <a:bodyPr vert="eaVert" anchor="t"/>
+          <a:lstStyle/>
+          <a:p>
+            <a:pPr lvl="0"/>
+            <a:r>
+              <a:rPr lang="zh-CN" altLang="en-US" smtClean="0"/>
+              <a:t>单击此处编辑母版文本样式</a:t>
+            </a:r>
+          </a:p>
+          <a:p>
+            <a:pPr lvl="1"/>
+            <a:r>
+              <a:rPr lang="zh-CN" altLang="en-US" smtClean="0"/>
+              <a:t>二级</a:t>
+            </a:r>
+          </a:p>
+          <a:p>
+            <a:pPr lvl="2"/>
+            <a:r>
+              <a:rPr lang="zh-CN" altLang="en-US" smtClean="0"/>
+              <a:t>三级</a:t>
+            </a:r>
+          </a:p>
+          <a:p>
+            <a:pPr lvl="3"/>
+            <a:r>
+              <a:rPr lang="zh-CN" altLang="en-US" smtClean="0"/>
+              <a:t>四级</a:t>
+            </a:r>
+          </a:p>
+          <a:p>
+            <a:pPr lvl="4"/>
+            <a:r>
+              <a:rPr lang="zh-CN" altLang="en-US" smtClean="0"/>
+              <a:t>五级</a:t>
+            </a:r>
+            <a:endParaRPr lang="en-US" dirty="0"/>
+          </a:p>
+        </p:txBody>
+      </p:sp>
+      <p:sp>
+        <p:nvSpPr>
+          <p:cNvPr id="4" name="Date Placeholder 3"/>
+          <p:cNvSpPr>
+            <a:spLocks noGrp="1"/>
+          </p:cNvSpPr>
+          <p:nvPr>
+            <p:ph type="dt" sz="half" idx="10"/>
+          </p:nvPr>
+        </p:nvSpPr>
+        <p:spPr/>
+        <p:txBody>
+          <a:bodyPr/>
+          <a:lstStyle/>
+          <a:p>
+            <a:fld id="{5C08D6DC-C920-49CE-84AB-48B20296AF28}" type="datetimeFigureOut">
+              <a:rPr lang="zh-CN" altLang="en-US" smtClean="0"/>
+              <a:t>2017/7/27</a:t>
+            </a:fld>
+            <a:endParaRPr lang="zh-CN" altLang="en-US"/>
+          </a:p>
+        </p:txBody>
+      </p:sp>
+      <p:sp>
+        <p:nvSpPr>
+          <p:cNvPr id="5" name="Footer Placeholder 4"/>
+          <p:cNvSpPr>
+            <a:spLocks noGrp="1"/>
+          </p:cNvSpPr>
+          <p:nvPr>
+            <p:ph type="ftr" sz="quarter" idx="11"/>
+          </p:nvPr>
+        </p:nvSpPr>
+        <p:spPr/>
+        <p:txBody>
+          <a:bodyPr/>
+          <a:lstStyle/>
+          <a:p>
+            <a:endParaRPr lang="zh-CN" altLang="en-US"/>
+          </a:p>
+        </p:txBody>
+      </p:sp>
+      <p:sp>
+        <p:nvSpPr>
+          <p:cNvPr id="6" name="Slide Number Placeholder 5"/>
+          <p:cNvSpPr>
+            <a:spLocks noGrp="1"/>
+          </p:cNvSpPr>
+          <p:nvPr>
+            <p:ph type="sldNum" sz="quarter" idx="12"/>
+          </p:nvPr>
+        </p:nvSpPr>
+        <p:spPr/>
+        <p:txBody>
+          <a:bodyPr/>
+          <a:lstStyle/>
+          <a:p>
+            <a:fld id="{8F80AA09-BC22-4F77-98CD-9106E776FB93}" type="slidenum">
+              <a:rPr lang="zh-CN" altLang="en-US" smtClean="0"/>
+              <a:t>‹#›</a:t>
+            </a:fld>
+            <a:endParaRPr lang="zh-CN" altLang="en-US"/>
+          </a:p>
+        </p:txBody>
+      </p:sp>
+      <p:sp>
+        <p:nvSpPr>
+          <p:cNvPr id="8" name="Title 1"/>
+          <p:cNvSpPr>
+            <a:spLocks noGrp="1"/>
+          </p:cNvSpPr>
+          <p:nvPr>
+            <p:ph type="title"/>
+          </p:nvPr>
+        </p:nvSpPr>
+        <p:spPr>
+          <a:xfrm>
+            <a:off x="685801" y="609600"/>
+            <a:ext cx="10131425" cy="1456267"/>
+          </a:xfrm>
+        </p:spPr>
+        <p:txBody>
+          <a:bodyPr/>
+          <a:lstStyle/>
+          <a:p>
+            <a:r>
+              <a:rPr lang="zh-CN" altLang="en-US" smtClean="0"/>
+              <a:t>单击此处编辑母版标题样式</a:t>
+            </a:r>
+            <a:endParaRPr lang="en-US" dirty="0"/>
+          </a:p>
+        </p:txBody>
+      </p:sp>
+    </p:spTree>
+    <p:extLst>
+      <p:ext uri="{BB962C8B-B14F-4D97-AF65-F5344CB8AC3E}">
+        <p14:creationId xmlns:p14="http://schemas.microsoft.com/office/powerpoint/2010/main" val="772158980"/>
+      </p:ext>
+    </p:extLst>
+  </p:cSld>
+  <p:clrMapOvr>
+    <a:masterClrMapping/>
+  </p:clrMapOvr>
+</p:sldLayout>
+</file>
+
+<file path=ppt/slideLayouts/slideLayout17.xml><?xml version="1.0" encoding="utf-8"?>
+<p:sldLayout xmlns:a="http://schemas.openxmlformats.org/drawingml/2006/main" xmlns:r="http://schemas.openxmlformats.org/officeDocument/2006/relationships" xmlns:p="http://schemas.openxmlformats.org/presentationml/2006/main" type="vertTitleAndTx" preserve="1">
+  <p:cSld name="竖排标题和文本">
+    <p:spTree>
+      <p:nvGrpSpPr>
+        <p:cNvPr id="1" name=""/>
+        <p:cNvGrpSpPr/>
+        <p:nvPr/>
+      </p:nvGrpSpPr>
+      <p:grpSpPr>
+        <a:xfrm>
+          <a:off x="0" y="0"/>
+          <a:ext cx="0" cy="0"/>
+          <a:chOff x="0" y="0"/>
+          <a:chExt cx="0" cy="0"/>
+        </a:xfrm>
+      </p:grpSpPr>
+      <p:pic>
+        <p:nvPicPr>
+          <p:cNvPr id="7" name="Picture 6" descr="Celestia-R1---OverlayContentHD.png"/>
+          <p:cNvPicPr>
+            <a:picLocks noChangeAspect="1"/>
+          </p:cNvPicPr>
+          <p:nvPr/>
+        </p:nvPicPr>
+        <p:blipFill>
+          <a:blip r:embed="rId2">
+            <a:extLst>
+              <a:ext uri="{28A0092B-C50C-407E-A947-70E740481C1C}">
+                <a14:useLocalDpi xmlns:a14="http://schemas.microsoft.com/office/drawing/2010/main" val="0"/>
+              </a:ext>
+            </a:extLst>
+          </a:blip>
+          <a:stretch>
+            <a:fillRect/>
+          </a:stretch>
+        </p:blipFill>
+        <p:spPr>
+          <a:xfrm>
+            <a:off x="0" y="0"/>
+            <a:ext cx="12188825" cy="6856214"/>
+          </a:xfrm>
+          <a:prstGeom prst="rect">
+            <a:avLst/>
+          </a:prstGeom>
+        </p:spPr>
+      </p:pic>
+      <p:sp>
+        <p:nvSpPr>
+          <p:cNvPr id="2" name="Vertical Title 1"/>
+          <p:cNvSpPr>
+            <a:spLocks noGrp="1"/>
+          </p:cNvSpPr>
+          <p:nvPr>
+            <p:ph type="title" orient="vert"/>
+          </p:nvPr>
+        </p:nvSpPr>
+        <p:spPr>
+          <a:xfrm>
+            <a:off x="8658675" y="609599"/>
+            <a:ext cx="2158552" cy="5181601"/>
+          </a:xfrm>
+        </p:spPr>
+        <p:txBody>
+          <a:bodyPr vert="eaVert"/>
+          <a:lstStyle/>
+          <a:p>
+            <a:r>
+              <a:rPr lang="zh-CN" altLang="en-US" smtClean="0"/>
+              <a:t>单击此处编辑母版标题样式</a:t>
+            </a:r>
+            <a:endParaRPr lang="en-US" dirty="0"/>
+          </a:p>
+        </p:txBody>
+      </p:sp>
+      <p:sp>
+        <p:nvSpPr>
+          <p:cNvPr id="3" name="Vertical Text Placeholder 2"/>
+          <p:cNvSpPr>
+            <a:spLocks noGrp="1"/>
+          </p:cNvSpPr>
+          <p:nvPr>
+            <p:ph type="body" orient="vert" idx="1"/>
+          </p:nvPr>
+        </p:nvSpPr>
+        <p:spPr>
+          <a:xfrm>
+            <a:off x="685800" y="609600"/>
+            <a:ext cx="7832116" cy="5181600"/>
+          </a:xfrm>
+        </p:spPr>
+        <p:txBody>
+          <a:bodyPr vert="eaVert" anchor="t"/>
+          <a:lstStyle/>
+          <a:p>
+            <a:pPr lvl="0"/>
+            <a:r>
+              <a:rPr lang="zh-CN" altLang="en-US" smtClean="0"/>
+              <a:t>单击此处编辑母版文本样式</a:t>
+            </a:r>
+          </a:p>
+          <a:p>
+            <a:pPr lvl="1"/>
+            <a:r>
+              <a:rPr lang="zh-CN" altLang="en-US" smtClean="0"/>
+              <a:t>二级</a:t>
+            </a:r>
+          </a:p>
+          <a:p>
+            <a:pPr lvl="2"/>
+            <a:r>
+              <a:rPr lang="zh-CN" altLang="en-US" smtClean="0"/>
+              <a:t>三级</a:t>
+            </a:r>
+          </a:p>
+          <a:p>
+            <a:pPr lvl="3"/>
+            <a:r>
+              <a:rPr lang="zh-CN" altLang="en-US" smtClean="0"/>
+              <a:t>四级</a:t>
+            </a:r>
+          </a:p>
+          <a:p>
+            <a:pPr lvl="4"/>
+            <a:r>
+              <a:rPr lang="zh-CN" altLang="en-US" smtClean="0"/>
+              <a:t>五级</a:t>
+            </a:r>
+            <a:endParaRPr lang="en-US" dirty="0"/>
+          </a:p>
+        </p:txBody>
+      </p:sp>
+      <p:sp>
+        <p:nvSpPr>
+          <p:cNvPr id="4" name="Date Placeholder 3"/>
+          <p:cNvSpPr>
+            <a:spLocks noGrp="1"/>
+          </p:cNvSpPr>
+          <p:nvPr>
+            <p:ph type="dt" sz="half" idx="10"/>
+          </p:nvPr>
+        </p:nvSpPr>
+        <p:spPr/>
+        <p:txBody>
+          <a:bodyPr/>
+          <a:lstStyle/>
+          <a:p>
+            <a:fld id="{5C08D6DC-C920-49CE-84AB-48B20296AF28}" type="datetimeFigureOut">
+              <a:rPr lang="zh-CN" altLang="en-US" smtClean="0"/>
+              <a:t>2017/7/27</a:t>
+            </a:fld>
+            <a:endParaRPr lang="zh-CN" altLang="en-US"/>
+          </a:p>
+        </p:txBody>
+      </p:sp>
+      <p:sp>
+        <p:nvSpPr>
+          <p:cNvPr id="5" name="Footer Placeholder 4"/>
+          <p:cNvSpPr>
+            <a:spLocks noGrp="1"/>
+          </p:cNvSpPr>
+          <p:nvPr>
+            <p:ph type="ftr" sz="quarter" idx="11"/>
+          </p:nvPr>
+        </p:nvSpPr>
+        <p:spPr/>
+        <p:txBody>
+          <a:bodyPr/>
+          <a:lstStyle/>
+          <a:p>
+            <a:endParaRPr lang="zh-CN" altLang="en-US"/>
+          </a:p>
+        </p:txBody>
+      </p:sp>
+      <p:sp>
+        <p:nvSpPr>
+          <p:cNvPr id="6" name="Slide Number Placeholder 5"/>
+          <p:cNvSpPr>
+            <a:spLocks noGrp="1"/>
+          </p:cNvSpPr>
+          <p:nvPr>
+            <p:ph type="sldNum" sz="quarter" idx="12"/>
+          </p:nvPr>
+        </p:nvSpPr>
+        <p:spPr/>
+        <p:txBody>
+          <a:bodyPr/>
+          <a:lstStyle/>
+          <a:p>
+            <a:fld id="{8F80AA09-BC22-4F77-98CD-9106E776FB93}" type="slidenum">
+              <a:rPr lang="zh-CN" altLang="en-US" smtClean="0"/>
+              <a:t>‹#›</a:t>
+            </a:fld>
+            <a:endParaRPr lang="zh-CN" altLang="en-US"/>
+          </a:p>
+        </p:txBody>
+      </p:sp>
+    </p:spTree>
+    <p:extLst>
+      <p:ext uri="{BB962C8B-B14F-4D97-AF65-F5344CB8AC3E}">
+        <p14:creationId xmlns:p14="http://schemas.microsoft.com/office/powerpoint/2010/main" val="432298039"/>
+      </p:ext>
+    </p:extLst>
+  </p:cSld>
+  <p:clrMapOvr>
+    <a:masterClrMapping/>
+  </p:clrMapOvr>
+  <p:extLst>
+    <p:ext uri="{DCECCB84-F9BA-43D5-87BE-67443E8EF086}">
+      <p15:sldGuideLst xmlns:p15="http://schemas.microsoft.com/office/powerpoint/2012/main"/>
+    </p:ext>
+  </p:extLst>
 </p:sldLayout>
 </file>
 
@@ -678,9 +3198,39 @@
           <a:chExt cx="0" cy="0"/>
         </a:xfrm>
       </p:grpSpPr>
-      <p:sp>
-        <p:nvSpPr>
-          <p:cNvPr id="2" name="标题 1"/>
+      <p:pic>
+        <p:nvPicPr>
+          <p:cNvPr id="7" name="Picture 6" descr="Celestia-R1---OverlayContentHD.png"/>
+          <p:cNvPicPr>
+            <a:picLocks noChangeAspect="1"/>
+          </p:cNvPicPr>
+          <p:nvPr/>
+        </p:nvPicPr>
+        <p:blipFill>
+          <a:blip r:embed="rId2">
+            <a:extLst>
+              <a:ext uri="{28A0092B-C50C-407E-A947-70E740481C1C}">
+                <a14:useLocalDpi xmlns:a14="http://schemas.microsoft.com/office/drawing/2010/main" val="0"/>
+              </a:ext>
+            </a:extLst>
+          </a:blip>
+          <a:stretch>
+            <a:fillRect/>
+          </a:stretch>
+        </p:blipFill>
+        <p:spPr>
+          <a:xfrm>
+            <a:off x="0" y="0"/>
+            <a:ext cx="12188825" cy="6856214"/>
+          </a:xfrm>
+          <a:prstGeom prst="rect">
+            <a:avLst/>
+          </a:prstGeom>
+        </p:spPr>
+      </p:pic>
+      <p:sp>
+        <p:nvSpPr>
+          <p:cNvPr id="2" name="Title 1"/>
           <p:cNvSpPr>
             <a:spLocks noGrp="1"/>
           </p:cNvSpPr>
@@ -697,13 +3247,13 @@
               <a:rPr lang="zh-CN" altLang="en-US" smtClean="0"/>
               <a:t>单击此处编辑母版标题样式</a:t>
             </a:r>
-            <a:endParaRPr lang="zh-CN" altLang="en-US"/>
-          </a:p>
-        </p:txBody>
-      </p:sp>
-      <p:sp>
-        <p:nvSpPr>
-          <p:cNvPr id="3" name="内容占位符 2"/>
+            <a:endParaRPr lang="en-US" dirty="0"/>
+          </a:p>
+        </p:txBody>
+      </p:sp>
+      <p:sp>
+        <p:nvSpPr>
+          <p:cNvPr id="3" name="Content Placeholder 2"/>
           <p:cNvSpPr>
             <a:spLocks noGrp="1"/>
           </p:cNvSpPr>
@@ -713,7 +3263,7 @@
         </p:nvSpPr>
         <p:spPr/>
         <p:txBody>
-          <a:bodyPr/>
+          <a:bodyPr anchor="ctr"/>
           <a:lstStyle/>
           <a:p>
             <a:pPr lvl="0"/>
@@ -726,36 +3276,36 @@
             <a:pPr lvl="1"/>
             <a:r>
               <a:rPr lang="zh-CN" altLang="en-US" smtClean="0"/>
-              <a:t>第二级</a:t>
+              <a:t>二级</a:t>
             </a:r>
           </a:p>
           <a:p>
             <a:pPr lvl="2"/>
             <a:r>
               <a:rPr lang="zh-CN" altLang="en-US" smtClean="0"/>
-              <a:t>第三级</a:t>
+              <a:t>三级</a:t>
             </a:r>
           </a:p>
           <a:p>
             <a:pPr lvl="3"/>
             <a:r>
               <a:rPr lang="zh-CN" altLang="en-US" smtClean="0"/>
-              <a:t>第四级</a:t>
+              <a:t>四级</a:t>
             </a:r>
           </a:p>
           <a:p>
             <a:pPr lvl="4"/>
             <a:r>
               <a:rPr lang="zh-CN" altLang="en-US" smtClean="0"/>
-              <a:t>第五级</a:t>
-            </a:r>
-            <a:endParaRPr lang="zh-CN" altLang="en-US"/>
-          </a:p>
-        </p:txBody>
-      </p:sp>
-      <p:sp>
-        <p:nvSpPr>
-          <p:cNvPr id="4" name="日期占位符 3"/>
+              <a:t>五级</a:t>
+            </a:r>
+            <a:endParaRPr lang="en-US" dirty="0"/>
+          </a:p>
+        </p:txBody>
+      </p:sp>
+      <p:sp>
+        <p:nvSpPr>
+          <p:cNvPr id="4" name="Date Placeholder 3"/>
           <p:cNvSpPr>
             <a:spLocks noGrp="1"/>
           </p:cNvSpPr>
@@ -778,7 +3328,7 @@
       </p:sp>
       <p:sp>
         <p:nvSpPr>
-          <p:cNvPr id="5" name="页脚占位符 4"/>
+          <p:cNvPr id="5" name="Footer Placeholder 4"/>
           <p:cNvSpPr>
             <a:spLocks noGrp="1"/>
           </p:cNvSpPr>
@@ -797,7 +3347,7 @@
       </p:sp>
       <p:sp>
         <p:nvSpPr>
-          <p:cNvPr id="6" name="灯片编号占位符 5"/>
+          <p:cNvPr id="6" name="Slide Number Placeholder 5"/>
           <p:cNvSpPr>
             <a:spLocks noGrp="1"/>
           </p:cNvSpPr>
@@ -821,7 +3371,7 @@
     </p:spTree>
     <p:extLst>
       <p:ext uri="{BB962C8B-B14F-4D97-AF65-F5344CB8AC3E}">
-        <p14:creationId xmlns:p14="http://schemas.microsoft.com/office/powerpoint/2010/main" val="4227232972"/>
+        <p14:creationId xmlns:p14="http://schemas.microsoft.com/office/powerpoint/2010/main" val="1512630602"/>
       </p:ext>
     </p:extLst>
   </p:cSld>
@@ -848,9 +3398,39 @@
           <a:chExt cx="0" cy="0"/>
         </a:xfrm>
       </p:grpSpPr>
-      <p:sp>
-        <p:nvSpPr>
-          <p:cNvPr id="2" name="标题 1"/>
+      <p:pic>
+        <p:nvPicPr>
+          <p:cNvPr id="7" name="Picture 6" descr="Celestia-R1---OverlayContentHD.png"/>
+          <p:cNvPicPr>
+            <a:picLocks noChangeAspect="1"/>
+          </p:cNvPicPr>
+          <p:nvPr/>
+        </p:nvPicPr>
+        <p:blipFill>
+          <a:blip r:embed="rId2">
+            <a:extLst>
+              <a:ext uri="{28A0092B-C50C-407E-A947-70E740481C1C}">
+                <a14:useLocalDpi xmlns:a14="http://schemas.microsoft.com/office/drawing/2010/main" val="0"/>
+              </a:ext>
+            </a:extLst>
+          </a:blip>
+          <a:stretch>
+            <a:fillRect/>
+          </a:stretch>
+        </p:blipFill>
+        <p:spPr>
+          <a:xfrm>
+            <a:off x="0" y="0"/>
+            <a:ext cx="12188825" cy="6856214"/>
+          </a:xfrm>
+          <a:prstGeom prst="rect">
+            <a:avLst/>
+          </a:prstGeom>
+        </p:spPr>
+      </p:pic>
+      <p:sp>
+        <p:nvSpPr>
+          <p:cNvPr id="2" name="Title 1"/>
           <p:cNvSpPr>
             <a:spLocks noGrp="1"/>
           </p:cNvSpPr>
@@ -860,15 +3440,15 @@
         </p:nvSpPr>
         <p:spPr>
           <a:xfrm>
-            <a:off x="831850" y="1709738"/>
-            <a:ext cx="10515600" cy="2852737"/>
+            <a:off x="685800" y="3308581"/>
+            <a:ext cx="10131427" cy="1468800"/>
           </a:xfrm>
         </p:spPr>
         <p:txBody>
           <a:bodyPr anchor="b"/>
           <a:lstStyle>
-            <a:lvl1pPr>
-              <a:defRPr sz="6000"/>
+            <a:lvl1pPr algn="l">
+              <a:defRPr sz="4000" b="0" cap="all"/>
             </a:lvl1pPr>
           </a:lstStyle>
           <a:p>
@@ -876,13 +3456,13 @@
               <a:rPr lang="zh-CN" altLang="en-US" smtClean="0"/>
               <a:t>单击此处编辑母版标题样式</a:t>
             </a:r>
-            <a:endParaRPr lang="zh-CN" altLang="en-US"/>
-          </a:p>
-        </p:txBody>
-      </p:sp>
-      <p:sp>
-        <p:nvSpPr>
-          <p:cNvPr id="3" name="文本占位符 2"/>
+            <a:endParaRPr lang="en-US" dirty="0"/>
+          </a:p>
+        </p:txBody>
+      </p:sp>
+      <p:sp>
+        <p:nvSpPr>
+          <p:cNvPr id="3" name="Text Placeholder 2"/>
           <p:cNvSpPr>
             <a:spLocks noGrp="1"/>
           </p:cNvSpPr>
@@ -892,102 +3472,102 @@
         </p:nvSpPr>
         <p:spPr>
           <a:xfrm>
-            <a:off x="831850" y="4589463"/>
-            <a:ext cx="10515600" cy="1500187"/>
+            <a:off x="685799" y="4777381"/>
+            <a:ext cx="10131428" cy="860400"/>
           </a:xfrm>
         </p:spPr>
         <p:txBody>
-          <a:bodyPr/>
+          <a:bodyPr anchor="t">
+            <a:normAutofit/>
+          </a:bodyPr>
           <a:lstStyle>
-            <a:lvl1pPr marL="0" indent="0">
-              <a:buNone/>
-              <a:defRPr sz="2400">
+            <a:lvl1pPr marL="0" indent="0" algn="l">
+              <a:buNone/>
+              <a:defRPr sz="2000" cap="all">
+                <a:solidFill>
+                  <a:schemeClr val="tx1"/>
+                </a:solidFill>
+              </a:defRPr>
+            </a:lvl1pPr>
+            <a:lvl2pPr marL="457200" indent="0">
+              <a:buNone/>
+              <a:defRPr sz="1800">
                 <a:solidFill>
                   <a:schemeClr val="tx1">
                     <a:tint val="75000"/>
                   </a:schemeClr>
                 </a:solidFill>
               </a:defRPr>
-            </a:lvl1pPr>
-            <a:lvl2pPr marL="457200" indent="0">
-              <a:buNone/>
-              <a:defRPr sz="2000">
+            </a:lvl2pPr>
+            <a:lvl3pPr marL="914400" indent="0">
+              <a:buNone/>
+              <a:defRPr sz="1600">
                 <a:solidFill>
                   <a:schemeClr val="tx1">
                     <a:tint val="75000"/>
                   </a:schemeClr>
                 </a:solidFill>
               </a:defRPr>
-            </a:lvl2pPr>
-            <a:lvl3pPr marL="914400" indent="0">
-              <a:buNone/>
-              <a:defRPr sz="1800">
+            </a:lvl3pPr>
+            <a:lvl4pPr marL="1371600" indent="0">
+              <a:buNone/>
+              <a:defRPr sz="1400">
                 <a:solidFill>
                   <a:schemeClr val="tx1">
                     <a:tint val="75000"/>
                   </a:schemeClr>
                 </a:solidFill>
               </a:defRPr>
-            </a:lvl3pPr>
-            <a:lvl4pPr marL="1371600" indent="0">
-              <a:buNone/>
-              <a:defRPr sz="1600">
+            </a:lvl4pPr>
+            <a:lvl5pPr marL="1828800" indent="0">
+              <a:buNone/>
+              <a:defRPr sz="1400">
                 <a:solidFill>
                   <a:schemeClr val="tx1">
                     <a:tint val="75000"/>
                   </a:schemeClr>
                 </a:solidFill>
               </a:defRPr>
-            </a:lvl4pPr>
-            <a:lvl5pPr marL="1828800" indent="0">
-              <a:buNone/>
-              <a:defRPr sz="1600">
+            </a:lvl5pPr>
+            <a:lvl6pPr marL="2286000" indent="0">
+              <a:buNone/>
+              <a:defRPr sz="1400">
                 <a:solidFill>
                   <a:schemeClr val="tx1">
                     <a:tint val="75000"/>
                   </a:schemeClr>
                 </a:solidFill>
               </a:defRPr>
-            </a:lvl5pPr>
-            <a:lvl6pPr marL="2286000" indent="0">
-              <a:buNone/>
-              <a:defRPr sz="1600">
+            </a:lvl6pPr>
+            <a:lvl7pPr marL="2743200" indent="0">
+              <a:buNone/>
+              <a:defRPr sz="1400">
                 <a:solidFill>
                   <a:schemeClr val="tx1">
                     <a:tint val="75000"/>
                   </a:schemeClr>
                 </a:solidFill>
               </a:defRPr>
-            </a:lvl6pPr>
-            <a:lvl7pPr marL="2743200" indent="0">
-              <a:buNone/>
-              <a:defRPr sz="1600">
+            </a:lvl7pPr>
+            <a:lvl8pPr marL="3200400" indent="0">
+              <a:buNone/>
+              <a:defRPr sz="1400">
                 <a:solidFill>
                   <a:schemeClr val="tx1">
                     <a:tint val="75000"/>
                   </a:schemeClr>
                 </a:solidFill>
               </a:defRPr>
-            </a:lvl7pPr>
-            <a:lvl8pPr marL="3200400" indent="0">
-              <a:buNone/>
-              <a:defRPr sz="1600">
+            </a:lvl8pPr>
+            <a:lvl9pPr marL="3657600" indent="0">
+              <a:buNone/>
+              <a:defRPr sz="1400">
                 <a:solidFill>
                   <a:schemeClr val="tx1">
                     <a:tint val="75000"/>
                   </a:schemeClr>
                 </a:solidFill>
               </a:defRPr>
-            </a:lvl8pPr>
-            <a:lvl9pPr marL="3657600" indent="0">
-              <a:buNone/>
-              <a:defRPr sz="1600">
-                <a:solidFill>
-                  <a:schemeClr val="tx1">
-                    <a:tint val="75000"/>
-                  </a:schemeClr>
-                </a:solidFill>
-              </a:defRPr>
             </a:lvl9pPr>
           </a:lstStyle>
           <a:p>
@@ -1001,7 +3581,7 @@
       </p:sp>
       <p:sp>
         <p:nvSpPr>
-          <p:cNvPr id="4" name="日期占位符 3"/>
+          <p:cNvPr id="4" name="Date Placeholder 3"/>
           <p:cNvSpPr>
             <a:spLocks noGrp="1"/>
           </p:cNvSpPr>
@@ -1024,7 +3604,7 @@
       </p:sp>
       <p:sp>
         <p:nvSpPr>
-          <p:cNvPr id="5" name="页脚占位符 4"/>
+          <p:cNvPr id="5" name="Footer Placeholder 4"/>
           <p:cNvSpPr>
             <a:spLocks noGrp="1"/>
           </p:cNvSpPr>
@@ -1043,7 +3623,7 @@
       </p:sp>
       <p:sp>
         <p:nvSpPr>
-          <p:cNvPr id="6" name="灯片编号占位符 5"/>
+          <p:cNvPr id="6" name="Slide Number Placeholder 5"/>
           <p:cNvSpPr>
             <a:spLocks noGrp="1"/>
           </p:cNvSpPr>
@@ -1067,19 +3647,24 @@
     </p:spTree>
     <p:extLst>
       <p:ext uri="{BB962C8B-B14F-4D97-AF65-F5344CB8AC3E}">
-        <p14:creationId xmlns:p14="http://schemas.microsoft.com/office/powerpoint/2010/main" val="3356339547"/>
+        <p14:creationId xmlns:p14="http://schemas.microsoft.com/office/powerpoint/2010/main" val="871114628"/>
       </p:ext>
     </p:extLst>
   </p:cSld>
   <p:clrMapOvr>
     <a:masterClrMapping/>
   </p:clrMapOvr>
+  <p:extLst>
+    <p:ext uri="{DCECCB84-F9BA-43D5-87BE-67443E8EF086}">
+      <p15:sldGuideLst xmlns:p15="http://schemas.microsoft.com/office/powerpoint/2012/main"/>
+    </p:ext>
+  </p:extLst>
 </p:sldLayout>
 </file>
 
 <file path=ppt/slideLayouts/slideLayout4.xml><?xml version="1.0" encoding="utf-8"?>
 <p:sldLayout xmlns:a="http://schemas.openxmlformats.org/drawingml/2006/main" xmlns:r="http://schemas.openxmlformats.org/officeDocument/2006/relationships" xmlns:p="http://schemas.openxmlformats.org/presentationml/2006/main" type="twoObj" preserve="1">
-  <p:cSld name="两栏内容">
+  <p:cSld name="两项内容">
     <p:spTree>
       <p:nvGrpSpPr>
         <p:cNvPr id="1" name=""/>
@@ -1094,9 +3679,39 @@
           <a:chExt cx="0" cy="0"/>
         </a:xfrm>
       </p:grpSpPr>
-      <p:sp>
-        <p:nvSpPr>
-          <p:cNvPr id="2" name="标题 1"/>
+      <p:pic>
+        <p:nvPicPr>
+          <p:cNvPr id="8" name="Picture 7" descr="Celestia-R1---OverlayContentHD.png"/>
+          <p:cNvPicPr>
+            <a:picLocks noChangeAspect="1"/>
+          </p:cNvPicPr>
+          <p:nvPr/>
+        </p:nvPicPr>
+        <p:blipFill>
+          <a:blip r:embed="rId2">
+            <a:extLst>
+              <a:ext uri="{28A0092B-C50C-407E-A947-70E740481C1C}">
+                <a14:useLocalDpi xmlns:a14="http://schemas.microsoft.com/office/drawing/2010/main" val="0"/>
+              </a:ext>
+            </a:extLst>
+          </a:blip>
+          <a:stretch>
+            <a:fillRect/>
+          </a:stretch>
+        </p:blipFill>
+        <p:spPr>
+          <a:xfrm>
+            <a:off x="0" y="0"/>
+            <a:ext cx="12188825" cy="6856214"/>
+          </a:xfrm>
+          <a:prstGeom prst="rect">
+            <a:avLst/>
+          </a:prstGeom>
+        </p:spPr>
+      </p:pic>
+      <p:sp>
+        <p:nvSpPr>
+          <p:cNvPr id="2" name="Title 1"/>
           <p:cNvSpPr>
             <a:spLocks noGrp="1"/>
           </p:cNvSpPr>
@@ -1113,13 +3728,13 @@
               <a:rPr lang="zh-CN" altLang="en-US" smtClean="0"/>
               <a:t>单击此处编辑母版标题样式</a:t>
             </a:r>
-            <a:endParaRPr lang="zh-CN" altLang="en-US"/>
-          </a:p>
-        </p:txBody>
-      </p:sp>
-      <p:sp>
-        <p:nvSpPr>
-          <p:cNvPr id="3" name="内容占位符 2"/>
+            <a:endParaRPr lang="en-US" dirty="0"/>
+          </a:p>
+        </p:txBody>
+      </p:sp>
+      <p:sp>
+        <p:nvSpPr>
+          <p:cNvPr id="3" name="Content Placeholder 2"/>
           <p:cNvSpPr>
             <a:spLocks noGrp="1"/>
           </p:cNvSpPr>
@@ -1129,12 +3744,14 @@
         </p:nvSpPr>
         <p:spPr>
           <a:xfrm>
-            <a:off x="838200" y="1825625"/>
-            <a:ext cx="5181600" cy="4351338"/>
+            <a:off x="685802" y="2142067"/>
+            <a:ext cx="4995334" cy="3649134"/>
           </a:xfrm>
         </p:spPr>
         <p:txBody>
-          <a:bodyPr/>
+          <a:bodyPr>
+            <a:normAutofit/>
+          </a:bodyPr>
           <a:lstStyle/>
           <a:p>
             <a:pPr lvl="0"/>
@@ -1147,36 +3764,36 @@
             <a:pPr lvl="1"/>
             <a:r>
               <a:rPr lang="zh-CN" altLang="en-US" smtClean="0"/>
-              <a:t>第二级</a:t>
+              <a:t>二级</a:t>
             </a:r>
           </a:p>
           <a:p>
             <a:pPr lvl="2"/>
             <a:r>
               <a:rPr lang="zh-CN" altLang="en-US" smtClean="0"/>
-              <a:t>第三级</a:t>
+              <a:t>三级</a:t>
             </a:r>
           </a:p>
           <a:p>
             <a:pPr lvl="3"/>
             <a:r>
               <a:rPr lang="zh-CN" altLang="en-US" smtClean="0"/>
-              <a:t>第四级</a:t>
+              <a:t>四级</a:t>
             </a:r>
           </a:p>
           <a:p>
             <a:pPr lvl="4"/>
             <a:r>
               <a:rPr lang="zh-CN" altLang="en-US" smtClean="0"/>
-              <a:t>第五级</a:t>
-            </a:r>
-            <a:endParaRPr lang="zh-CN" altLang="en-US"/>
-          </a:p>
-        </p:txBody>
-      </p:sp>
-      <p:sp>
-        <p:nvSpPr>
-          <p:cNvPr id="4" name="内容占位符 3"/>
+              <a:t>五级</a:t>
+            </a:r>
+            <a:endParaRPr lang="en-US" dirty="0"/>
+          </a:p>
+        </p:txBody>
+      </p:sp>
+      <p:sp>
+        <p:nvSpPr>
+          <p:cNvPr id="4" name="Content Placeholder 3"/>
           <p:cNvSpPr>
             <a:spLocks noGrp="1"/>
           </p:cNvSpPr>
@@ -1186,12 +3803,14 @@
         </p:nvSpPr>
         <p:spPr>
           <a:xfrm>
-            <a:off x="6172200" y="1825625"/>
-            <a:ext cx="5181600" cy="4351338"/>
+            <a:off x="5821895" y="2142067"/>
+            <a:ext cx="4995332" cy="3649133"/>
           </a:xfrm>
         </p:spPr>
         <p:txBody>
-          <a:bodyPr/>
+          <a:bodyPr>
+            <a:normAutofit/>
+          </a:bodyPr>
           <a:lstStyle/>
           <a:p>
             <a:pPr lvl="0"/>
@@ -1204,36 +3823,36 @@
             <a:pPr lvl="1"/>
             <a:r>
               <a:rPr lang="zh-CN" altLang="en-US" smtClean="0"/>
-              <a:t>第二级</a:t>
+              <a:t>二级</a:t>
             </a:r>
           </a:p>
           <a:p>
             <a:pPr lvl="2"/>
             <a:r>
               <a:rPr lang="zh-CN" altLang="en-US" smtClean="0"/>
-              <a:t>第三级</a:t>
+              <a:t>三级</a:t>
             </a:r>
           </a:p>
           <a:p>
             <a:pPr lvl="3"/>
             <a:r>
               <a:rPr lang="zh-CN" altLang="en-US" smtClean="0"/>
-              <a:t>第四级</a:t>
+              <a:t>四级</a:t>
             </a:r>
           </a:p>
           <a:p>
             <a:pPr lvl="4"/>
             <a:r>
               <a:rPr lang="zh-CN" altLang="en-US" smtClean="0"/>
-              <a:t>第五级</a:t>
-            </a:r>
-            <a:endParaRPr lang="zh-CN" altLang="en-US"/>
-          </a:p>
-        </p:txBody>
-      </p:sp>
-      <p:sp>
-        <p:nvSpPr>
-          <p:cNvPr id="5" name="日期占位符 4"/>
+              <a:t>五级</a:t>
+            </a:r>
+            <a:endParaRPr lang="en-US" dirty="0"/>
+          </a:p>
+        </p:txBody>
+      </p:sp>
+      <p:sp>
+        <p:nvSpPr>
+          <p:cNvPr id="5" name="Date Placeholder 4"/>
           <p:cNvSpPr>
             <a:spLocks noGrp="1"/>
           </p:cNvSpPr>
@@ -1256,7 +3875,7 @@
       </p:sp>
       <p:sp>
         <p:nvSpPr>
-          <p:cNvPr id="6" name="页脚占位符 5"/>
+          <p:cNvPr id="6" name="Footer Placeholder 5"/>
           <p:cNvSpPr>
             <a:spLocks noGrp="1"/>
           </p:cNvSpPr>
@@ -1275,7 +3894,7 @@
       </p:sp>
       <p:sp>
         <p:nvSpPr>
-          <p:cNvPr id="7" name="灯片编号占位符 6"/>
+          <p:cNvPr id="7" name="Slide Number Placeholder 6"/>
           <p:cNvSpPr>
             <a:spLocks noGrp="1"/>
           </p:cNvSpPr>
@@ -1299,13 +3918,18 @@
     </p:spTree>
     <p:extLst>
       <p:ext uri="{BB962C8B-B14F-4D97-AF65-F5344CB8AC3E}">
-        <p14:creationId xmlns:p14="http://schemas.microsoft.com/office/powerpoint/2010/main" val="590614207"/>
+        <p14:creationId xmlns:p14="http://schemas.microsoft.com/office/powerpoint/2010/main" val="1427531197"/>
       </p:ext>
     </p:extLst>
   </p:cSld>
   <p:clrMapOvr>
     <a:masterClrMapping/>
   </p:clrMapOvr>
+  <p:extLst>
+    <p:ext uri="{DCECCB84-F9BA-43D5-87BE-67443E8EF086}">
+      <p15:sldGuideLst xmlns:p15="http://schemas.microsoft.com/office/powerpoint/2012/main"/>
+    </p:ext>
+  </p:extLst>
 </p:sldLayout>
 </file>
 
@@ -1328,7 +3952,7 @@
       </p:grpSpPr>
       <p:sp>
         <p:nvSpPr>
-          <p:cNvPr id="2" name="标题 1"/>
+          <p:cNvPr id="2" name="Title 1"/>
           <p:cNvSpPr>
             <a:spLocks noGrp="1"/>
           </p:cNvSpPr>
@@ -1336,27 +3960,26 @@
             <p:ph type="title"/>
           </p:nvPr>
         </p:nvSpPr>
-        <p:spPr>
-          <a:xfrm>
-            <a:off x="839788" y="365125"/>
-            <a:ext cx="10515600" cy="1325563"/>
-          </a:xfrm>
-        </p:spPr>
+        <p:spPr/>
         <p:txBody>
           <a:bodyPr/>
-          <a:lstStyle/>
+          <a:lstStyle>
+            <a:lvl1pPr>
+              <a:defRPr/>
+            </a:lvl1pPr>
+          </a:lstStyle>
           <a:p>
             <a:r>
               <a:rPr lang="zh-CN" altLang="en-US" smtClean="0"/>
               <a:t>单击此处编辑母版标题样式</a:t>
             </a:r>
-            <a:endParaRPr lang="zh-CN" altLang="en-US"/>
-          </a:p>
-        </p:txBody>
-      </p:sp>
-      <p:sp>
-        <p:nvSpPr>
-          <p:cNvPr id="3" name="文本占位符 2"/>
+            <a:endParaRPr lang="en-US" dirty="0"/>
+          </a:p>
+        </p:txBody>
+      </p:sp>
+      <p:sp>
+        <p:nvSpPr>
+          <p:cNvPr id="3" name="Text Placeholder 2"/>
           <p:cNvSpPr>
             <a:spLocks noGrp="1"/>
           </p:cNvSpPr>
@@ -1366,16 +3989,18 @@
         </p:nvSpPr>
         <p:spPr>
           <a:xfrm>
-            <a:off x="839788" y="1681163"/>
-            <a:ext cx="5157787" cy="823912"/>
+            <a:off x="973670" y="2218267"/>
+            <a:ext cx="4709054" cy="576262"/>
           </a:xfrm>
         </p:spPr>
         <p:txBody>
-          <a:bodyPr anchor="b"/>
+          <a:bodyPr anchor="b">
+            <a:noAutofit/>
+          </a:bodyPr>
           <a:lstStyle>
             <a:lvl1pPr marL="0" indent="0">
               <a:buNone/>
-              <a:defRPr sz="2400" b="1"/>
+              <a:defRPr sz="2800" b="0"/>
             </a:lvl1pPr>
             <a:lvl2pPr marL="457200" indent="0">
               <a:buNone/>
@@ -1421,7 +4046,7 @@
       </p:sp>
       <p:sp>
         <p:nvSpPr>
-          <p:cNvPr id="4" name="内容占位符 3"/>
+          <p:cNvPr id="4" name="Content Placeholder 3"/>
           <p:cNvSpPr>
             <a:spLocks noGrp="1"/>
           </p:cNvSpPr>
@@ -1431,12 +4056,14 @@
         </p:nvSpPr>
         <p:spPr>
           <a:xfrm>
-            <a:off x="839788" y="2505075"/>
-            <a:ext cx="5157787" cy="3684588"/>
+            <a:off x="685801" y="2870201"/>
+            <a:ext cx="4996923" cy="2920998"/>
           </a:xfrm>
         </p:spPr>
         <p:txBody>
-          <a:bodyPr/>
+          <a:bodyPr anchor="t">
+            <a:normAutofit/>
+          </a:bodyPr>
           <a:lstStyle/>
           <a:p>
             <a:pPr lvl="0"/>
@@ -1449,36 +4076,36 @@
             <a:pPr lvl="1"/>
             <a:r>
               <a:rPr lang="zh-CN" altLang="en-US" smtClean="0"/>
-              <a:t>第二级</a:t>
+              <a:t>二级</a:t>
             </a:r>
           </a:p>
           <a:p>
             <a:pPr lvl="2"/>
             <a:r>
               <a:rPr lang="zh-CN" altLang="en-US" smtClean="0"/>
-              <a:t>第三级</a:t>
+              <a:t>三级</a:t>
             </a:r>
           </a:p>
           <a:p>
             <a:pPr lvl="3"/>
             <a:r>
               <a:rPr lang="zh-CN" altLang="en-US" smtClean="0"/>
-              <a:t>第四级</a:t>
+              <a:t>四级</a:t>
             </a:r>
           </a:p>
           <a:p>
             <a:pPr lvl="4"/>
             <a:r>
               <a:rPr lang="zh-CN" altLang="en-US" smtClean="0"/>
-              <a:t>第五级</a:t>
-            </a:r>
-            <a:endParaRPr lang="zh-CN" altLang="en-US"/>
-          </a:p>
-        </p:txBody>
-      </p:sp>
-      <p:sp>
-        <p:nvSpPr>
-          <p:cNvPr id="5" name="文本占位符 4"/>
+              <a:t>五级</a:t>
+            </a:r>
+            <a:endParaRPr lang="en-US" dirty="0"/>
+          </a:p>
+        </p:txBody>
+      </p:sp>
+      <p:sp>
+        <p:nvSpPr>
+          <p:cNvPr id="5" name="Text Placeholder 4"/>
           <p:cNvSpPr>
             <a:spLocks noGrp="1"/>
           </p:cNvSpPr>
@@ -1488,16 +4115,18 @@
         </p:nvSpPr>
         <p:spPr>
           <a:xfrm>
-            <a:off x="6172200" y="1681163"/>
-            <a:ext cx="5183188" cy="823912"/>
+            <a:off x="6096003" y="2226734"/>
+            <a:ext cx="4722813" cy="576262"/>
           </a:xfrm>
         </p:spPr>
         <p:txBody>
-          <a:bodyPr anchor="b"/>
+          <a:bodyPr anchor="b">
+            <a:noAutofit/>
+          </a:bodyPr>
           <a:lstStyle>
             <a:lvl1pPr marL="0" indent="0">
               <a:buNone/>
-              <a:defRPr sz="2400" b="1"/>
+              <a:defRPr sz="2800" b="0"/>
             </a:lvl1pPr>
             <a:lvl2pPr marL="457200" indent="0">
               <a:buNone/>
@@ -1543,7 +4172,7 @@
       </p:sp>
       <p:sp>
         <p:nvSpPr>
-          <p:cNvPr id="6" name="内容占位符 5"/>
+          <p:cNvPr id="6" name="Content Placeholder 5"/>
           <p:cNvSpPr>
             <a:spLocks noGrp="1"/>
           </p:cNvSpPr>
@@ -1553,12 +4182,14 @@
         </p:nvSpPr>
         <p:spPr>
           <a:xfrm>
-            <a:off x="6172200" y="2505075"/>
-            <a:ext cx="5183188" cy="3684588"/>
+            <a:off x="5823483" y="2870201"/>
+            <a:ext cx="4995334" cy="2920998"/>
           </a:xfrm>
         </p:spPr>
         <p:txBody>
-          <a:bodyPr/>
+          <a:bodyPr anchor="t">
+            <a:normAutofit/>
+          </a:bodyPr>
           <a:lstStyle/>
           <a:p>
             <a:pPr lvl="0"/>
@@ -1571,36 +4202,36 @@
             <a:pPr lvl="1"/>
             <a:r>
               <a:rPr lang="zh-CN" altLang="en-US" smtClean="0"/>
-              <a:t>第二级</a:t>
+              <a:t>二级</a:t>
             </a:r>
           </a:p>
           <a:p>
             <a:pPr lvl="2"/>
             <a:r>
               <a:rPr lang="zh-CN" altLang="en-US" smtClean="0"/>
-              <a:t>第三级</a:t>
+              <a:t>三级</a:t>
             </a:r>
           </a:p>
           <a:p>
             <a:pPr lvl="3"/>
             <a:r>
               <a:rPr lang="zh-CN" altLang="en-US" smtClean="0"/>
-              <a:t>第四级</a:t>
+              <a:t>四级</a:t>
             </a:r>
           </a:p>
           <a:p>
             <a:pPr lvl="4"/>
             <a:r>
               <a:rPr lang="zh-CN" altLang="en-US" smtClean="0"/>
-              <a:t>第五级</a:t>
-            </a:r>
-            <a:endParaRPr lang="zh-CN" altLang="en-US"/>
-          </a:p>
-        </p:txBody>
-      </p:sp>
-      <p:sp>
-        <p:nvSpPr>
-          <p:cNvPr id="7" name="日期占位符 6"/>
+              <a:t>五级</a:t>
+            </a:r>
+            <a:endParaRPr lang="en-US" dirty="0"/>
+          </a:p>
+        </p:txBody>
+      </p:sp>
+      <p:sp>
+        <p:nvSpPr>
+          <p:cNvPr id="7" name="Date Placeholder 6"/>
           <p:cNvSpPr>
             <a:spLocks noGrp="1"/>
           </p:cNvSpPr>
@@ -1623,7 +4254,7 @@
       </p:sp>
       <p:sp>
         <p:nvSpPr>
-          <p:cNvPr id="8" name="页脚占位符 7"/>
+          <p:cNvPr id="8" name="Footer Placeholder 7"/>
           <p:cNvSpPr>
             <a:spLocks noGrp="1"/>
           </p:cNvSpPr>
@@ -1642,7 +4273,7 @@
       </p:sp>
       <p:sp>
         <p:nvSpPr>
-          <p:cNvPr id="9" name="灯片编号占位符 8"/>
+          <p:cNvPr id="9" name="Slide Number Placeholder 8"/>
           <p:cNvSpPr>
             <a:spLocks noGrp="1"/>
           </p:cNvSpPr>
@@ -1666,13 +4297,18 @@
     </p:spTree>
     <p:extLst>
       <p:ext uri="{BB962C8B-B14F-4D97-AF65-F5344CB8AC3E}">
-        <p14:creationId xmlns:p14="http://schemas.microsoft.com/office/powerpoint/2010/main" val="2072799702"/>
+        <p14:creationId xmlns:p14="http://schemas.microsoft.com/office/powerpoint/2010/main" val="829523695"/>
       </p:ext>
     </p:extLst>
   </p:cSld>
   <p:clrMapOvr>
     <a:masterClrMapping/>
   </p:clrMapOvr>
+  <p:extLst>
+    <p:ext uri="{DCECCB84-F9BA-43D5-87BE-67443E8EF086}">
+      <p15:sldGuideLst xmlns:p15="http://schemas.microsoft.com/office/powerpoint/2012/main"/>
+    </p:ext>
+  </p:extLst>
 </p:sldLayout>
 </file>
 
@@ -1693,9 +4329,39 @@
           <a:chExt cx="0" cy="0"/>
         </a:xfrm>
       </p:grpSpPr>
-      <p:sp>
-        <p:nvSpPr>
-          <p:cNvPr id="2" name="标题 1"/>
+      <p:pic>
+        <p:nvPicPr>
+          <p:cNvPr id="6" name="Picture 5" descr="Celestia-R1---OverlayContentHD.png"/>
+          <p:cNvPicPr>
+            <a:picLocks noChangeAspect="1"/>
+          </p:cNvPicPr>
+          <p:nvPr/>
+        </p:nvPicPr>
+        <p:blipFill>
+          <a:blip r:embed="rId2">
+            <a:extLst>
+              <a:ext uri="{28A0092B-C50C-407E-A947-70E740481C1C}">
+                <a14:useLocalDpi xmlns:a14="http://schemas.microsoft.com/office/drawing/2010/main" val="0"/>
+              </a:ext>
+            </a:extLst>
+          </a:blip>
+          <a:stretch>
+            <a:fillRect/>
+          </a:stretch>
+        </p:blipFill>
+        <p:spPr>
+          <a:xfrm>
+            <a:off x="0" y="0"/>
+            <a:ext cx="12188825" cy="6856214"/>
+          </a:xfrm>
+          <a:prstGeom prst="rect">
+            <a:avLst/>
+          </a:prstGeom>
+        </p:spPr>
+      </p:pic>
+      <p:sp>
+        <p:nvSpPr>
+          <p:cNvPr id="2" name="Title 1"/>
           <p:cNvSpPr>
             <a:spLocks noGrp="1"/>
           </p:cNvSpPr>
@@ -1712,13 +4378,13 @@
               <a:rPr lang="zh-CN" altLang="en-US" smtClean="0"/>
               <a:t>单击此处编辑母版标题样式</a:t>
             </a:r>
-            <a:endParaRPr lang="zh-CN" altLang="en-US"/>
-          </a:p>
-        </p:txBody>
-      </p:sp>
-      <p:sp>
-        <p:nvSpPr>
-          <p:cNvPr id="3" name="日期占位符 2"/>
+            <a:endParaRPr lang="en-US" dirty="0"/>
+          </a:p>
+        </p:txBody>
+      </p:sp>
+      <p:sp>
+        <p:nvSpPr>
+          <p:cNvPr id="3" name="Date Placeholder 2"/>
           <p:cNvSpPr>
             <a:spLocks noGrp="1"/>
           </p:cNvSpPr>
@@ -1741,7 +4407,7 @@
       </p:sp>
       <p:sp>
         <p:nvSpPr>
-          <p:cNvPr id="4" name="页脚占位符 3"/>
+          <p:cNvPr id="4" name="Footer Placeholder 3"/>
           <p:cNvSpPr>
             <a:spLocks noGrp="1"/>
           </p:cNvSpPr>
@@ -1760,7 +4426,7 @@
       </p:sp>
       <p:sp>
         <p:nvSpPr>
-          <p:cNvPr id="5" name="灯片编号占位符 4"/>
+          <p:cNvPr id="5" name="Slide Number Placeholder 4"/>
           <p:cNvSpPr>
             <a:spLocks noGrp="1"/>
           </p:cNvSpPr>
@@ -1784,7 +4450,7 @@
     </p:spTree>
     <p:extLst>
       <p:ext uri="{BB962C8B-B14F-4D97-AF65-F5344CB8AC3E}">
-        <p14:creationId xmlns:p14="http://schemas.microsoft.com/office/powerpoint/2010/main" val="2616564673"/>
+        <p14:creationId xmlns:p14="http://schemas.microsoft.com/office/powerpoint/2010/main" val="340905541"/>
       </p:ext>
     </p:extLst>
   </p:cSld>
@@ -1811,9 +4477,39 @@
           <a:chExt cx="0" cy="0"/>
         </a:xfrm>
       </p:grpSpPr>
-      <p:sp>
-        <p:nvSpPr>
-          <p:cNvPr id="2" name="日期占位符 1"/>
+      <p:pic>
+        <p:nvPicPr>
+          <p:cNvPr id="5" name="Picture 4" descr="Celestia-R1---OverlayContentHD.png"/>
+          <p:cNvPicPr>
+            <a:picLocks noChangeAspect="1"/>
+          </p:cNvPicPr>
+          <p:nvPr/>
+        </p:nvPicPr>
+        <p:blipFill>
+          <a:blip r:embed="rId2">
+            <a:extLst>
+              <a:ext uri="{28A0092B-C50C-407E-A947-70E740481C1C}">
+                <a14:useLocalDpi xmlns:a14="http://schemas.microsoft.com/office/drawing/2010/main" val="0"/>
+              </a:ext>
+            </a:extLst>
+          </a:blip>
+          <a:stretch>
+            <a:fillRect/>
+          </a:stretch>
+        </p:blipFill>
+        <p:spPr>
+          <a:xfrm>
+            <a:off x="0" y="0"/>
+            <a:ext cx="12188825" cy="6856214"/>
+          </a:xfrm>
+          <a:prstGeom prst="rect">
+            <a:avLst/>
+          </a:prstGeom>
+        </p:spPr>
+      </p:pic>
+      <p:sp>
+        <p:nvSpPr>
+          <p:cNvPr id="2" name="Date Placeholder 1"/>
           <p:cNvSpPr>
             <a:spLocks noGrp="1"/>
           </p:cNvSpPr>
@@ -1836,7 +4532,7 @@
       </p:sp>
       <p:sp>
         <p:nvSpPr>
-          <p:cNvPr id="3" name="页脚占位符 2"/>
+          <p:cNvPr id="3" name="Footer Placeholder 2"/>
           <p:cNvSpPr>
             <a:spLocks noGrp="1"/>
           </p:cNvSpPr>
@@ -1855,7 +4551,7 @@
       </p:sp>
       <p:sp>
         <p:nvSpPr>
-          <p:cNvPr id="4" name="灯片编号占位符 3"/>
+          <p:cNvPr id="4" name="Slide Number Placeholder 3"/>
           <p:cNvSpPr>
             <a:spLocks noGrp="1"/>
           </p:cNvSpPr>
@@ -1879,13 +4575,18 @@
     </p:spTree>
     <p:extLst>
       <p:ext uri="{BB962C8B-B14F-4D97-AF65-F5344CB8AC3E}">
-        <p14:creationId xmlns:p14="http://schemas.microsoft.com/office/powerpoint/2010/main" val="131590457"/>
+        <p14:creationId xmlns:p14="http://schemas.microsoft.com/office/powerpoint/2010/main" val="113057391"/>
       </p:ext>
     </p:extLst>
   </p:cSld>
   <p:clrMapOvr>
     <a:masterClrMapping/>
   </p:clrMapOvr>
+  <p:extLst>
+    <p:ext uri="{DCECCB84-F9BA-43D5-87BE-67443E8EF086}">
+      <p15:sldGuideLst xmlns:p15="http://schemas.microsoft.com/office/powerpoint/2012/main"/>
+    </p:ext>
+  </p:extLst>
 </p:sldLayout>
 </file>
 
@@ -1906,9 +4607,39 @@
           <a:chExt cx="0" cy="0"/>
         </a:xfrm>
       </p:grpSpPr>
-      <p:sp>
-        <p:nvSpPr>
-          <p:cNvPr id="2" name="标题 1"/>
+      <p:pic>
+        <p:nvPicPr>
+          <p:cNvPr id="8" name="Picture 7" descr="Celestia-R1---OverlayContentHD.png"/>
+          <p:cNvPicPr>
+            <a:picLocks noChangeAspect="1"/>
+          </p:cNvPicPr>
+          <p:nvPr/>
+        </p:nvPicPr>
+        <p:blipFill>
+          <a:blip r:embed="rId2">
+            <a:extLst>
+              <a:ext uri="{28A0092B-C50C-407E-A947-70E740481C1C}">
+                <a14:useLocalDpi xmlns:a14="http://schemas.microsoft.com/office/drawing/2010/main" val="0"/>
+              </a:ext>
+            </a:extLst>
+          </a:blip>
+          <a:stretch>
+            <a:fillRect/>
+          </a:stretch>
+        </p:blipFill>
+        <p:spPr>
+          <a:xfrm>
+            <a:off x="0" y="0"/>
+            <a:ext cx="12188825" cy="6856214"/>
+          </a:xfrm>
+          <a:prstGeom prst="rect">
+            <a:avLst/>
+          </a:prstGeom>
+        </p:spPr>
+      </p:pic>
+      <p:sp>
+        <p:nvSpPr>
+          <p:cNvPr id="2" name="Title 1"/>
           <p:cNvSpPr>
             <a:spLocks noGrp="1"/>
           </p:cNvSpPr>
@@ -1918,15 +4649,17 @@
         </p:nvSpPr>
         <p:spPr>
           <a:xfrm>
-            <a:off x="839788" y="457200"/>
-            <a:ext cx="3932237" cy="1600200"/>
+            <a:off x="685800" y="2074333"/>
+            <a:ext cx="3680885" cy="1371600"/>
           </a:xfrm>
         </p:spPr>
         <p:txBody>
-          <a:bodyPr anchor="b"/>
+          <a:bodyPr anchor="b">
+            <a:normAutofit/>
+          </a:bodyPr>
           <a:lstStyle>
-            <a:lvl1pPr>
-              <a:defRPr sz="3200"/>
+            <a:lvl1pPr algn="l">
+              <a:defRPr sz="2400" b="0"/>
             </a:lvl1pPr>
           </a:lstStyle>
           <a:p>
@@ -1934,13 +4667,13 @@
               <a:rPr lang="zh-CN" altLang="en-US" smtClean="0"/>
               <a:t>单击此处编辑母版标题样式</a:t>
             </a:r>
-            <a:endParaRPr lang="zh-CN" altLang="en-US"/>
-          </a:p>
-        </p:txBody>
-      </p:sp>
-      <p:sp>
-        <p:nvSpPr>
-          <p:cNvPr id="3" name="内容占位符 2"/>
+            <a:endParaRPr lang="en-US" dirty="0"/>
+          </a:p>
+        </p:txBody>
+      </p:sp>
+      <p:sp>
+        <p:nvSpPr>
+          <p:cNvPr id="3" name="Content Placeholder 2"/>
           <p:cNvSpPr>
             <a:spLocks noGrp="1"/>
           </p:cNvSpPr>
@@ -1950,41 +4683,15 @@
         </p:nvSpPr>
         <p:spPr>
           <a:xfrm>
-            <a:off x="5183188" y="987425"/>
-            <a:ext cx="6172200" cy="4873625"/>
+            <a:off x="4648201" y="609601"/>
+            <a:ext cx="6169026" cy="5181600"/>
           </a:xfrm>
         </p:spPr>
         <p:txBody>
-          <a:bodyPr/>
-          <a:lstStyle>
-            <a:lvl1pPr>
-              <a:defRPr sz="3200"/>
-            </a:lvl1pPr>
-            <a:lvl2pPr>
-              <a:defRPr sz="2800"/>
-            </a:lvl2pPr>
-            <a:lvl3pPr>
-              <a:defRPr sz="2400"/>
-            </a:lvl3pPr>
-            <a:lvl4pPr>
-              <a:defRPr sz="2000"/>
-            </a:lvl4pPr>
-            <a:lvl5pPr>
-              <a:defRPr sz="2000"/>
-            </a:lvl5pPr>
-            <a:lvl6pPr>
-              <a:defRPr sz="2000"/>
-            </a:lvl6pPr>
-            <a:lvl7pPr>
-              <a:defRPr sz="2000"/>
-            </a:lvl7pPr>
-            <a:lvl8pPr>
-              <a:defRPr sz="2000"/>
-            </a:lvl8pPr>
-            <a:lvl9pPr>
-              <a:defRPr sz="2000"/>
-            </a:lvl9pPr>
-          </a:lstStyle>
+          <a:bodyPr anchor="ctr">
+            <a:normAutofit/>
+          </a:bodyPr>
+          <a:lstStyle/>
           <a:p>
             <a:pPr lvl="0"/>
             <a:r>
@@ -1996,36 +4703,36 @@
             <a:pPr lvl="1"/>
             <a:r>
               <a:rPr lang="zh-CN" altLang="en-US" smtClean="0"/>
-              <a:t>第二级</a:t>
+              <a:t>二级</a:t>
             </a:r>
           </a:p>
           <a:p>
             <a:pPr lvl="2"/>
             <a:r>
               <a:rPr lang="zh-CN" altLang="en-US" smtClean="0"/>
-              <a:t>第三级</a:t>
+              <a:t>三级</a:t>
             </a:r>
           </a:p>
           <a:p>
             <a:pPr lvl="3"/>
             <a:r>
               <a:rPr lang="zh-CN" altLang="en-US" smtClean="0"/>
-              <a:t>第四级</a:t>
+              <a:t>四级</a:t>
             </a:r>
           </a:p>
           <a:p>
             <a:pPr lvl="4"/>
             <a:r>
               <a:rPr lang="zh-CN" altLang="en-US" smtClean="0"/>
-              <a:t>第五级</a:t>
-            </a:r>
-            <a:endParaRPr lang="zh-CN" altLang="en-US"/>
-          </a:p>
-        </p:txBody>
-      </p:sp>
-      <p:sp>
-        <p:nvSpPr>
-          <p:cNvPr id="4" name="文本占位符 3"/>
+              <a:t>五级</a:t>
+            </a:r>
+            <a:endParaRPr lang="en-US" dirty="0"/>
+          </a:p>
+        </p:txBody>
+      </p:sp>
+      <p:sp>
+        <p:nvSpPr>
+          <p:cNvPr id="4" name="Text Placeholder 3"/>
           <p:cNvSpPr>
             <a:spLocks noGrp="1"/>
           </p:cNvSpPr>
@@ -2035,12 +4742,14 @@
         </p:nvSpPr>
         <p:spPr>
           <a:xfrm>
-            <a:off x="839788" y="2057400"/>
-            <a:ext cx="3932237" cy="3811588"/>
+            <a:off x="685800" y="3445933"/>
+            <a:ext cx="3680885" cy="1828800"/>
           </a:xfrm>
         </p:spPr>
         <p:txBody>
-          <a:bodyPr/>
+          <a:bodyPr anchor="t">
+            <a:normAutofit/>
+          </a:bodyPr>
           <a:lstStyle>
             <a:lvl1pPr marL="0" indent="0">
               <a:buNone/>
@@ -2048,35 +4757,35 @@
             </a:lvl1pPr>
             <a:lvl2pPr marL="457200" indent="0">
               <a:buNone/>
-              <a:defRPr sz="1400"/>
+              <a:defRPr sz="1200"/>
             </a:lvl2pPr>
             <a:lvl3pPr marL="914400" indent="0">
               <a:buNone/>
-              <a:defRPr sz="1200"/>
+              <a:defRPr sz="1000"/>
             </a:lvl3pPr>
             <a:lvl4pPr marL="1371600" indent="0">
               <a:buNone/>
-              <a:defRPr sz="1000"/>
+              <a:defRPr sz="900"/>
             </a:lvl4pPr>
             <a:lvl5pPr marL="1828800" indent="0">
               <a:buNone/>
-              <a:defRPr sz="1000"/>
+              <a:defRPr sz="900"/>
             </a:lvl5pPr>
             <a:lvl6pPr marL="2286000" indent="0">
               <a:buNone/>
-              <a:defRPr sz="1000"/>
+              <a:defRPr sz="900"/>
             </a:lvl6pPr>
             <a:lvl7pPr marL="2743200" indent="0">
               <a:buNone/>
-              <a:defRPr sz="1000"/>
+              <a:defRPr sz="900"/>
             </a:lvl7pPr>
             <a:lvl8pPr marL="3200400" indent="0">
               <a:buNone/>
-              <a:defRPr sz="1000"/>
+              <a:defRPr sz="900"/>
             </a:lvl8pPr>
             <a:lvl9pPr marL="3657600" indent="0">
               <a:buNone/>
-              <a:defRPr sz="1000"/>
+              <a:defRPr sz="900"/>
             </a:lvl9pPr>
           </a:lstStyle>
           <a:p>
@@ -2090,7 +4799,7 @@
       </p:sp>
       <p:sp>
         <p:nvSpPr>
-          <p:cNvPr id="5" name="日期占位符 4"/>
+          <p:cNvPr id="5" name="Date Placeholder 4"/>
           <p:cNvSpPr>
             <a:spLocks noGrp="1"/>
           </p:cNvSpPr>
@@ -2113,7 +4822,7 @@
       </p:sp>
       <p:sp>
         <p:nvSpPr>
-          <p:cNvPr id="6" name="页脚占位符 5"/>
+          <p:cNvPr id="6" name="Footer Placeholder 5"/>
           <p:cNvSpPr>
             <a:spLocks noGrp="1"/>
           </p:cNvSpPr>
@@ -2132,7 +4841,7 @@
       </p:sp>
       <p:sp>
         <p:nvSpPr>
-          <p:cNvPr id="7" name="灯片编号占位符 6"/>
+          <p:cNvPr id="7" name="Slide Number Placeholder 6"/>
           <p:cNvSpPr>
             <a:spLocks noGrp="1"/>
           </p:cNvSpPr>
@@ -2156,13 +4865,18 @@
     </p:spTree>
     <p:extLst>
       <p:ext uri="{BB962C8B-B14F-4D97-AF65-F5344CB8AC3E}">
-        <p14:creationId xmlns:p14="http://schemas.microsoft.com/office/powerpoint/2010/main" val="2649867532"/>
+        <p14:creationId xmlns:p14="http://schemas.microsoft.com/office/powerpoint/2010/main" val="1780026589"/>
       </p:ext>
     </p:extLst>
   </p:cSld>
   <p:clrMapOvr>
     <a:masterClrMapping/>
   </p:clrMapOvr>
+  <p:extLst>
+    <p:ext uri="{DCECCB84-F9BA-43D5-87BE-67443E8EF086}">
+      <p15:sldGuideLst xmlns:p15="http://schemas.microsoft.com/office/powerpoint/2012/main"/>
+    </p:ext>
+  </p:extLst>
 </p:sldLayout>
 </file>
 
@@ -2183,9 +4897,39 @@
           <a:chExt cx="0" cy="0"/>
         </a:xfrm>
       </p:grpSpPr>
-      <p:sp>
-        <p:nvSpPr>
-          <p:cNvPr id="2" name="标题 1"/>
+      <p:pic>
+        <p:nvPicPr>
+          <p:cNvPr id="8" name="Picture 7" descr="Celestia-R1---OverlayContentHD.png"/>
+          <p:cNvPicPr>
+            <a:picLocks noChangeAspect="1"/>
+          </p:cNvPicPr>
+          <p:nvPr/>
+        </p:nvPicPr>
+        <p:blipFill>
+          <a:blip r:embed="rId2">
+            <a:extLst>
+              <a:ext uri="{28A0092B-C50C-407E-A947-70E740481C1C}">
+                <a14:useLocalDpi xmlns:a14="http://schemas.microsoft.com/office/drawing/2010/main" val="0"/>
+              </a:ext>
+            </a:extLst>
+          </a:blip>
+          <a:stretch>
+            <a:fillRect/>
+          </a:stretch>
+        </p:blipFill>
+        <p:spPr>
+          <a:xfrm>
+            <a:off x="0" y="0"/>
+            <a:ext cx="12188825" cy="6856214"/>
+          </a:xfrm>
+          <a:prstGeom prst="rect">
+            <a:avLst/>
+          </a:prstGeom>
+        </p:spPr>
+      </p:pic>
+      <p:sp>
+        <p:nvSpPr>
+          <p:cNvPr id="2" name="Title 1"/>
           <p:cNvSpPr>
             <a:spLocks noGrp="1"/>
           </p:cNvSpPr>
@@ -2195,15 +4939,17 @@
         </p:nvSpPr>
         <p:spPr>
           <a:xfrm>
-            <a:off x="839788" y="457200"/>
-            <a:ext cx="3932237" cy="1600200"/>
+            <a:off x="685800" y="1600200"/>
+            <a:ext cx="6164653" cy="1371600"/>
           </a:xfrm>
         </p:spPr>
         <p:txBody>
-          <a:bodyPr anchor="b"/>
+          <a:bodyPr anchor="b">
+            <a:normAutofit/>
+          </a:bodyPr>
           <a:lstStyle>
-            <a:lvl1pPr>
-              <a:defRPr sz="3200"/>
+            <a:lvl1pPr algn="l">
+              <a:defRPr sz="2800" b="0"/>
             </a:lvl1pPr>
           </a:lstStyle>
           <a:p>
@@ -2211,15 +4957,15 @@
               <a:rPr lang="zh-CN" altLang="en-US" smtClean="0"/>
               <a:t>单击此处编辑母版标题样式</a:t>
             </a:r>
-            <a:endParaRPr lang="zh-CN" altLang="en-US"/>
-          </a:p>
-        </p:txBody>
-      </p:sp>
-      <p:sp>
-        <p:nvSpPr>
-          <p:cNvPr id="3" name="图片占位符 2"/>
+            <a:endParaRPr lang="en-US" dirty="0"/>
+          </a:p>
+        </p:txBody>
+      </p:sp>
+      <p:sp>
+        <p:nvSpPr>
+          <p:cNvPr id="14" name="Picture Placeholder 2"/>
           <p:cNvSpPr>
-            <a:spLocks noGrp="1"/>
+            <a:spLocks noGrp="1" noChangeAspect="1"/>
           </p:cNvSpPr>
           <p:nvPr>
             <p:ph type="pic" idx="1"/>
@@ -2227,58 +4973,95 @@
         </p:nvSpPr>
         <p:spPr>
           <a:xfrm>
-            <a:off x="5183188" y="987425"/>
-            <a:ext cx="6172200" cy="4873625"/>
+            <a:off x="7536253" y="914400"/>
+            <a:ext cx="3280974" cy="4572000"/>
           </a:xfrm>
+          <a:prstGeom prst="roundRect">
+            <a:avLst>
+              <a:gd name="adj" fmla="val 4280"/>
+            </a:avLst>
+          </a:prstGeom>
+          <a:ln w="50800" cap="sq" cmpd="dbl">
+            <a:gradFill flip="none" rotWithShape="1">
+              <a:gsLst>
+                <a:gs pos="0">
+                  <a:srgbClr val="FFFFFF"/>
+                </a:gs>
+                <a:gs pos="100000">
+                  <a:schemeClr val="tx1">
+                    <a:alpha val="0"/>
+                  </a:schemeClr>
+                </a:gs>
+              </a:gsLst>
+              <a:path path="circle">
+                <a:fillToRect l="50000" t="50000" r="50000" b="50000"/>
+              </a:path>
+              <a:tileRect/>
+            </a:gradFill>
+            <a:miter lim="800000"/>
+          </a:ln>
+          <a:effectLst>
+            <a:outerShdw blurRad="254000" algn="tl" rotWithShape="0">
+              <a:srgbClr val="000000">
+                <a:alpha val="43000"/>
+              </a:srgbClr>
+            </a:outerShdw>
+          </a:effectLst>
         </p:spPr>
         <p:txBody>
-          <a:bodyPr/>
+          <a:bodyPr anchor="t">
+            <a:normAutofit/>
+          </a:bodyPr>
           <a:lstStyle>
-            <a:lvl1pPr marL="0" indent="0">
-              <a:buNone/>
-              <a:defRPr sz="3200"/>
+            <a:lvl1pPr marL="0" indent="0" algn="ctr">
+              <a:buNone/>
+              <a:defRPr sz="1600"/>
             </a:lvl1pPr>
             <a:lvl2pPr marL="457200" indent="0">
               <a:buNone/>
-              <a:defRPr sz="2800"/>
+              <a:defRPr sz="1600"/>
             </a:lvl2pPr>
             <a:lvl3pPr marL="914400" indent="0">
               <a:buNone/>
-              <a:defRPr sz="2400"/>
+              <a:defRPr sz="1600"/>
             </a:lvl3pPr>
             <a:lvl4pPr marL="1371600" indent="0">
               <a:buNone/>
-              <a:defRPr sz="2000"/>
+              <a:defRPr sz="1600"/>
             </a:lvl4pPr>
             <a:lvl5pPr marL="1828800" indent="0">
               <a:buNone/>
-              <a:defRPr sz="2000"/>
+              <a:defRPr sz="1600"/>
             </a:lvl5pPr>
             <a:lvl6pPr marL="2286000" indent="0">
               <a:buNone/>
-              <a:defRPr sz="2000"/>
+              <a:defRPr sz="1600"/>
             </a:lvl6pPr>
             <a:lvl7pPr marL="2743200" indent="0">
               <a:buNone/>
-              <a:defRPr sz="2000"/>
+              <a:defRPr sz="1600"/>
             </a:lvl7pPr>
             <a:lvl8pPr marL="3200400" indent="0">
               <a:buNone/>
-              <a:defRPr sz="2000"/>
+              <a:defRPr sz="1600"/>
             </a:lvl8pPr>
             <a:lvl9pPr marL="3657600" indent="0">
               <a:buNone/>
-              <a:defRPr sz="2000"/>
+              <a:defRPr sz="1600"/>
             </a:lvl9pPr>
           </a:lstStyle>
           <a:p>
-            <a:endParaRPr lang="zh-CN" altLang="en-US"/>
-          </a:p>
-        </p:txBody>
-      </p:sp>
-      <p:sp>
-        <p:nvSpPr>
-          <p:cNvPr id="4" name="文本占位符 3"/>
+            <a:r>
+              <a:rPr lang="zh-CN" altLang="en-US" smtClean="0"/>
+              <a:t>将图片拖动到占位符，或单击添加图标</a:t>
+            </a:r>
+            <a:endParaRPr lang="en-US" dirty="0"/>
+          </a:p>
+        </p:txBody>
+      </p:sp>
+      <p:sp>
+        <p:nvSpPr>
+          <p:cNvPr id="4" name="Text Placeholder 3"/>
           <p:cNvSpPr>
             <a:spLocks noGrp="1"/>
           </p:cNvSpPr>
@@ -2288,48 +5071,50 @@
         </p:nvSpPr>
         <p:spPr>
           <a:xfrm>
-            <a:off x="839788" y="2057400"/>
-            <a:ext cx="3932237" cy="3811588"/>
+            <a:off x="685800" y="2971800"/>
+            <a:ext cx="6164653" cy="1828800"/>
           </a:xfrm>
         </p:spPr>
         <p:txBody>
-          <a:bodyPr/>
+          <a:bodyPr anchor="t">
+            <a:normAutofit/>
+          </a:bodyPr>
           <a:lstStyle>
             <a:lvl1pPr marL="0" indent="0">
               <a:buNone/>
-              <a:defRPr sz="1600"/>
+              <a:defRPr sz="1800"/>
             </a:lvl1pPr>
             <a:lvl2pPr marL="457200" indent="0">
               <a:buNone/>
-              <a:defRPr sz="1400"/>
+              <a:defRPr sz="1200"/>
             </a:lvl2pPr>
             <a:lvl3pPr marL="914400" indent="0">
               <a:buNone/>
-              <a:defRPr sz="1200"/>
+              <a:defRPr sz="1000"/>
             </a:lvl3pPr>
             <a:lvl4pPr marL="1371600" indent="0">
               <a:buNone/>
-              <a:defRPr sz="1000"/>
+              <a:defRPr sz="900"/>
             </a:lvl4pPr>
             <a:lvl5pPr marL="1828800" indent="0">
               <a:buNone/>
-              <a:defRPr sz="1000"/>
+              <a:defRPr sz="900"/>
             </a:lvl5pPr>
             <a:lvl6pPr marL="2286000" indent="0">
               <a:buNone/>
-              <a:defRPr sz="1000"/>
+              <a:defRPr sz="900"/>
             </a:lvl6pPr>
             <a:lvl7pPr marL="2743200" indent="0">
               <a:buNone/>
-              <a:defRPr sz="1000"/>
+              <a:defRPr sz="900"/>
             </a:lvl7pPr>
             <a:lvl8pPr marL="3200400" indent="0">
               <a:buNone/>
-              <a:defRPr sz="1000"/>
+              <a:defRPr sz="900"/>
             </a:lvl8pPr>
             <a:lvl9pPr marL="3657600" indent="0">
               <a:buNone/>
-              <a:defRPr sz="1000"/>
+              <a:defRPr sz="900"/>
             </a:lvl9pPr>
           </a:lstStyle>
           <a:p>
@@ -2343,7 +5128,7 @@
       </p:sp>
       <p:sp>
         <p:nvSpPr>
-          <p:cNvPr id="5" name="日期占位符 4"/>
+          <p:cNvPr id="5" name="Date Placeholder 4"/>
           <p:cNvSpPr>
             <a:spLocks noGrp="1"/>
           </p:cNvSpPr>
@@ -2366,7 +5151,7 @@
       </p:sp>
       <p:sp>
         <p:nvSpPr>
-          <p:cNvPr id="6" name="页脚占位符 5"/>
+          <p:cNvPr id="6" name="Footer Placeholder 5"/>
           <p:cNvSpPr>
             <a:spLocks noGrp="1"/>
           </p:cNvSpPr>
@@ -2379,13 +5164,13 @@
           <a:bodyPr/>
           <a:lstStyle/>
           <a:p>
-            <a:endParaRPr lang="zh-CN" altLang="en-US"/>
-          </a:p>
-        </p:txBody>
-      </p:sp>
-      <p:sp>
-        <p:nvSpPr>
-          <p:cNvPr id="7" name="灯片编号占位符 6"/>
+            <a:endParaRPr lang="en-US" dirty="0"/>
+          </a:p>
+        </p:txBody>
+      </p:sp>
+      <p:sp>
+        <p:nvSpPr>
+          <p:cNvPr id="7" name="Slide Number Placeholder 6"/>
           <p:cNvSpPr>
             <a:spLocks noGrp="1"/>
           </p:cNvSpPr>
@@ -2409,7 +5194,7 @@
     </p:spTree>
     <p:extLst>
       <p:ext uri="{BB962C8B-B14F-4D97-AF65-F5344CB8AC3E}">
-        <p14:creationId xmlns:p14="http://schemas.microsoft.com/office/powerpoint/2010/main" val="1923570519"/>
+        <p14:creationId xmlns:p14="http://schemas.microsoft.com/office/powerpoint/2010/main" val="312194966"/>
       </p:ext>
     </p:extLst>
   </p:cSld>
@@ -2423,8 +5208,8 @@
 <p:sldMaster xmlns:a="http://schemas.openxmlformats.org/drawingml/2006/main" xmlns:r="http://schemas.openxmlformats.org/officeDocument/2006/relationships" xmlns:p="http://schemas.openxmlformats.org/presentationml/2006/main">
   <p:cSld>
     <p:bg>
-      <p:bgRef idx="1001">
-        <a:schemeClr val="bg1"/>
+      <p:bgRef idx="1003">
+        <a:schemeClr val="bg2"/>
       </p:bgRef>
     </p:bg>
     <p:spTree>
@@ -2443,7 +5228,7 @@
       </p:grpSpPr>
       <p:sp>
         <p:nvSpPr>
-          <p:cNvPr id="2" name="标题占位符 1"/>
+          <p:cNvPr id="2" name="Title Placeholder 1"/>
           <p:cNvSpPr>
             <a:spLocks noGrp="1"/>
           </p:cNvSpPr>
@@ -2453,8 +5238,42 @@
         </p:nvSpPr>
         <p:spPr>
           <a:xfrm>
-            <a:off x="838200" y="365125"/>
-            <a:ext cx="10515600" cy="1325563"/>
+            <a:off x="685801" y="609600"/>
+            <a:ext cx="10131425" cy="1456267"/>
+          </a:xfrm>
+          <a:prstGeom prst="rect">
+            <a:avLst/>
+          </a:prstGeom>
+          <a:effectLst/>
+        </p:spPr>
+        <p:txBody>
+          <a:bodyPr vert="horz" lIns="91440" tIns="45720" rIns="91440" bIns="45720" rtlCol="0" anchor="ctr">
+            <a:normAutofit/>
+          </a:bodyPr>
+          <a:lstStyle/>
+          <a:p>
+            <a:r>
+              <a:rPr lang="zh-CN" altLang="en-US" smtClean="0"/>
+              <a:t>单击此处编辑母版标题样式</a:t>
+            </a:r>
+            <a:endParaRPr lang="en-US" dirty="0"/>
+          </a:p>
+        </p:txBody>
+      </p:sp>
+      <p:sp>
+        <p:nvSpPr>
+          <p:cNvPr id="3" name="Text Placeholder 2"/>
+          <p:cNvSpPr>
+            <a:spLocks noGrp="1"/>
+          </p:cNvSpPr>
+          <p:nvPr>
+            <p:ph type="body" idx="1"/>
+          </p:nvPr>
+        </p:nvSpPr>
+        <p:spPr>
+          <a:xfrm>
+            <a:off x="685801" y="2142067"/>
+            <a:ext cx="10131425" cy="3649133"/>
           </a:xfrm>
           <a:prstGeom prst="rect">
             <a:avLst/>
@@ -2466,90 +5285,98 @@
           </a:bodyPr>
           <a:lstStyle/>
           <a:p>
+            <a:pPr lvl="0"/>
             <a:r>
               <a:rPr lang="zh-CN" altLang="en-US" smtClean="0"/>
-              <a:t>单击此处编辑母版标题样式</a:t>
-            </a:r>
-            <a:endParaRPr lang="zh-CN" altLang="en-US"/>
-          </a:p>
-        </p:txBody>
-      </p:sp>
-      <p:sp>
-        <p:nvSpPr>
-          <p:cNvPr id="3" name="文本占位符 2"/>
+              <a:t>单击此处编辑母版文本样式</a:t>
+            </a:r>
+          </a:p>
+          <a:p>
+            <a:pPr lvl="1"/>
+            <a:r>
+              <a:rPr lang="zh-CN" altLang="en-US" smtClean="0"/>
+              <a:t>二级</a:t>
+            </a:r>
+          </a:p>
+          <a:p>
+            <a:pPr lvl="2"/>
+            <a:r>
+              <a:rPr lang="zh-CN" altLang="en-US" smtClean="0"/>
+              <a:t>三级</a:t>
+            </a:r>
+          </a:p>
+          <a:p>
+            <a:pPr lvl="3"/>
+            <a:r>
+              <a:rPr lang="zh-CN" altLang="en-US" smtClean="0"/>
+              <a:t>四级</a:t>
+            </a:r>
+          </a:p>
+          <a:p>
+            <a:pPr lvl="4"/>
+            <a:r>
+              <a:rPr lang="zh-CN" altLang="en-US" smtClean="0"/>
+              <a:t>五级</a:t>
+            </a:r>
+            <a:endParaRPr lang="en-US" dirty="0"/>
+          </a:p>
+        </p:txBody>
+      </p:sp>
+      <p:sp>
+        <p:nvSpPr>
+          <p:cNvPr id="4" name="Date Placeholder 3"/>
           <p:cNvSpPr>
             <a:spLocks noGrp="1"/>
           </p:cNvSpPr>
           <p:nvPr>
-            <p:ph type="body" idx="1"/>
+            <p:ph type="dt" sz="half" idx="2"/>
           </p:nvPr>
         </p:nvSpPr>
         <p:spPr>
           <a:xfrm>
-            <a:off x="838200" y="1825625"/>
-            <a:ext cx="10515600" cy="4351338"/>
+            <a:off x="8589660" y="5870575"/>
+            <a:ext cx="1600200" cy="377825"/>
           </a:xfrm>
           <a:prstGeom prst="rect">
             <a:avLst/>
           </a:prstGeom>
         </p:spPr>
         <p:txBody>
-          <a:bodyPr vert="horz" lIns="91440" tIns="45720" rIns="91440" bIns="45720" rtlCol="0">
-            <a:normAutofit/>
-          </a:bodyPr>
-          <a:lstStyle/>
-          <a:p>
-            <a:pPr lvl="0"/>
-            <a:r>
+          <a:bodyPr vert="horz" lIns="91440" tIns="45720" rIns="91440" bIns="45720" rtlCol="0" anchor="ctr"/>
+          <a:lstStyle>
+            <a:lvl1pPr algn="r">
+              <a:defRPr sz="1000" b="0" i="0">
+                <a:solidFill>
+                  <a:schemeClr val="tx1"/>
+                </a:solidFill>
+                <a:effectLst/>
+                <a:latin typeface="+mn-lt"/>
+              </a:defRPr>
+            </a:lvl1pPr>
+          </a:lstStyle>
+          <a:p>
+            <a:fld id="{5C08D6DC-C920-49CE-84AB-48B20296AF28}" type="datetimeFigureOut">
               <a:rPr lang="zh-CN" altLang="en-US" smtClean="0"/>
-              <a:t>单击此处编辑母版文本样式</a:t>
-            </a:r>
-          </a:p>
-          <a:p>
-            <a:pPr lvl="1"/>
-            <a:r>
-              <a:rPr lang="zh-CN" altLang="en-US" smtClean="0"/>
-              <a:t>第二级</a:t>
-            </a:r>
-          </a:p>
-          <a:p>
-            <a:pPr lvl="2"/>
-            <a:r>
-              <a:rPr lang="zh-CN" altLang="en-US" smtClean="0"/>
-              <a:t>第三级</a:t>
-            </a:r>
-          </a:p>
-          <a:p>
-            <a:pPr lvl="3"/>
-            <a:r>
-              <a:rPr lang="zh-CN" altLang="en-US" smtClean="0"/>
-              <a:t>第四级</a:t>
-            </a:r>
-          </a:p>
-          <a:p>
-            <a:pPr lvl="4"/>
-            <a:r>
-              <a:rPr lang="zh-CN" altLang="en-US" smtClean="0"/>
-              <a:t>第五级</a:t>
-            </a:r>
+              <a:t>2017/7/27</a:t>
+            </a:fld>
             <a:endParaRPr lang="zh-CN" altLang="en-US"/>
           </a:p>
         </p:txBody>
       </p:sp>
       <p:sp>
         <p:nvSpPr>
-          <p:cNvPr id="4" name="日期占位符 3"/>
+          <p:cNvPr id="5" name="Footer Placeholder 4"/>
           <p:cNvSpPr>
             <a:spLocks noGrp="1"/>
           </p:cNvSpPr>
           <p:nvPr>
-            <p:ph type="dt" sz="half" idx="2"/>
+            <p:ph type="ftr" sz="quarter" idx="3"/>
           </p:nvPr>
         </p:nvSpPr>
         <p:spPr>
           <a:xfrm>
-            <a:off x="838200" y="6356350"/>
-            <a:ext cx="2743200" cy="365125"/>
+            <a:off x="685800" y="5870575"/>
+            <a:ext cx="7827659" cy="377825"/>
           </a:xfrm>
           <a:prstGeom prst="rect">
             <a:avLst/>
@@ -2559,38 +5386,34 @@
           <a:bodyPr vert="horz" lIns="91440" tIns="45720" rIns="91440" bIns="45720" rtlCol="0" anchor="ctr"/>
           <a:lstStyle>
             <a:lvl1pPr algn="l">
-              <a:defRPr sz="1200">
-                <a:solidFill>
-                  <a:schemeClr val="tx1">
-                    <a:tint val="75000"/>
-                  </a:schemeClr>
-                </a:solidFill>
+              <a:defRPr sz="1000" b="0" i="0">
+                <a:solidFill>
+                  <a:schemeClr val="tx1"/>
+                </a:solidFill>
+                <a:effectLst/>
+                <a:latin typeface="+mn-lt"/>
               </a:defRPr>
             </a:lvl1pPr>
           </a:lstStyle>
           <a:p>
-            <a:fld id="{5C08D6DC-C920-49CE-84AB-48B20296AF28}" type="datetimeFigureOut">
-              <a:rPr lang="zh-CN" altLang="en-US" smtClean="0"/>
-              <a:t>2017/7/27</a:t>
-            </a:fld>
             <a:endParaRPr lang="zh-CN" altLang="en-US"/>
           </a:p>
         </p:txBody>
       </p:sp>
       <p:sp>
         <p:nvSpPr>
-          <p:cNvPr id="5" name="页脚占位符 4"/>
+          <p:cNvPr id="6" name="Slide Number Placeholder 5"/>
           <p:cNvSpPr>
             <a:spLocks noGrp="1"/>
           </p:cNvSpPr>
           <p:nvPr>
-            <p:ph type="ftr" sz="quarter" idx="3"/>
+            <p:ph type="sldNum" sz="quarter" idx="4"/>
           </p:nvPr>
         </p:nvSpPr>
         <p:spPr>
           <a:xfrm>
-            <a:off x="4038600" y="6356350"/>
-            <a:ext cx="4114800" cy="365125"/>
+            <a:off x="10266060" y="5870575"/>
+            <a:ext cx="551167" cy="377825"/>
           </a:xfrm>
           <a:prstGeom prst="rect">
             <a:avLst/>
@@ -2599,50 +5422,13 @@
         <p:txBody>
           <a:bodyPr vert="horz" lIns="91440" tIns="45720" rIns="91440" bIns="45720" rtlCol="0" anchor="ctr"/>
           <a:lstStyle>
-            <a:lvl1pPr algn="ctr">
-              <a:defRPr sz="1200">
-                <a:solidFill>
-                  <a:schemeClr val="tx1">
-                    <a:tint val="75000"/>
-                  </a:schemeClr>
-                </a:solidFill>
-              </a:defRPr>
-            </a:lvl1pPr>
-          </a:lstStyle>
-          <a:p>
-            <a:endParaRPr lang="zh-CN" altLang="en-US"/>
-          </a:p>
-        </p:txBody>
-      </p:sp>
-      <p:sp>
-        <p:nvSpPr>
-          <p:cNvPr id="6" name="灯片编号占位符 5"/>
-          <p:cNvSpPr>
-            <a:spLocks noGrp="1"/>
-          </p:cNvSpPr>
-          <p:nvPr>
-            <p:ph type="sldNum" sz="quarter" idx="4"/>
-          </p:nvPr>
-        </p:nvSpPr>
-        <p:spPr>
-          <a:xfrm>
-            <a:off x="8610600" y="6356350"/>
-            <a:ext cx="2743200" cy="365125"/>
-          </a:xfrm>
-          <a:prstGeom prst="rect">
-            <a:avLst/>
-          </a:prstGeom>
-        </p:spPr>
-        <p:txBody>
-          <a:bodyPr vert="horz" lIns="91440" tIns="45720" rIns="91440" bIns="45720" rtlCol="0" anchor="ctr"/>
-          <a:lstStyle>
             <a:lvl1pPr algn="r">
-              <a:defRPr sz="1200">
-                <a:solidFill>
-                  <a:schemeClr val="tx1">
-                    <a:tint val="75000"/>
-                  </a:schemeClr>
-                </a:solidFill>
+              <a:defRPr sz="1000" b="0" i="0">
+                <a:solidFill>
+                  <a:schemeClr val="tx1"/>
+                </a:solidFill>
+                <a:effectLst/>
+                <a:latin typeface="+mn-lt"/>
               </a:defRPr>
             </a:lvl1pPr>
           </a:lstStyle>
@@ -2658,55 +5444,322 @@
     </p:spTree>
     <p:extLst>
       <p:ext uri="{BB962C8B-B14F-4D97-AF65-F5344CB8AC3E}">
-        <p14:creationId xmlns:p14="http://schemas.microsoft.com/office/powerpoint/2010/main" val="1574354374"/>
+        <p14:creationId xmlns:p14="http://schemas.microsoft.com/office/powerpoint/2010/main" val="1537700440"/>
       </p:ext>
     </p:extLst>
   </p:cSld>
-  <p:clrMap bg1="lt1" tx1="dk1" bg2="lt2" tx2="dk2" accent1="accent1" accent2="accent2" accent3="accent3" accent4="accent4" accent5="accent5" accent6="accent6" hlink="hlink" folHlink="folHlink"/>
+  <p:clrMap bg1="dk1" tx1="lt1" bg2="dk2" tx2="lt2" accent1="accent1" accent2="accent2" accent3="accent3" accent4="accent4" accent5="accent5" accent6="accent6" hlink="hlink" folHlink="folHlink"/>
   <p:sldLayoutIdLst>
-    <p:sldLayoutId id="2147483649" r:id="rId1"/>
-    <p:sldLayoutId id="2147483650" r:id="rId2"/>
-    <p:sldLayoutId id="2147483651" r:id="rId3"/>
-    <p:sldLayoutId id="2147483652" r:id="rId4"/>
-    <p:sldLayoutId id="2147483653" r:id="rId5"/>
-    <p:sldLayoutId id="2147483654" r:id="rId6"/>
-    <p:sldLayoutId id="2147483655" r:id="rId7"/>
-    <p:sldLayoutId id="2147483656" r:id="rId8"/>
-    <p:sldLayoutId id="2147483657" r:id="rId9"/>
-    <p:sldLayoutId id="2147483658" r:id="rId10"/>
-    <p:sldLayoutId id="2147483659" r:id="rId11"/>
+    <p:sldLayoutId id="2147484231" r:id="rId1"/>
+    <p:sldLayoutId id="2147484232" r:id="rId2"/>
+    <p:sldLayoutId id="2147484233" r:id="rId3"/>
+    <p:sldLayoutId id="2147484234" r:id="rId4"/>
+    <p:sldLayoutId id="2147484235" r:id="rId5"/>
+    <p:sldLayoutId id="2147484236" r:id="rId6"/>
+    <p:sldLayoutId id="2147484237" r:id="rId7"/>
+    <p:sldLayoutId id="2147484238" r:id="rId8"/>
+    <p:sldLayoutId id="2147484239" r:id="rId9"/>
+    <p:sldLayoutId id="2147484240" r:id="rId10"/>
+    <p:sldLayoutId id="2147484241" r:id="rId11"/>
+    <p:sldLayoutId id="2147484242" r:id="rId12"/>
+    <p:sldLayoutId id="2147484243" r:id="rId13"/>
+    <p:sldLayoutId id="2147484244" r:id="rId14"/>
+    <p:sldLayoutId id="2147484245" r:id="rId15"/>
+    <p:sldLayoutId id="2147484246" r:id="rId16"/>
+    <p:sldLayoutId id="2147484247" r:id="rId17"/>
   </p:sldLayoutIdLst>
   <p:txStyles>
     <p:titleStyle>
-      <a:lvl1pPr algn="l" defTabSz="914400" rtl="0" eaLnBrk="1" latinLnBrk="0" hangingPunct="1">
-        <a:lnSpc>
-          <a:spcPct val="90000"/>
-        </a:lnSpc>
+      <a:lvl1pPr algn="l" defTabSz="457200" rtl="0" eaLnBrk="1" latinLnBrk="0" hangingPunct="1">
         <a:spcBef>
           <a:spcPct val="0"/>
         </a:spcBef>
         <a:buNone/>
-        <a:defRPr sz="4400" kern="1200">
+        <a:defRPr sz="3600" kern="1200" cap="all">
+          <a:ln w="3175" cmpd="sng">
+            <a:noFill/>
+          </a:ln>
           <a:solidFill>
             <a:schemeClr val="tx1"/>
           </a:solidFill>
+          <a:effectLst/>
           <a:latin typeface="+mj-lt"/>
           <a:ea typeface="+mj-ea"/>
           <a:cs typeface="+mj-cs"/>
         </a:defRPr>
       </a:lvl1pPr>
+      <a:lvl2pPr eaLnBrk="1" hangingPunct="1">
+        <a:defRPr>
+          <a:solidFill>
+            <a:schemeClr val="tx2"/>
+          </a:solidFill>
+        </a:defRPr>
+      </a:lvl2pPr>
+      <a:lvl3pPr eaLnBrk="1" hangingPunct="1">
+        <a:defRPr>
+          <a:solidFill>
+            <a:schemeClr val="tx2"/>
+          </a:solidFill>
+        </a:defRPr>
+      </a:lvl3pPr>
+      <a:lvl4pPr eaLnBrk="1" hangingPunct="1">
+        <a:defRPr>
+          <a:solidFill>
+            <a:schemeClr val="tx2"/>
+          </a:solidFill>
+        </a:defRPr>
+      </a:lvl4pPr>
+      <a:lvl5pPr eaLnBrk="1" hangingPunct="1">
+        <a:defRPr>
+          <a:solidFill>
+            <a:schemeClr val="tx2"/>
+          </a:solidFill>
+        </a:defRPr>
+      </a:lvl5pPr>
+      <a:lvl6pPr eaLnBrk="1" hangingPunct="1">
+        <a:defRPr>
+          <a:solidFill>
+            <a:schemeClr val="tx2"/>
+          </a:solidFill>
+        </a:defRPr>
+      </a:lvl6pPr>
+      <a:lvl7pPr eaLnBrk="1" hangingPunct="1">
+        <a:defRPr>
+          <a:solidFill>
+            <a:schemeClr val="tx2"/>
+          </a:solidFill>
+        </a:defRPr>
+      </a:lvl7pPr>
+      <a:lvl8pPr eaLnBrk="1" hangingPunct="1">
+        <a:defRPr>
+          <a:solidFill>
+            <a:schemeClr val="tx2"/>
+          </a:solidFill>
+        </a:defRPr>
+      </a:lvl8pPr>
+      <a:lvl9pPr eaLnBrk="1" hangingPunct="1">
+        <a:defRPr>
+          <a:solidFill>
+            <a:schemeClr val="tx2"/>
+          </a:solidFill>
+        </a:defRPr>
+      </a:lvl9pPr>
     </p:titleStyle>
     <p:bodyStyle>
-      <a:lvl1pPr marL="228600" indent="-228600" algn="l" defTabSz="914400" rtl="0" eaLnBrk="1" latinLnBrk="0" hangingPunct="1">
-        <a:lnSpc>
-          <a:spcPct val="90000"/>
-        </a:lnSpc>
+      <a:lvl1pPr marL="285750" indent="-285750" algn="l" defTabSz="457200" rtl="0" eaLnBrk="1" latinLnBrk="0" hangingPunct="1">
         <a:spcBef>
+          <a:spcPts val="0"/>
+        </a:spcBef>
+        <a:spcAft>
           <a:spcPts val="1000"/>
+        </a:spcAft>
+        <a:buClr>
+          <a:schemeClr val="tx1"/>
+        </a:buClr>
+        <a:buSzPct val="100000"/>
+        <a:buFont typeface="Arial"/>
+        <a:buChar char="•"/>
+        <a:defRPr sz="1800" kern="1200" cap="none">
+          <a:solidFill>
+            <a:schemeClr val="tx1"/>
+          </a:solidFill>
+          <a:effectLst/>
+          <a:latin typeface="+mn-lt"/>
+          <a:ea typeface="+mn-ea"/>
+          <a:cs typeface="+mn-cs"/>
+        </a:defRPr>
+      </a:lvl1pPr>
+      <a:lvl2pPr marL="742950" indent="-285750" algn="l" defTabSz="457200" rtl="0" eaLnBrk="1" latinLnBrk="0" hangingPunct="1">
+        <a:spcBef>
+          <a:spcPts val="0"/>
         </a:spcBef>
-        <a:buFont typeface="Arial" panose="020B0604020202020204" pitchFamily="34" charset="0"/>
+        <a:spcAft>
+          <a:spcPts val="1000"/>
+        </a:spcAft>
+        <a:buClr>
+          <a:schemeClr val="tx1"/>
+        </a:buClr>
+        <a:buSzPct val="100000"/>
+        <a:buFont typeface="Arial"/>
         <a:buChar char="•"/>
-        <a:defRPr sz="2800" kern="1200">
+        <a:defRPr sz="1600" kern="1200" cap="none">
+          <a:solidFill>
+            <a:schemeClr val="tx1"/>
+          </a:solidFill>
+          <a:effectLst/>
+          <a:latin typeface="+mn-lt"/>
+          <a:ea typeface="+mn-ea"/>
+          <a:cs typeface="+mn-cs"/>
+        </a:defRPr>
+      </a:lvl2pPr>
+      <a:lvl3pPr marL="1200150" indent="-285750" algn="l" defTabSz="457200" rtl="0" eaLnBrk="1" latinLnBrk="0" hangingPunct="1">
+        <a:spcBef>
+          <a:spcPts val="0"/>
+        </a:spcBef>
+        <a:spcAft>
+          <a:spcPts val="1000"/>
+        </a:spcAft>
+        <a:buClr>
+          <a:schemeClr val="tx1"/>
+        </a:buClr>
+        <a:buSzPct val="100000"/>
+        <a:buFont typeface="Arial"/>
+        <a:buChar char="•"/>
+        <a:defRPr sz="1400" kern="1200" cap="none">
+          <a:solidFill>
+            <a:schemeClr val="tx1"/>
+          </a:solidFill>
+          <a:effectLst/>
+          <a:latin typeface="+mn-lt"/>
+          <a:ea typeface="+mn-ea"/>
+          <a:cs typeface="+mn-cs"/>
+        </a:defRPr>
+      </a:lvl3pPr>
+      <a:lvl4pPr marL="1543050" indent="-171450" algn="l" defTabSz="457200" rtl="0" eaLnBrk="1" latinLnBrk="0" hangingPunct="1">
+        <a:spcBef>
+          <a:spcPts val="0"/>
+        </a:spcBef>
+        <a:spcAft>
+          <a:spcPts val="1000"/>
+        </a:spcAft>
+        <a:buClr>
+          <a:schemeClr val="tx1"/>
+        </a:buClr>
+        <a:buSzPct val="100000"/>
+        <a:buFont typeface="Arial"/>
+        <a:buChar char="•"/>
+        <a:defRPr sz="1200" kern="1200" cap="none">
+          <a:solidFill>
+            <a:schemeClr val="tx1"/>
+          </a:solidFill>
+          <a:effectLst/>
+          <a:latin typeface="+mn-lt"/>
+          <a:ea typeface="+mn-ea"/>
+          <a:cs typeface="+mn-cs"/>
+        </a:defRPr>
+      </a:lvl4pPr>
+      <a:lvl5pPr marL="2000250" indent="-171450" algn="l" defTabSz="457200" rtl="0" eaLnBrk="1" latinLnBrk="0" hangingPunct="1">
+        <a:spcBef>
+          <a:spcPts val="0"/>
+        </a:spcBef>
+        <a:spcAft>
+          <a:spcPts val="1000"/>
+        </a:spcAft>
+        <a:buClr>
+          <a:schemeClr val="tx1"/>
+        </a:buClr>
+        <a:buSzPct val="100000"/>
+        <a:buFont typeface="Arial"/>
+        <a:buChar char="•"/>
+        <a:defRPr sz="1200" kern="1200" cap="none">
+          <a:solidFill>
+            <a:schemeClr val="tx1"/>
+          </a:solidFill>
+          <a:effectLst/>
+          <a:latin typeface="+mn-lt"/>
+          <a:ea typeface="+mn-ea"/>
+          <a:cs typeface="+mn-cs"/>
+        </a:defRPr>
+      </a:lvl5pPr>
+      <a:lvl6pPr marL="2514600" indent="-228600" algn="l" defTabSz="457200" rtl="0" eaLnBrk="1" latinLnBrk="0" hangingPunct="1">
+        <a:spcBef>
+          <a:spcPts val="0"/>
+        </a:spcBef>
+        <a:spcAft>
+          <a:spcPts val="1000"/>
+        </a:spcAft>
+        <a:buClr>
+          <a:schemeClr val="tx1"/>
+        </a:buClr>
+        <a:buSzPct val="100000"/>
+        <a:buFont typeface="Arial"/>
+        <a:buChar char="•"/>
+        <a:defRPr sz="1200" kern="1200" cap="none">
+          <a:solidFill>
+            <a:schemeClr val="tx1"/>
+          </a:solidFill>
+          <a:effectLst/>
+          <a:latin typeface="+mn-lt"/>
+          <a:ea typeface="+mn-ea"/>
+          <a:cs typeface="+mn-cs"/>
+        </a:defRPr>
+      </a:lvl6pPr>
+      <a:lvl7pPr marL="2971800" indent="-228600" algn="l" defTabSz="457200" rtl="0" eaLnBrk="1" latinLnBrk="0" hangingPunct="1">
+        <a:spcBef>
+          <a:spcPts val="0"/>
+        </a:spcBef>
+        <a:spcAft>
+          <a:spcPts val="1000"/>
+        </a:spcAft>
+        <a:buClr>
+          <a:schemeClr val="tx1"/>
+        </a:buClr>
+        <a:buSzPct val="100000"/>
+        <a:buFont typeface="Arial"/>
+        <a:buChar char="•"/>
+        <a:defRPr sz="1200" kern="1200" cap="none">
+          <a:solidFill>
+            <a:schemeClr val="tx1"/>
+          </a:solidFill>
+          <a:effectLst/>
+          <a:latin typeface="+mn-lt"/>
+          <a:ea typeface="+mn-ea"/>
+          <a:cs typeface="+mn-cs"/>
+        </a:defRPr>
+      </a:lvl7pPr>
+      <a:lvl8pPr marL="3429000" indent="-228600" algn="l" defTabSz="457200" rtl="0" eaLnBrk="1" latinLnBrk="0" hangingPunct="1">
+        <a:spcBef>
+          <a:spcPts val="0"/>
+        </a:spcBef>
+        <a:spcAft>
+          <a:spcPts val="1000"/>
+        </a:spcAft>
+        <a:buClr>
+          <a:schemeClr val="tx1"/>
+        </a:buClr>
+        <a:buSzPct val="100000"/>
+        <a:buFont typeface="Arial"/>
+        <a:buChar char="•"/>
+        <a:defRPr sz="1200" kern="1200" cap="none">
+          <a:solidFill>
+            <a:schemeClr val="tx1"/>
+          </a:solidFill>
+          <a:effectLst/>
+          <a:latin typeface="+mn-lt"/>
+          <a:ea typeface="+mn-ea"/>
+          <a:cs typeface="+mn-cs"/>
+        </a:defRPr>
+      </a:lvl8pPr>
+      <a:lvl9pPr marL="3886200" indent="-228600" algn="l" defTabSz="457200" rtl="0" eaLnBrk="1" latinLnBrk="0" hangingPunct="1">
+        <a:spcBef>
+          <a:spcPts val="0"/>
+        </a:spcBef>
+        <a:spcAft>
+          <a:spcPts val="1000"/>
+        </a:spcAft>
+        <a:buClr>
+          <a:schemeClr val="tx1"/>
+        </a:buClr>
+        <a:buSzPct val="100000"/>
+        <a:buFont typeface="Arial"/>
+        <a:buChar char="•"/>
+        <a:defRPr sz="1200" kern="1200" cap="none">
+          <a:solidFill>
+            <a:schemeClr val="tx1"/>
+          </a:solidFill>
+          <a:effectLst/>
+          <a:latin typeface="+mn-lt"/>
+          <a:ea typeface="+mn-ea"/>
+          <a:cs typeface="+mn-cs"/>
+        </a:defRPr>
+      </a:lvl9pPr>
+    </p:bodyStyle>
+    <p:otherStyle>
+      <a:defPPr>
+        <a:defRPr lang="en-US"/>
+      </a:defPPr>
+      <a:lvl1pPr marL="0" algn="l" defTabSz="457200" rtl="0" eaLnBrk="1" latinLnBrk="0" hangingPunct="1">
+        <a:defRPr sz="1800" kern="1200">
           <a:solidFill>
             <a:schemeClr val="tx1"/>
           </a:solidFill>
@@ -2715,16 +5768,8 @@
           <a:cs typeface="+mn-cs"/>
         </a:defRPr>
       </a:lvl1pPr>
-      <a:lvl2pPr marL="685800" indent="-228600" algn="l" defTabSz="914400" rtl="0" eaLnBrk="1" latinLnBrk="0" hangingPunct="1">
-        <a:lnSpc>
-          <a:spcPct val="90000"/>
-        </a:lnSpc>
-        <a:spcBef>
-          <a:spcPts val="500"/>
-        </a:spcBef>
-        <a:buFont typeface="Arial" panose="020B0604020202020204" pitchFamily="34" charset="0"/>
-        <a:buChar char="•"/>
-        <a:defRPr sz="2400" kern="1200">
+      <a:lvl2pPr marL="457200" algn="l" defTabSz="457200" rtl="0" eaLnBrk="1" latinLnBrk="0" hangingPunct="1">
+        <a:defRPr sz="1800" kern="1200">
           <a:solidFill>
             <a:schemeClr val="tx1"/>
           </a:solidFill>
@@ -2733,16 +5778,8 @@
           <a:cs typeface="+mn-cs"/>
         </a:defRPr>
       </a:lvl2pPr>
-      <a:lvl3pPr marL="1143000" indent="-228600" algn="l" defTabSz="914400" rtl="0" eaLnBrk="1" latinLnBrk="0" hangingPunct="1">
-        <a:lnSpc>
-          <a:spcPct val="90000"/>
-        </a:lnSpc>
-        <a:spcBef>
-          <a:spcPts val="500"/>
-        </a:spcBef>
-        <a:buFont typeface="Arial" panose="020B0604020202020204" pitchFamily="34" charset="0"/>
-        <a:buChar char="•"/>
-        <a:defRPr sz="2000" kern="1200">
+      <a:lvl3pPr marL="914400" algn="l" defTabSz="457200" rtl="0" eaLnBrk="1" latinLnBrk="0" hangingPunct="1">
+        <a:defRPr sz="1800" kern="1200">
           <a:solidFill>
             <a:schemeClr val="tx1"/>
           </a:solidFill>
@@ -2751,15 +5788,7 @@
           <a:cs typeface="+mn-cs"/>
         </a:defRPr>
       </a:lvl3pPr>
-      <a:lvl4pPr marL="1600200" indent="-228600" algn="l" defTabSz="914400" rtl="0" eaLnBrk="1" latinLnBrk="0" hangingPunct="1">
-        <a:lnSpc>
-          <a:spcPct val="90000"/>
-        </a:lnSpc>
-        <a:spcBef>
-          <a:spcPts val="500"/>
-        </a:spcBef>
-        <a:buFont typeface="Arial" panose="020B0604020202020204" pitchFamily="34" charset="0"/>
-        <a:buChar char="•"/>
+      <a:lvl4pPr marL="1371600" algn="l" defTabSz="457200" rtl="0" eaLnBrk="1" latinLnBrk="0" hangingPunct="1">
         <a:defRPr sz="1800" kern="1200">
           <a:solidFill>
             <a:schemeClr val="tx1"/>
@@ -2769,15 +5798,7 @@
           <a:cs typeface="+mn-cs"/>
         </a:defRPr>
       </a:lvl4pPr>
-      <a:lvl5pPr marL="2057400" indent="-228600" algn="l" defTabSz="914400" rtl="0" eaLnBrk="1" latinLnBrk="0" hangingPunct="1">
-        <a:lnSpc>
-          <a:spcPct val="90000"/>
-        </a:lnSpc>
-        <a:spcBef>
-          <a:spcPts val="500"/>
-        </a:spcBef>
-        <a:buFont typeface="Arial" panose="020B0604020202020204" pitchFamily="34" charset="0"/>
-        <a:buChar char="•"/>
+      <a:lvl5pPr marL="1828800" algn="l" defTabSz="457200" rtl="0" eaLnBrk="1" latinLnBrk="0" hangingPunct="1">
         <a:defRPr sz="1800" kern="1200">
           <a:solidFill>
             <a:schemeClr val="tx1"/>
@@ -2787,15 +5808,7 @@
           <a:cs typeface="+mn-cs"/>
         </a:defRPr>
       </a:lvl5pPr>
-      <a:lvl6pPr marL="2514600" indent="-228600" algn="l" defTabSz="914400" rtl="0" eaLnBrk="1" latinLnBrk="0" hangingPunct="1">
-        <a:lnSpc>
-          <a:spcPct val="90000"/>
-        </a:lnSpc>
-        <a:spcBef>
-          <a:spcPts val="500"/>
-        </a:spcBef>
-        <a:buFont typeface="Arial" panose="020B0604020202020204" pitchFamily="34" charset="0"/>
-        <a:buChar char="•"/>
+      <a:lvl6pPr marL="2286000" algn="l" defTabSz="457200" rtl="0" eaLnBrk="1" latinLnBrk="0" hangingPunct="1">
         <a:defRPr sz="1800" kern="1200">
           <a:solidFill>
             <a:schemeClr val="tx1"/>
@@ -2805,15 +5818,7 @@
           <a:cs typeface="+mn-cs"/>
         </a:defRPr>
       </a:lvl6pPr>
-      <a:lvl7pPr marL="2971800" indent="-228600" algn="l" defTabSz="914400" rtl="0" eaLnBrk="1" latinLnBrk="0" hangingPunct="1">
-        <a:lnSpc>
-          <a:spcPct val="90000"/>
-        </a:lnSpc>
-        <a:spcBef>
-          <a:spcPts val="500"/>
-        </a:spcBef>
-        <a:buFont typeface="Arial" panose="020B0604020202020204" pitchFamily="34" charset="0"/>
-        <a:buChar char="•"/>
+      <a:lvl7pPr marL="2743200" algn="l" defTabSz="457200" rtl="0" eaLnBrk="1" latinLnBrk="0" hangingPunct="1">
         <a:defRPr sz="1800" kern="1200">
           <a:solidFill>
             <a:schemeClr val="tx1"/>
@@ -2823,15 +5828,7 @@
           <a:cs typeface="+mn-cs"/>
         </a:defRPr>
       </a:lvl7pPr>
-      <a:lvl8pPr marL="3429000" indent="-228600" algn="l" defTabSz="914400" rtl="0" eaLnBrk="1" latinLnBrk="0" hangingPunct="1">
-        <a:lnSpc>
-          <a:spcPct val="90000"/>
-        </a:lnSpc>
-        <a:spcBef>
-          <a:spcPts val="500"/>
-        </a:spcBef>
-        <a:buFont typeface="Arial" panose="020B0604020202020204" pitchFamily="34" charset="0"/>
-        <a:buChar char="•"/>
+      <a:lvl8pPr marL="3200400" algn="l" defTabSz="457200" rtl="0" eaLnBrk="1" latinLnBrk="0" hangingPunct="1">
         <a:defRPr sz="1800" kern="1200">
           <a:solidFill>
             <a:schemeClr val="tx1"/>
@@ -2841,110 +5838,7 @@
           <a:cs typeface="+mn-cs"/>
         </a:defRPr>
       </a:lvl8pPr>
-      <a:lvl9pPr marL="3886200" indent="-228600" algn="l" defTabSz="914400" rtl="0" eaLnBrk="1" latinLnBrk="0" hangingPunct="1">
-        <a:lnSpc>
-          <a:spcPct val="90000"/>
-        </a:lnSpc>
-        <a:spcBef>
-          <a:spcPts val="500"/>
-        </a:spcBef>
-        <a:buFont typeface="Arial" panose="020B0604020202020204" pitchFamily="34" charset="0"/>
-        <a:buChar char="•"/>
-        <a:defRPr sz="1800" kern="1200">
-          <a:solidFill>
-            <a:schemeClr val="tx1"/>
-          </a:solidFill>
-          <a:latin typeface="+mn-lt"/>
-          <a:ea typeface="+mn-ea"/>
-          <a:cs typeface="+mn-cs"/>
-        </a:defRPr>
-      </a:lvl9pPr>
-    </p:bodyStyle>
-    <p:otherStyle>
-      <a:defPPr>
-        <a:defRPr lang="zh-CN"/>
-      </a:defPPr>
-      <a:lvl1pPr marL="0" algn="l" defTabSz="914400" rtl="0" eaLnBrk="1" latinLnBrk="0" hangingPunct="1">
-        <a:defRPr sz="1800" kern="1200">
-          <a:solidFill>
-            <a:schemeClr val="tx1"/>
-          </a:solidFill>
-          <a:latin typeface="+mn-lt"/>
-          <a:ea typeface="+mn-ea"/>
-          <a:cs typeface="+mn-cs"/>
-        </a:defRPr>
-      </a:lvl1pPr>
-      <a:lvl2pPr marL="457200" algn="l" defTabSz="914400" rtl="0" eaLnBrk="1" latinLnBrk="0" hangingPunct="1">
-        <a:defRPr sz="1800" kern="1200">
-          <a:solidFill>
-            <a:schemeClr val="tx1"/>
-          </a:solidFill>
-          <a:latin typeface="+mn-lt"/>
-          <a:ea typeface="+mn-ea"/>
-          <a:cs typeface="+mn-cs"/>
-        </a:defRPr>
-      </a:lvl2pPr>
-      <a:lvl3pPr marL="914400" algn="l" defTabSz="914400" rtl="0" eaLnBrk="1" latinLnBrk="0" hangingPunct="1">
-        <a:defRPr sz="1800" kern="1200">
-          <a:solidFill>
-            <a:schemeClr val="tx1"/>
-          </a:solidFill>
-          <a:latin typeface="+mn-lt"/>
-          <a:ea typeface="+mn-ea"/>
-          <a:cs typeface="+mn-cs"/>
-        </a:defRPr>
-      </a:lvl3pPr>
-      <a:lvl4pPr marL="1371600" algn="l" defTabSz="914400" rtl="0" eaLnBrk="1" latinLnBrk="0" hangingPunct="1">
-        <a:defRPr sz="1800" kern="1200">
-          <a:solidFill>
-            <a:schemeClr val="tx1"/>
-          </a:solidFill>
-          <a:latin typeface="+mn-lt"/>
-          <a:ea typeface="+mn-ea"/>
-          <a:cs typeface="+mn-cs"/>
-        </a:defRPr>
-      </a:lvl4pPr>
-      <a:lvl5pPr marL="1828800" algn="l" defTabSz="914400" rtl="0" eaLnBrk="1" latinLnBrk="0" hangingPunct="1">
-        <a:defRPr sz="1800" kern="1200">
-          <a:solidFill>
-            <a:schemeClr val="tx1"/>
-          </a:solidFill>
-          <a:latin typeface="+mn-lt"/>
-          <a:ea typeface="+mn-ea"/>
-          <a:cs typeface="+mn-cs"/>
-        </a:defRPr>
-      </a:lvl5pPr>
-      <a:lvl6pPr marL="2286000" algn="l" defTabSz="914400" rtl="0" eaLnBrk="1" latinLnBrk="0" hangingPunct="1">
-        <a:defRPr sz="1800" kern="1200">
-          <a:solidFill>
-            <a:schemeClr val="tx1"/>
-          </a:solidFill>
-          <a:latin typeface="+mn-lt"/>
-          <a:ea typeface="+mn-ea"/>
-          <a:cs typeface="+mn-cs"/>
-        </a:defRPr>
-      </a:lvl6pPr>
-      <a:lvl7pPr marL="2743200" algn="l" defTabSz="914400" rtl="0" eaLnBrk="1" latinLnBrk="0" hangingPunct="1">
-        <a:defRPr sz="1800" kern="1200">
-          <a:solidFill>
-            <a:schemeClr val="tx1"/>
-          </a:solidFill>
-          <a:latin typeface="+mn-lt"/>
-          <a:ea typeface="+mn-ea"/>
-          <a:cs typeface="+mn-cs"/>
-        </a:defRPr>
-      </a:lvl7pPr>
-      <a:lvl8pPr marL="3200400" algn="l" defTabSz="914400" rtl="0" eaLnBrk="1" latinLnBrk="0" hangingPunct="1">
-        <a:defRPr sz="1800" kern="1200">
-          <a:solidFill>
-            <a:schemeClr val="tx1"/>
-          </a:solidFill>
-          <a:latin typeface="+mn-lt"/>
-          <a:ea typeface="+mn-ea"/>
-          <a:cs typeface="+mn-cs"/>
-        </a:defRPr>
-      </a:lvl8pPr>
-      <a:lvl9pPr marL="3657600" algn="l" defTabSz="914400" rtl="0" eaLnBrk="1" latinLnBrk="0" hangingPunct="1">
+      <a:lvl9pPr marL="3657600" algn="l" defTabSz="457200" rtl="0" eaLnBrk="1" latinLnBrk="0" hangingPunct="1">
         <a:defRPr sz="1800" kern="1200">
           <a:solidFill>
             <a:schemeClr val="tx1"/>
@@ -2956,6 +5850,11 @@
       </a:lvl9pPr>
     </p:otherStyle>
   </p:txStyles>
+  <p:extLst>
+    <p:ext uri="{27BBF7A9-308A-43DC-89C8-2F10F3537804}">
+      <p15:sldGuideLst xmlns:p15="http://schemas.microsoft.com/office/powerpoint/2012/main"/>
+    </p:ext>
+  </p:extLst>
 </p:sldMaster>
 </file>
 
@@ -2989,30 +5888,33 @@
         <p:spPr>
           <a:xfrm>
             <a:off x="1547004" y="746185"/>
-            <a:ext cx="9144000" cy="992038"/>
+            <a:ext cx="9083615" cy="992038"/>
           </a:xfrm>
         </p:spPr>
         <p:txBody>
-          <a:bodyPr/>
+          <a:bodyPr>
+            <a:normAutofit/>
+          </a:bodyPr>
           <a:lstStyle/>
           <a:p>
-            <a:r>
-              <a:rPr lang="zh-CN" altLang="zh-CN" dirty="0" smtClean="0"/>
+            <a:pPr algn="l"/>
+            <a:r>
+              <a:rPr lang="zh-CN" altLang="zh-CN" b="1" dirty="0" smtClean="0"/>
               <a:t>什么</a:t>
             </a:r>
             <a:r>
-              <a:rPr lang="zh-CN" altLang="en-US" dirty="0" smtClean="0"/>
+              <a:rPr lang="zh-CN" altLang="en-US" b="1" dirty="0" smtClean="0"/>
               <a:t>是</a:t>
             </a:r>
             <a:r>
-              <a:rPr lang="zh-CN" altLang="zh-CN" dirty="0" smtClean="0"/>
+              <a:rPr lang="zh-CN" altLang="zh-CN" b="1" dirty="0" smtClean="0"/>
               <a:t>爆</a:t>
             </a:r>
             <a:r>
-              <a:rPr lang="zh-CN" altLang="zh-CN" dirty="0"/>
+              <a:rPr lang="zh-CN" altLang="zh-CN" b="1" dirty="0"/>
               <a:t>仓</a:t>
             </a:r>
-            <a:endParaRPr lang="zh-CN" altLang="en-US" dirty="0"/>
+            <a:endParaRPr lang="zh-CN" altLang="en-US" b="1" dirty="0"/>
           </a:p>
         </p:txBody>
       </p:sp>
@@ -3028,7 +5930,7 @@
         </p:nvSpPr>
         <p:spPr>
           <a:xfrm>
-            <a:off x="1547004" y="2117785"/>
+            <a:off x="1547004" y="2308750"/>
             <a:ext cx="9144000" cy="1949570"/>
           </a:xfrm>
         </p:spPr>
@@ -3633,7 +6535,7 @@
         </p:nvSpPr>
         <p:spPr>
           <a:xfrm>
-            <a:off x="1547004" y="4490049"/>
+            <a:off x="1547004" y="3643477"/>
             <a:ext cx="9144000" cy="1949570"/>
           </a:xfrm>
           <a:prstGeom prst="rect">
@@ -3936,9 +6838,12 @@
           </a:xfrm>
         </p:spPr>
         <p:txBody>
-          <a:bodyPr/>
+          <a:bodyPr>
+            <a:normAutofit/>
+          </a:bodyPr>
           <a:lstStyle/>
           <a:p>
+            <a:pPr algn="l"/>
             <a:r>
               <a:rPr lang="zh-CN" altLang="zh-CN" dirty="0" smtClean="0"/>
               <a:t>什么</a:t>
@@ -4588,7 +7493,7 @@
         </p:nvSpPr>
         <p:spPr>
           <a:xfrm>
-            <a:off x="1547004" y="4490049"/>
+            <a:off x="1547004" y="3575649"/>
             <a:ext cx="9144000" cy="1949570"/>
           </a:xfrm>
           <a:prstGeom prst="rect">
@@ -4881,12 +7786,14 @@
           </a:xfrm>
         </p:spPr>
         <p:txBody>
-          <a:bodyPr/>
+          <a:bodyPr>
+            <a:normAutofit/>
+          </a:bodyPr>
           <a:lstStyle/>
           <a:p>
-            <a:pPr lvl="0"/>
-            <a:r>
-              <a:rPr lang="zh-CN" altLang="zh-CN" dirty="0"/>
+            <a:pPr lvl="0" algn="l"/>
+            <a:r>
+              <a:rPr lang="zh-CN" altLang="zh-CN" b="1" dirty="0"/>
               <a:t>指数爆仓有什么好处</a:t>
             </a:r>
           </a:p>
@@ -4909,7 +7816,9 @@
           </a:xfrm>
         </p:spPr>
         <p:txBody>
-          <a:bodyPr/>
+          <a:bodyPr>
+            <a:normAutofit/>
+          </a:bodyPr>
           <a:lstStyle/>
           <a:p>
             <a:pPr algn="l"/>
@@ -5573,12 +8482,14 @@
           </a:xfrm>
         </p:spPr>
         <p:txBody>
-          <a:bodyPr/>
+          <a:bodyPr>
+            <a:normAutofit/>
+          </a:bodyPr>
           <a:lstStyle/>
           <a:p>
-            <a:pPr lvl="0"/>
-            <a:r>
-              <a:rPr lang="zh-CN" altLang="zh-CN" dirty="0"/>
+            <a:pPr lvl="0" algn="l"/>
+            <a:r>
+              <a:rPr lang="zh-CN" altLang="zh-CN" b="1" dirty="0"/>
               <a:t>亏损多少爆仓</a:t>
             </a:r>
           </a:p>
@@ -6480,12 +9391,14 @@
           </a:xfrm>
         </p:spPr>
         <p:txBody>
-          <a:bodyPr/>
+          <a:bodyPr>
+            <a:normAutofit/>
+          </a:bodyPr>
           <a:lstStyle/>
           <a:p>
-            <a:pPr lvl="0"/>
-            <a:r>
-              <a:rPr lang="zh-CN" altLang="zh-CN" dirty="0"/>
+            <a:pPr lvl="0" algn="l"/>
+            <a:r>
+              <a:rPr lang="zh-CN" altLang="zh-CN" b="1" dirty="0"/>
               <a:t>波动多少爆仓</a:t>
             </a:r>
           </a:p>
@@ -7340,11 +10253,7 @@
             </a:r>
             <a:r>
               <a:rPr lang="zh-CN" altLang="en-US" dirty="0" smtClean="0"/>
-              <a:t>倍杠杆满仓做空，涨</a:t>
-            </a:r>
-            <a:r>
-              <a:rPr lang="zh-CN" altLang="en-US" dirty="0" smtClean="0"/>
-              <a:t>到约</a:t>
+              <a:t>倍杠杆满仓做空，涨到约</a:t>
             </a:r>
             <a:r>
               <a:rPr lang="en-US" altLang="zh-CN" dirty="0" smtClean="0"/>
@@ -7376,11 +10285,7 @@
             </a:r>
             <a:r>
               <a:rPr lang="zh-CN" altLang="en-US" dirty="0" smtClean="0"/>
-              <a:t>倍杠杆满仓做多，跌</a:t>
-            </a:r>
-            <a:r>
-              <a:rPr lang="zh-CN" altLang="en-US" dirty="0" smtClean="0"/>
-              <a:t>到约</a:t>
+              <a:t>倍杠杆满仓做多，跌到约</a:t>
             </a:r>
             <a:r>
               <a:rPr lang="en-US" altLang="zh-CN" dirty="0" smtClean="0"/>
@@ -7448,12 +10353,14 @@
           </a:xfrm>
         </p:spPr>
         <p:txBody>
-          <a:bodyPr/>
+          <a:bodyPr>
+            <a:normAutofit/>
+          </a:bodyPr>
           <a:lstStyle/>
           <a:p>
-            <a:pPr lvl="0"/>
-            <a:r>
-              <a:rPr lang="zh-CN" altLang="zh-CN" dirty="0"/>
+            <a:pPr lvl="0" algn="l"/>
+            <a:r>
+              <a:rPr lang="zh-CN" altLang="zh-CN" b="1" dirty="0"/>
               <a:t>爆仓机制，系统怎么挂单</a:t>
             </a:r>
           </a:p>
@@ -7471,7 +10378,7 @@
         </p:nvSpPr>
         <p:spPr>
           <a:xfrm>
-            <a:off x="1547004" y="2117785"/>
+            <a:off x="1547004" y="2414508"/>
             <a:ext cx="9144000" cy="1949570"/>
           </a:xfrm>
         </p:spPr>
@@ -8081,7 +10988,7 @@
         </p:nvSpPr>
         <p:spPr>
           <a:xfrm>
-            <a:off x="1547004" y="4490049"/>
+            <a:off x="1547004" y="3972549"/>
             <a:ext cx="9144000" cy="1949570"/>
           </a:xfrm>
           <a:prstGeom prst="rect">
@@ -8384,12 +11291,14 @@
           </a:xfrm>
         </p:spPr>
         <p:txBody>
-          <a:bodyPr/>
+          <a:bodyPr>
+            <a:normAutofit/>
+          </a:bodyPr>
           <a:lstStyle/>
           <a:p>
-            <a:pPr lvl="0"/>
-            <a:r>
-              <a:rPr lang="zh-CN" altLang="zh-CN" dirty="0"/>
+            <a:pPr lvl="0" algn="l"/>
+            <a:r>
+              <a:rPr lang="zh-CN" altLang="zh-CN" b="1" dirty="0"/>
               <a:t>爆仓后剩余多少资产</a:t>
             </a:r>
           </a:p>
@@ -9375,12 +12284,14 @@
           </a:xfrm>
         </p:spPr>
         <p:txBody>
-          <a:bodyPr/>
+          <a:bodyPr>
+            <a:normAutofit/>
+          </a:bodyPr>
           <a:lstStyle/>
           <a:p>
-            <a:pPr lvl="0"/>
-            <a:r>
-              <a:rPr lang="zh-CN" altLang="zh-CN" dirty="0"/>
+            <a:pPr lvl="0" algn="l"/>
+            <a:r>
+              <a:rPr lang="zh-CN" altLang="zh-CN" b="1" dirty="0"/>
               <a:t>采取什么方法能不被爆仓？</a:t>
             </a:r>
           </a:p>
@@ -10272,9 +13183,9 @@
 </file>
 
 <file path=ppt/theme/theme1.xml><?xml version="1.0" encoding="utf-8"?>
-<a:theme xmlns:a="http://schemas.openxmlformats.org/drawingml/2006/main" name="Office 主题">
+<a:theme xmlns:a="http://schemas.openxmlformats.org/drawingml/2006/main" name="天体">
   <a:themeElements>
-    <a:clrScheme name="Office">
+    <a:clrScheme name="天体">
       <a:dk1>
         <a:sysClr val="windowText" lastClr="000000"/>
       </a:dk1>
@@ -10282,37 +13193,37 @@
         <a:sysClr val="window" lastClr="FFFFFF"/>
       </a:lt1>
       <a:dk2>
-        <a:srgbClr val="44546A"/>
+        <a:srgbClr val="18276C"/>
       </a:dk2>
       <a:lt2>
-        <a:srgbClr val="E7E6E6"/>
+        <a:srgbClr val="EBEBEB"/>
       </a:lt2>
       <a:accent1>
-        <a:srgbClr val="5B9BD5"/>
+        <a:srgbClr val="AC3EC1"/>
       </a:accent1>
       <a:accent2>
-        <a:srgbClr val="ED7D31"/>
+        <a:srgbClr val="477BD1"/>
       </a:accent2>
       <a:accent3>
-        <a:srgbClr val="A5A5A5"/>
+        <a:srgbClr val="46B298"/>
       </a:accent3>
       <a:accent4>
-        <a:srgbClr val="FFC000"/>
+        <a:srgbClr val="90BA4C"/>
       </a:accent4>
       <a:accent5>
-        <a:srgbClr val="4472C4"/>
+        <a:srgbClr val="DD9D31"/>
       </a:accent5>
       <a:accent6>
-        <a:srgbClr val="70AD47"/>
+        <a:srgbClr val="E25247"/>
       </a:accent6>
       <a:hlink>
-        <a:srgbClr val="0563C1"/>
+        <a:srgbClr val="C573D2"/>
       </a:hlink>
       <a:folHlink>
-        <a:srgbClr val="954F72"/>
+        <a:srgbClr val="CCAEE8"/>
       </a:folHlink>
     </a:clrScheme>
-    <a:fontScheme name="Office">
+    <a:fontScheme name="天体">
       <a:majorFont>
         <a:latin typeface="Calibri Light" panose="020F0302020204030204"/>
         <a:ea typeface=""/>
@@ -10384,7 +13295,7 @@
         <a:font script="Geor" typeface="Sylfaen"/>
       </a:minorFont>
     </a:fontScheme>
-    <a:fmtScheme name="Office">
+    <a:fmtScheme name="天体">
       <a:fillStyleLst>
         <a:solidFill>
           <a:schemeClr val="phClr"/>
@@ -10393,23 +13304,14 @@
           <a:gsLst>
             <a:gs pos="0">
               <a:schemeClr val="phClr">
+                <a:tint val="70000"/>
                 <a:lumMod val="110000"/>
-                <a:satMod val="105000"/>
-                <a:tint val="67000"/>
-              </a:schemeClr>
-            </a:gs>
-            <a:gs pos="50000">
-              <a:schemeClr val="phClr">
-                <a:lumMod val="105000"/>
-                <a:satMod val="103000"/>
-                <a:tint val="73000"/>
               </a:schemeClr>
             </a:gs>
             <a:gs pos="100000">
               <a:schemeClr val="phClr">
-                <a:lumMod val="105000"/>
-                <a:satMod val="109000"/>
-                <a:tint val="81000"/>
+                <a:tint val="82000"/>
+                <a:alpha val="74000"/>
               </a:schemeClr>
             </a:gs>
           </a:gsLst>
@@ -10419,50 +13321,38 @@
           <a:gsLst>
             <a:gs pos="0">
               <a:schemeClr val="phClr">
-                <a:satMod val="103000"/>
-                <a:lumMod val="102000"/>
-                <a:tint val="94000"/>
-              </a:schemeClr>
-            </a:gs>
-            <a:gs pos="50000">
-              <a:schemeClr val="phClr">
-                <a:satMod val="110000"/>
+                <a:tint val="98000"/>
                 <a:lumMod val="100000"/>
-                <a:shade val="100000"/>
               </a:schemeClr>
             </a:gs>
             <a:gs pos="100000">
               <a:schemeClr val="phClr">
-                <a:lumMod val="99000"/>
-                <a:satMod val="120000"/>
-                <a:shade val="78000"/>
+                <a:shade val="88000"/>
+                <a:lumMod val="88000"/>
               </a:schemeClr>
             </a:gs>
           </a:gsLst>
-          <a:lin ang="5400000" scaled="0"/>
+          <a:lin ang="5400000" scaled="1"/>
         </a:gradFill>
       </a:fillStyleLst>
       <a:lnStyleLst>
-        <a:ln w="6350" cap="flat" cmpd="sng" algn="ctr">
+        <a:ln w="9525" cap="rnd" cmpd="sng" algn="ctr">
           <a:solidFill>
             <a:schemeClr val="phClr"/>
           </a:solidFill>
           <a:prstDash val="solid"/>
-          <a:miter lim="800000"/>
         </a:ln>
-        <a:ln w="12700" cap="flat" cmpd="sng" algn="ctr">
+        <a:ln w="19050" cap="rnd" cmpd="sng" algn="ctr">
           <a:solidFill>
             <a:schemeClr val="phClr"/>
           </a:solidFill>
           <a:prstDash val="solid"/>
-          <a:miter lim="800000"/>
         </a:ln>
-        <a:ln w="19050" cap="flat" cmpd="sng" algn="ctr">
+        <a:ln w="25400" cap="rnd" cmpd="sng" algn="ctr">
           <a:solidFill>
             <a:schemeClr val="phClr"/>
           </a:solidFill>
           <a:prstDash val="solid"/>
-          <a:miter lim="800000"/>
         </a:ln>
       </a:lnStyleLst>
       <a:effectStyleLst>
@@ -10470,55 +13360,64 @@
           <a:effectLst/>
         </a:effectStyle>
         <a:effectStyle>
-          <a:effectLst/>
+          <a:effectLst>
+            <a:outerShdw blurRad="50800" dist="38100" dir="5400000" rotWithShape="0">
+              <a:srgbClr val="000000">
+                <a:alpha val="35000"/>
+              </a:srgbClr>
+            </a:outerShdw>
+          </a:effectLst>
         </a:effectStyle>
         <a:effectStyle>
           <a:effectLst>
-            <a:outerShdw blurRad="57150" dist="19050" dir="5400000" algn="ctr" rotWithShape="0">
+            <a:outerShdw blurRad="63500" dist="38100" dir="5400000" rotWithShape="0">
               <a:srgbClr val="000000">
-                <a:alpha val="63000"/>
+                <a:alpha val="65000"/>
               </a:srgbClr>
             </a:outerShdw>
           </a:effectLst>
+          <a:scene3d>
+            <a:camera prst="orthographicFront">
+              <a:rot lat="0" lon="0" rev="0"/>
+            </a:camera>
+            <a:lightRig rig="threePt" dir="tl">
+              <a:rot lat="0" lon="0" rev="1200000"/>
+            </a:lightRig>
+          </a:scene3d>
+          <a:sp3d>
+            <a:bevelT w="38100" h="12700"/>
+          </a:sp3d>
         </a:effectStyle>
       </a:effectStyleLst>
       <a:bgFillStyleLst>
         <a:solidFill>
           <a:schemeClr val="phClr"/>
         </a:solidFill>
-        <a:solidFill>
-          <a:schemeClr val="phClr">
-            <a:tint val="95000"/>
-            <a:satMod val="170000"/>
-          </a:schemeClr>
-        </a:solidFill>
         <a:gradFill rotWithShape="1">
           <a:gsLst>
             <a:gs pos="0">
               <a:schemeClr val="phClr">
-                <a:tint val="93000"/>
-                <a:satMod val="150000"/>
-                <a:shade val="98000"/>
-                <a:lumMod val="102000"/>
-              </a:schemeClr>
-            </a:gs>
-            <a:gs pos="50000">
-              <a:schemeClr val="phClr">
-                <a:tint val="98000"/>
-                <a:satMod val="130000"/>
-                <a:shade val="90000"/>
-                <a:lumMod val="103000"/>
+                <a:tint val="90000"/>
+                <a:shade val="96000"/>
+                <a:hueMod val="100000"/>
+                <a:satMod val="180000"/>
+                <a:lumMod val="110000"/>
               </a:schemeClr>
             </a:gs>
             <a:gs pos="100000">
               <a:schemeClr val="phClr">
-                <a:shade val="63000"/>
-                <a:satMod val="120000"/>
+                <a:shade val="96000"/>
+                <a:satMod val="160000"/>
+                <a:lumMod val="100000"/>
               </a:schemeClr>
             </a:gs>
           </a:gsLst>
-          <a:lin ang="5400000" scaled="0"/>
+          <a:lin ang="4740000" scaled="1"/>
         </a:gradFill>
+        <a:blipFill>
+          <a:blip xmlns:r="http://schemas.openxmlformats.org/officeDocument/2006/relationships" r:embed="rId1"/>
+          <a:stretch/>
+        </a:blipFill>
       </a:bgFillStyleLst>
     </a:fmtScheme>
   </a:themeElements>
@@ -10526,7 +13425,7 @@
   <a:extraClrSchemeLst/>
   <a:extLst>
     <a:ext uri="{05A4C25C-085E-4340-85A3-A5531E510DB2}">
-      <thm15:themeFamily xmlns:thm15="http://schemas.microsoft.com/office/thememl/2012/main" name="Office Theme" id="{62F939B6-93AF-4DB8-9C6B-D6C7DFDC589F}" vid="{4A3C46E8-61CC-4603-A589-7422A47A8E4A}"/>
+      <thm15:themeFamily xmlns:thm15="http://schemas.microsoft.com/office/thememl/2012/main" name="Celestial" id="{C4BB2A3D-0E93-4C5F-B0D2-9D3FCE089CC5}" vid="{42E5908D-19A2-46FD-89FA-638B126129EF}"/>
     </a:ext>
   </a:extLst>
 </a:theme>
